--- a/RefactoringToCleanerCode-In Person.pptx
+++ b/RefactoringToCleanerCode-In Person.pptx
@@ -5,26 +5,22 @@
     <p:sldMasterId id="2147483658" r:id="rId1"/>
   </p:sldMasterIdLst>
   <p:notesMasterIdLst>
-    <p:notesMasterId r:id="rId19"/>
+    <p:notesMasterId r:id="rId15"/>
   </p:notesMasterIdLst>
   <p:sldIdLst>
     <p:sldId id="256" r:id="rId2"/>
     <p:sldId id="299" r:id="rId3"/>
-    <p:sldId id="292" r:id="rId4"/>
-    <p:sldId id="290" r:id="rId5"/>
-    <p:sldId id="291" r:id="rId6"/>
-    <p:sldId id="263" r:id="rId7"/>
-    <p:sldId id="262" r:id="rId8"/>
-    <p:sldId id="273" r:id="rId9"/>
-    <p:sldId id="294" r:id="rId10"/>
-    <p:sldId id="267" r:id="rId11"/>
-    <p:sldId id="295" r:id="rId12"/>
-    <p:sldId id="296" r:id="rId13"/>
-    <p:sldId id="298" r:id="rId14"/>
-    <p:sldId id="260" r:id="rId15"/>
-    <p:sldId id="288" r:id="rId16"/>
-    <p:sldId id="300" r:id="rId17"/>
-    <p:sldId id="278" r:id="rId18"/>
+    <p:sldId id="291" r:id="rId4"/>
+    <p:sldId id="263" r:id="rId5"/>
+    <p:sldId id="262" r:id="rId6"/>
+    <p:sldId id="273" r:id="rId7"/>
+    <p:sldId id="294" r:id="rId8"/>
+    <p:sldId id="301" r:id="rId9"/>
+    <p:sldId id="302" r:id="rId10"/>
+    <p:sldId id="260" r:id="rId11"/>
+    <p:sldId id="288" r:id="rId12"/>
+    <p:sldId id="300" r:id="rId13"/>
+    <p:sldId id="278" r:id="rId14"/>
   </p:sldIdLst>
   <p:sldSz cx="9144000" cy="5143500" type="screen16x9"/>
   <p:notesSz cx="6858000" cy="9144000"/>
@@ -811,442 +807,6 @@
 </file>
 
 <file path=ppt/notesSlides/notesSlide10.xml><?xml version="1.0" encoding="utf-8"?>
-<p:notes xmlns:a="http://schemas.openxmlformats.org/drawingml/2006/main" xmlns:r="http://schemas.openxmlformats.org/officeDocument/2006/relationships" xmlns:p="http://schemas.openxmlformats.org/presentationml/2006/main" showMasterSp="0" showMasterPhAnim="0">
-  <p:cSld>
-    <p:spTree>
-      <p:nvGrpSpPr>
-        <p:cNvPr id="1" name="Shape 136"/>
-        <p:cNvGrpSpPr/>
-        <p:nvPr/>
-      </p:nvGrpSpPr>
-      <p:grpSpPr>
-        <a:xfrm>
-          <a:off x="0" y="0"/>
-          <a:ext cx="0" cy="0"/>
-          <a:chOff x="0" y="0"/>
-          <a:chExt cx="0" cy="0"/>
-        </a:xfrm>
-      </p:grpSpPr>
-      <p:sp>
-        <p:nvSpPr>
-          <p:cNvPr id="137" name="Google Shape;137;g35f391192_073:notes"/>
-          <p:cNvSpPr>
-            <a:spLocks noGrp="1" noRot="1" noChangeAspect="1"/>
-          </p:cNvSpPr>
-          <p:nvPr>
-            <p:ph type="sldImg" idx="2"/>
-          </p:nvPr>
-        </p:nvSpPr>
-        <p:spPr>
-          <a:xfrm>
-            <a:off x="381000" y="685800"/>
-            <a:ext cx="6096000" cy="3429000"/>
-          </a:xfrm>
-          <a:custGeom>
-            <a:avLst/>
-            <a:gdLst/>
-            <a:ahLst/>
-            <a:cxnLst/>
-            <a:rect l="l" t="t" r="r" b="b"/>
-            <a:pathLst>
-              <a:path w="120000" h="120000" extrusionOk="0">
-                <a:moveTo>
-                  <a:pt x="0" y="0"/>
-                </a:moveTo>
-                <a:lnTo>
-                  <a:pt x="120000" y="0"/>
-                </a:lnTo>
-                <a:lnTo>
-                  <a:pt x="120000" y="120000"/>
-                </a:lnTo>
-                <a:lnTo>
-                  <a:pt x="0" y="120000"/>
-                </a:lnTo>
-                <a:close/>
-              </a:path>
-            </a:pathLst>
-          </a:custGeom>
-        </p:spPr>
-      </p:sp>
-      <p:sp>
-        <p:nvSpPr>
-          <p:cNvPr id="138" name="Google Shape;138;g35f391192_073:notes"/>
-          <p:cNvSpPr txBox="1">
-            <a:spLocks noGrp="1"/>
-          </p:cNvSpPr>
-          <p:nvPr>
-            <p:ph type="body" idx="1"/>
-          </p:nvPr>
-        </p:nvSpPr>
-        <p:spPr>
-          <a:xfrm>
-            <a:off x="685800" y="4343400"/>
-            <a:ext cx="5486400" cy="4114800"/>
-          </a:xfrm>
-          <a:prstGeom prst="rect">
-            <a:avLst/>
-          </a:prstGeom>
-        </p:spPr>
-        <p:txBody>
-          <a:bodyPr spcFirstLastPara="1" wrap="square" lIns="91425" tIns="91425" rIns="91425" bIns="91425" anchor="t" anchorCtr="0">
-            <a:noAutofit/>
-          </a:bodyPr>
-          <a:lstStyle/>
-          <a:p>
-            <a:pPr marL="0" lvl="0" indent="0" algn="l" rtl="0">
-              <a:spcBef>
-                <a:spcPts val="0"/>
-              </a:spcBef>
-              <a:spcAft>
-                <a:spcPts val="0"/>
-              </a:spcAft>
-              <a:buNone/>
-            </a:pPr>
-            <a:endParaRPr/>
-          </a:p>
-        </p:txBody>
-      </p:sp>
-    </p:spTree>
-    <p:extLst>
-      <p:ext uri="{BB962C8B-B14F-4D97-AF65-F5344CB8AC3E}">
-        <p14:creationId xmlns:p14="http://schemas.microsoft.com/office/powerpoint/2010/main" val="400622496"/>
-      </p:ext>
-    </p:extLst>
-  </p:cSld>
-  <p:clrMapOvr>
-    <a:masterClrMapping/>
-  </p:clrMapOvr>
-</p:notes>
-</file>
-
-<file path=ppt/notesSlides/notesSlide11.xml><?xml version="1.0" encoding="utf-8"?>
-<p:notes xmlns:a="http://schemas.openxmlformats.org/drawingml/2006/main" xmlns:r="http://schemas.openxmlformats.org/officeDocument/2006/relationships" xmlns:p="http://schemas.openxmlformats.org/presentationml/2006/main" showMasterSp="0" showMasterPhAnim="0">
-  <p:cSld>
-    <p:spTree>
-      <p:nvGrpSpPr>
-        <p:cNvPr id="1" name="Shape 136"/>
-        <p:cNvGrpSpPr/>
-        <p:nvPr/>
-      </p:nvGrpSpPr>
-      <p:grpSpPr>
-        <a:xfrm>
-          <a:off x="0" y="0"/>
-          <a:ext cx="0" cy="0"/>
-          <a:chOff x="0" y="0"/>
-          <a:chExt cx="0" cy="0"/>
-        </a:xfrm>
-      </p:grpSpPr>
-      <p:sp>
-        <p:nvSpPr>
-          <p:cNvPr id="137" name="Google Shape;137;g35f391192_073:notes"/>
-          <p:cNvSpPr>
-            <a:spLocks noGrp="1" noRot="1" noChangeAspect="1"/>
-          </p:cNvSpPr>
-          <p:nvPr>
-            <p:ph type="sldImg" idx="2"/>
-          </p:nvPr>
-        </p:nvSpPr>
-        <p:spPr>
-          <a:xfrm>
-            <a:off x="381000" y="685800"/>
-            <a:ext cx="6096000" cy="3429000"/>
-          </a:xfrm>
-          <a:custGeom>
-            <a:avLst/>
-            <a:gdLst/>
-            <a:ahLst/>
-            <a:cxnLst/>
-            <a:rect l="l" t="t" r="r" b="b"/>
-            <a:pathLst>
-              <a:path w="120000" h="120000" extrusionOk="0">
-                <a:moveTo>
-                  <a:pt x="0" y="0"/>
-                </a:moveTo>
-                <a:lnTo>
-                  <a:pt x="120000" y="0"/>
-                </a:lnTo>
-                <a:lnTo>
-                  <a:pt x="120000" y="120000"/>
-                </a:lnTo>
-                <a:lnTo>
-                  <a:pt x="0" y="120000"/>
-                </a:lnTo>
-                <a:close/>
-              </a:path>
-            </a:pathLst>
-          </a:custGeom>
-        </p:spPr>
-      </p:sp>
-      <p:sp>
-        <p:nvSpPr>
-          <p:cNvPr id="138" name="Google Shape;138;g35f391192_073:notes"/>
-          <p:cNvSpPr txBox="1">
-            <a:spLocks noGrp="1"/>
-          </p:cNvSpPr>
-          <p:nvPr>
-            <p:ph type="body" idx="1"/>
-          </p:nvPr>
-        </p:nvSpPr>
-        <p:spPr>
-          <a:xfrm>
-            <a:off x="685800" y="4343400"/>
-            <a:ext cx="5486400" cy="4114800"/>
-          </a:xfrm>
-          <a:prstGeom prst="rect">
-            <a:avLst/>
-          </a:prstGeom>
-        </p:spPr>
-        <p:txBody>
-          <a:bodyPr spcFirstLastPara="1" wrap="square" lIns="91425" tIns="91425" rIns="91425" bIns="91425" anchor="t" anchorCtr="0">
-            <a:noAutofit/>
-          </a:bodyPr>
-          <a:lstStyle/>
-          <a:p>
-            <a:pPr marL="0" lvl="0" indent="0" algn="l" rtl="0">
-              <a:spcBef>
-                <a:spcPts val="0"/>
-              </a:spcBef>
-              <a:spcAft>
-                <a:spcPts val="0"/>
-              </a:spcAft>
-              <a:buNone/>
-            </a:pPr>
-            <a:endParaRPr/>
-          </a:p>
-        </p:txBody>
-      </p:sp>
-    </p:spTree>
-    <p:extLst>
-      <p:ext uri="{BB962C8B-B14F-4D97-AF65-F5344CB8AC3E}">
-        <p14:creationId xmlns:p14="http://schemas.microsoft.com/office/powerpoint/2010/main" val="1013400593"/>
-      </p:ext>
-    </p:extLst>
-  </p:cSld>
-  <p:clrMapOvr>
-    <a:masterClrMapping/>
-  </p:clrMapOvr>
-</p:notes>
-</file>
-
-<file path=ppt/notesSlides/notesSlide12.xml><?xml version="1.0" encoding="utf-8"?>
-<p:notes xmlns:a="http://schemas.openxmlformats.org/drawingml/2006/main" xmlns:r="http://schemas.openxmlformats.org/officeDocument/2006/relationships" xmlns:p="http://schemas.openxmlformats.org/presentationml/2006/main" showMasterSp="0" showMasterPhAnim="0">
-  <p:cSld>
-    <p:spTree>
-      <p:nvGrpSpPr>
-        <p:cNvPr id="1" name="Shape 136"/>
-        <p:cNvGrpSpPr/>
-        <p:nvPr/>
-      </p:nvGrpSpPr>
-      <p:grpSpPr>
-        <a:xfrm>
-          <a:off x="0" y="0"/>
-          <a:ext cx="0" cy="0"/>
-          <a:chOff x="0" y="0"/>
-          <a:chExt cx="0" cy="0"/>
-        </a:xfrm>
-      </p:grpSpPr>
-      <p:sp>
-        <p:nvSpPr>
-          <p:cNvPr id="137" name="Google Shape;137;g35f391192_073:notes"/>
-          <p:cNvSpPr>
-            <a:spLocks noGrp="1" noRot="1" noChangeAspect="1"/>
-          </p:cNvSpPr>
-          <p:nvPr>
-            <p:ph type="sldImg" idx="2"/>
-          </p:nvPr>
-        </p:nvSpPr>
-        <p:spPr>
-          <a:xfrm>
-            <a:off x="381000" y="685800"/>
-            <a:ext cx="6096000" cy="3429000"/>
-          </a:xfrm>
-          <a:custGeom>
-            <a:avLst/>
-            <a:gdLst/>
-            <a:ahLst/>
-            <a:cxnLst/>
-            <a:rect l="l" t="t" r="r" b="b"/>
-            <a:pathLst>
-              <a:path w="120000" h="120000" extrusionOk="0">
-                <a:moveTo>
-                  <a:pt x="0" y="0"/>
-                </a:moveTo>
-                <a:lnTo>
-                  <a:pt x="120000" y="0"/>
-                </a:lnTo>
-                <a:lnTo>
-                  <a:pt x="120000" y="120000"/>
-                </a:lnTo>
-                <a:lnTo>
-                  <a:pt x="0" y="120000"/>
-                </a:lnTo>
-                <a:close/>
-              </a:path>
-            </a:pathLst>
-          </a:custGeom>
-        </p:spPr>
-      </p:sp>
-      <p:sp>
-        <p:nvSpPr>
-          <p:cNvPr id="138" name="Google Shape;138;g35f391192_073:notes"/>
-          <p:cNvSpPr txBox="1">
-            <a:spLocks noGrp="1"/>
-          </p:cNvSpPr>
-          <p:nvPr>
-            <p:ph type="body" idx="1"/>
-          </p:nvPr>
-        </p:nvSpPr>
-        <p:spPr>
-          <a:xfrm>
-            <a:off x="685800" y="4343400"/>
-            <a:ext cx="5486400" cy="4114800"/>
-          </a:xfrm>
-          <a:prstGeom prst="rect">
-            <a:avLst/>
-          </a:prstGeom>
-        </p:spPr>
-        <p:txBody>
-          <a:bodyPr spcFirstLastPara="1" wrap="square" lIns="91425" tIns="91425" rIns="91425" bIns="91425" anchor="t" anchorCtr="0">
-            <a:noAutofit/>
-          </a:bodyPr>
-          <a:lstStyle/>
-          <a:p>
-            <a:pPr marL="0" lvl="0" indent="0" algn="l" rtl="0">
-              <a:spcBef>
-                <a:spcPts val="0"/>
-              </a:spcBef>
-              <a:spcAft>
-                <a:spcPts val="0"/>
-              </a:spcAft>
-              <a:buNone/>
-            </a:pPr>
-            <a:endParaRPr/>
-          </a:p>
-        </p:txBody>
-      </p:sp>
-    </p:spTree>
-    <p:extLst>
-      <p:ext uri="{BB962C8B-B14F-4D97-AF65-F5344CB8AC3E}">
-        <p14:creationId xmlns:p14="http://schemas.microsoft.com/office/powerpoint/2010/main" val="3385966170"/>
-      </p:ext>
-    </p:extLst>
-  </p:cSld>
-  <p:clrMapOvr>
-    <a:masterClrMapping/>
-  </p:clrMapOvr>
-</p:notes>
-</file>
-
-<file path=ppt/notesSlides/notesSlide13.xml><?xml version="1.0" encoding="utf-8"?>
-<p:notes xmlns:a="http://schemas.openxmlformats.org/drawingml/2006/main" xmlns:r="http://schemas.openxmlformats.org/officeDocument/2006/relationships" xmlns:p="http://schemas.openxmlformats.org/presentationml/2006/main" showMasterSp="0" showMasterPhAnim="0">
-  <p:cSld>
-    <p:spTree>
-      <p:nvGrpSpPr>
-        <p:cNvPr id="1" name="Shape 77"/>
-        <p:cNvGrpSpPr/>
-        <p:nvPr/>
-      </p:nvGrpSpPr>
-      <p:grpSpPr>
-        <a:xfrm>
-          <a:off x="0" y="0"/>
-          <a:ext cx="0" cy="0"/>
-          <a:chOff x="0" y="0"/>
-          <a:chExt cx="0" cy="0"/>
-        </a:xfrm>
-      </p:grpSpPr>
-      <p:sp>
-        <p:nvSpPr>
-          <p:cNvPr id="78" name="Google Shape;78;g35f391192_09:notes"/>
-          <p:cNvSpPr>
-            <a:spLocks noGrp="1" noRot="1" noChangeAspect="1"/>
-          </p:cNvSpPr>
-          <p:nvPr>
-            <p:ph type="sldImg" idx="2"/>
-          </p:nvPr>
-        </p:nvSpPr>
-        <p:spPr>
-          <a:xfrm>
-            <a:off x="381000" y="685800"/>
-            <a:ext cx="6096000" cy="3429000"/>
-          </a:xfrm>
-          <a:custGeom>
-            <a:avLst/>
-            <a:gdLst/>
-            <a:ahLst/>
-            <a:cxnLst/>
-            <a:rect l="l" t="t" r="r" b="b"/>
-            <a:pathLst>
-              <a:path w="120000" h="120000" extrusionOk="0">
-                <a:moveTo>
-                  <a:pt x="0" y="0"/>
-                </a:moveTo>
-                <a:lnTo>
-                  <a:pt x="120000" y="0"/>
-                </a:lnTo>
-                <a:lnTo>
-                  <a:pt x="120000" y="120000"/>
-                </a:lnTo>
-                <a:lnTo>
-                  <a:pt x="0" y="120000"/>
-                </a:lnTo>
-                <a:close/>
-              </a:path>
-            </a:pathLst>
-          </a:custGeom>
-        </p:spPr>
-      </p:sp>
-      <p:sp>
-        <p:nvSpPr>
-          <p:cNvPr id="79" name="Google Shape;79;g35f391192_09:notes"/>
-          <p:cNvSpPr txBox="1">
-            <a:spLocks noGrp="1"/>
-          </p:cNvSpPr>
-          <p:nvPr>
-            <p:ph type="body" idx="1"/>
-          </p:nvPr>
-        </p:nvSpPr>
-        <p:spPr>
-          <a:xfrm>
-            <a:off x="685800" y="4343400"/>
-            <a:ext cx="5486400" cy="4114800"/>
-          </a:xfrm>
-          <a:prstGeom prst="rect">
-            <a:avLst/>
-          </a:prstGeom>
-        </p:spPr>
-        <p:txBody>
-          <a:bodyPr spcFirstLastPara="1" wrap="square" lIns="91425" tIns="91425" rIns="91425" bIns="91425" anchor="t" anchorCtr="0">
-            <a:noAutofit/>
-          </a:bodyPr>
-          <a:lstStyle/>
-          <a:p>
-            <a:pPr marL="0" lvl="0" indent="0" algn="l" rtl="0">
-              <a:spcBef>
-                <a:spcPts val="0"/>
-              </a:spcBef>
-              <a:spcAft>
-                <a:spcPts val="0"/>
-              </a:spcAft>
-              <a:buNone/>
-            </a:pPr>
-            <a:endParaRPr/>
-          </a:p>
-        </p:txBody>
-      </p:sp>
-    </p:spTree>
-    <p:extLst>
-      <p:ext uri="{BB962C8B-B14F-4D97-AF65-F5344CB8AC3E}">
-        <p14:creationId xmlns:p14="http://schemas.microsoft.com/office/powerpoint/2010/main" val="2810330859"/>
-      </p:ext>
-    </p:extLst>
-  </p:cSld>
-  <p:clrMapOvr>
-    <a:masterClrMapping/>
-  </p:clrMapOvr>
-</p:notes>
-</file>
-
-<file path=ppt/notesSlides/notesSlide14.xml><?xml version="1.0" encoding="utf-8"?>
 <p:notes xmlns:a="http://schemas.openxmlformats.org/drawingml/2006/main" xmlns:r="http://schemas.openxmlformats.org/officeDocument/2006/relationships" xmlns:p="http://schemas.openxmlformats.org/presentationml/2006/main">
   <p:cSld>
     <p:spTree>
@@ -1273,7 +833,12 @@
             <p:ph type="sldImg"/>
           </p:nvPr>
         </p:nvSpPr>
-        <p:spPr/>
+        <p:spPr>
+          <a:xfrm>
+            <a:off x="381000" y="685800"/>
+            <a:ext cx="6096000" cy="3429000"/>
+          </a:xfrm>
+        </p:spPr>
       </p:sp>
       <p:sp>
         <p:nvSpPr>
@@ -1307,7 +872,7 @@
 </p:notes>
 </file>
 
-<file path=ppt/notesSlides/notesSlide15.xml><?xml version="1.0" encoding="utf-8"?>
+<file path=ppt/notesSlides/notesSlide11.xml><?xml version="1.0" encoding="utf-8"?>
 <p:notes xmlns:a="http://schemas.openxmlformats.org/drawingml/2006/main" xmlns:r="http://schemas.openxmlformats.org/officeDocument/2006/relationships" xmlns:p="http://schemas.openxmlformats.org/presentationml/2006/main" showMasterSp="0" showMasterPhAnim="0">
   <p:cSld>
     <p:spTree>
@@ -1510,7 +1075,7 @@
     </p:spTree>
     <p:extLst>
       <p:ext uri="{BB962C8B-B14F-4D97-AF65-F5344CB8AC3E}">
-        <p14:creationId xmlns:p14="http://schemas.microsoft.com/office/powerpoint/2010/main" val="1116915397"/>
+        <p14:creationId xmlns:p14="http://schemas.microsoft.com/office/powerpoint/2010/main" val="3369425858"/>
       </p:ext>
     </p:extLst>
   </p:cSld>
@@ -1525,7 +1090,7 @@
   <p:cSld>
     <p:spTree>
       <p:nvGrpSpPr>
-        <p:cNvPr id="1" name="Shape 90"/>
+        <p:cNvPr id="1" name="Shape 105"/>
         <p:cNvGrpSpPr/>
         <p:nvPr/>
       </p:nvGrpSpPr>
@@ -1539,7 +1104,7 @@
       </p:grpSpPr>
       <p:sp>
         <p:nvSpPr>
-          <p:cNvPr id="91" name="Google Shape;91;g35ed75ccf_015:notes"/>
+          <p:cNvPr id="106" name="Google Shape;106;g35f391192_017:notes"/>
           <p:cNvSpPr>
             <a:spLocks noGrp="1" noRot="1" noChangeAspect="1"/>
           </p:cNvSpPr>
@@ -1580,7 +1145,7 @@
       </p:sp>
       <p:sp>
         <p:nvSpPr>
-          <p:cNvPr id="92" name="Google Shape;92;g35ed75ccf_015:notes"/>
+          <p:cNvPr id="107" name="Google Shape;107;g35f391192_017:notes"/>
           <p:cNvSpPr txBox="1">
             <a:spLocks noGrp="1"/>
           </p:cNvSpPr>
@@ -1619,7 +1184,7 @@
     </p:spTree>
     <p:extLst>
       <p:ext uri="{BB962C8B-B14F-4D97-AF65-F5344CB8AC3E}">
-        <p14:creationId xmlns:p14="http://schemas.microsoft.com/office/powerpoint/2010/main" val="1586276866"/>
+        <p14:creationId xmlns:p14="http://schemas.microsoft.com/office/powerpoint/2010/main" val="3783233666"/>
       </p:ext>
     </p:extLst>
   </p:cSld>
@@ -1728,7 +1293,7 @@
     </p:spTree>
     <p:extLst>
       <p:ext uri="{BB962C8B-B14F-4D97-AF65-F5344CB8AC3E}">
-        <p14:creationId xmlns:p14="http://schemas.microsoft.com/office/powerpoint/2010/main" val="3369425858"/>
+        <p14:creationId xmlns:p14="http://schemas.microsoft.com/office/powerpoint/2010/main" val="2829314234"/>
       </p:ext>
     </p:extLst>
   </p:cSld>
@@ -1743,7 +1308,7 @@
   <p:cSld>
     <p:spTree>
       <p:nvGrpSpPr>
-        <p:cNvPr id="1" name="Shape 105"/>
+        <p:cNvPr id="1" name="Shape 193"/>
         <p:cNvGrpSpPr/>
         <p:nvPr/>
       </p:nvGrpSpPr>
@@ -1757,7 +1322,7 @@
       </p:grpSpPr>
       <p:sp>
         <p:nvSpPr>
-          <p:cNvPr id="106" name="Google Shape;106;g35f391192_017:notes"/>
+          <p:cNvPr id="194" name="Google Shape;194;g35ed75ccf_057:notes"/>
           <p:cNvSpPr>
             <a:spLocks noGrp="1" noRot="1" noChangeAspect="1"/>
           </p:cNvSpPr>
@@ -1798,7 +1363,7 @@
       </p:sp>
       <p:sp>
         <p:nvSpPr>
-          <p:cNvPr id="107" name="Google Shape;107;g35f391192_017:notes"/>
+          <p:cNvPr id="195" name="Google Shape;195;g35ed75ccf_057:notes"/>
           <p:cNvSpPr txBox="1">
             <a:spLocks noGrp="1"/>
           </p:cNvSpPr>
@@ -1837,7 +1402,7 @@
     </p:spTree>
     <p:extLst>
       <p:ext uri="{BB962C8B-B14F-4D97-AF65-F5344CB8AC3E}">
-        <p14:creationId xmlns:p14="http://schemas.microsoft.com/office/powerpoint/2010/main" val="3783233666"/>
+        <p14:creationId xmlns:p14="http://schemas.microsoft.com/office/powerpoint/2010/main" val="1847288177"/>
       </p:ext>
     </p:extLst>
   </p:cSld>
@@ -1946,7 +1511,7 @@
     </p:spTree>
     <p:extLst>
       <p:ext uri="{BB962C8B-B14F-4D97-AF65-F5344CB8AC3E}">
-        <p14:creationId xmlns:p14="http://schemas.microsoft.com/office/powerpoint/2010/main" val="2829314234"/>
+        <p14:creationId xmlns:p14="http://schemas.microsoft.com/office/powerpoint/2010/main" val="629052292"/>
       </p:ext>
     </p:extLst>
   </p:cSld>
@@ -2055,7 +1620,7 @@
     </p:spTree>
     <p:extLst>
       <p:ext uri="{BB962C8B-B14F-4D97-AF65-F5344CB8AC3E}">
-        <p14:creationId xmlns:p14="http://schemas.microsoft.com/office/powerpoint/2010/main" val="1847288177"/>
+        <p14:creationId xmlns:p14="http://schemas.microsoft.com/office/powerpoint/2010/main" val="2191526323"/>
       </p:ext>
     </p:extLst>
   </p:cSld>
@@ -2164,7 +1729,7 @@
     </p:spTree>
     <p:extLst>
       <p:ext uri="{BB962C8B-B14F-4D97-AF65-F5344CB8AC3E}">
-        <p14:creationId xmlns:p14="http://schemas.microsoft.com/office/powerpoint/2010/main" val="629052292"/>
+        <p14:creationId xmlns:p14="http://schemas.microsoft.com/office/powerpoint/2010/main" val="397411663"/>
       </p:ext>
     </p:extLst>
   </p:cSld>
@@ -2179,7 +1744,7 @@
   <p:cSld>
     <p:spTree>
       <p:nvGrpSpPr>
-        <p:cNvPr id="1" name="Shape 136"/>
+        <p:cNvPr id="1" name="Shape 77"/>
         <p:cNvGrpSpPr/>
         <p:nvPr/>
       </p:nvGrpSpPr>
@@ -2193,7 +1758,7 @@
       </p:grpSpPr>
       <p:sp>
         <p:nvSpPr>
-          <p:cNvPr id="137" name="Google Shape;137;g35f391192_073:notes"/>
+          <p:cNvPr id="78" name="Google Shape;78;g35f391192_09:notes"/>
           <p:cNvSpPr>
             <a:spLocks noGrp="1" noRot="1" noChangeAspect="1"/>
           </p:cNvSpPr>
@@ -2234,7 +1799,7 @@
       </p:sp>
       <p:sp>
         <p:nvSpPr>
-          <p:cNvPr id="138" name="Google Shape;138;g35f391192_073:notes"/>
+          <p:cNvPr id="79" name="Google Shape;79;g35f391192_09:notes"/>
           <p:cNvSpPr txBox="1">
             <a:spLocks noGrp="1"/>
           </p:cNvSpPr>
@@ -2273,7 +1838,7 @@
     </p:spTree>
     <p:extLst>
       <p:ext uri="{BB962C8B-B14F-4D97-AF65-F5344CB8AC3E}">
-        <p14:creationId xmlns:p14="http://schemas.microsoft.com/office/powerpoint/2010/main" val="2805659604"/>
+        <p14:creationId xmlns:p14="http://schemas.microsoft.com/office/powerpoint/2010/main" val="2810330859"/>
       </p:ext>
     </p:extLst>
   </p:cSld>
@@ -4635,248 +4200,6 @@
 </p:sldLayout>
 </file>
 
-<file path=ppt/slideLayouts/slideLayout8.xml><?xml version="1.0" encoding="utf-8"?>
-<p:sldLayout xmlns:a="http://schemas.openxmlformats.org/drawingml/2006/main" xmlns:r="http://schemas.openxmlformats.org/officeDocument/2006/relationships" xmlns:p="http://schemas.openxmlformats.org/presentationml/2006/main" matchingName="Title only" type="titleOnly">
-  <p:cSld name="Title only">
-    <p:spTree>
-      <p:nvGrpSpPr>
-        <p:cNvPr id="1" name="Shape 37"/>
-        <p:cNvGrpSpPr/>
-        <p:nvPr/>
-      </p:nvGrpSpPr>
-      <p:grpSpPr>
-        <a:xfrm>
-          <a:off x="0" y="0"/>
-          <a:ext cx="0" cy="0"/>
-          <a:chOff x="0" y="0"/>
-          <a:chExt cx="0" cy="0"/>
-        </a:xfrm>
-      </p:grpSpPr>
-      <p:sp>
-        <p:nvSpPr>
-          <p:cNvPr id="38" name="Google Shape;38;p8"/>
-          <p:cNvSpPr txBox="1">
-            <a:spLocks noGrp="1"/>
-          </p:cNvSpPr>
-          <p:nvPr>
-            <p:ph type="title"/>
-          </p:nvPr>
-        </p:nvSpPr>
-        <p:spPr>
-          <a:xfrm>
-            <a:off x="388955" y="338306"/>
-            <a:ext cx="8366100" cy="762600"/>
-          </a:xfrm>
-          <a:prstGeom prst="rect">
-            <a:avLst/>
-          </a:prstGeom>
-        </p:spPr>
-        <p:txBody>
-          <a:bodyPr spcFirstLastPara="1" wrap="square" lIns="91425" tIns="91425" rIns="91425" bIns="91425" anchor="ctr" anchorCtr="0">
-            <a:noAutofit/>
-          </a:bodyPr>
-          <a:lstStyle>
-            <a:lvl1pPr lvl="0">
-              <a:spcBef>
-                <a:spcPts val="0"/>
-              </a:spcBef>
-              <a:spcAft>
-                <a:spcPts val="0"/>
-              </a:spcAft>
-              <a:buSzPts val="1600"/>
-              <a:buNone/>
-              <a:defRPr>
-                <a:highlight>
-                  <a:srgbClr val="F3F3F3"/>
-                </a:highlight>
-              </a:defRPr>
-            </a:lvl1pPr>
-            <a:lvl2pPr lvl="1">
-              <a:spcBef>
-                <a:spcPts val="0"/>
-              </a:spcBef>
-              <a:spcAft>
-                <a:spcPts val="0"/>
-              </a:spcAft>
-              <a:buSzPts val="1600"/>
-              <a:buNone/>
-              <a:defRPr/>
-            </a:lvl2pPr>
-            <a:lvl3pPr lvl="2">
-              <a:spcBef>
-                <a:spcPts val="0"/>
-              </a:spcBef>
-              <a:spcAft>
-                <a:spcPts val="0"/>
-              </a:spcAft>
-              <a:buSzPts val="1600"/>
-              <a:buNone/>
-              <a:defRPr/>
-            </a:lvl3pPr>
-            <a:lvl4pPr lvl="3">
-              <a:spcBef>
-                <a:spcPts val="0"/>
-              </a:spcBef>
-              <a:spcAft>
-                <a:spcPts val="0"/>
-              </a:spcAft>
-              <a:buSzPts val="1600"/>
-              <a:buNone/>
-              <a:defRPr/>
-            </a:lvl4pPr>
-            <a:lvl5pPr lvl="4">
-              <a:spcBef>
-                <a:spcPts val="0"/>
-              </a:spcBef>
-              <a:spcAft>
-                <a:spcPts val="0"/>
-              </a:spcAft>
-              <a:buSzPts val="1600"/>
-              <a:buNone/>
-              <a:defRPr/>
-            </a:lvl5pPr>
-            <a:lvl6pPr lvl="5">
-              <a:spcBef>
-                <a:spcPts val="0"/>
-              </a:spcBef>
-              <a:spcAft>
-                <a:spcPts val="0"/>
-              </a:spcAft>
-              <a:buSzPts val="1600"/>
-              <a:buNone/>
-              <a:defRPr/>
-            </a:lvl6pPr>
-            <a:lvl7pPr lvl="6">
-              <a:spcBef>
-                <a:spcPts val="0"/>
-              </a:spcBef>
-              <a:spcAft>
-                <a:spcPts val="0"/>
-              </a:spcAft>
-              <a:buSzPts val="1600"/>
-              <a:buNone/>
-              <a:defRPr/>
-            </a:lvl7pPr>
-            <a:lvl8pPr lvl="7">
-              <a:spcBef>
-                <a:spcPts val="0"/>
-              </a:spcBef>
-              <a:spcAft>
-                <a:spcPts val="0"/>
-              </a:spcAft>
-              <a:buSzPts val="1600"/>
-              <a:buNone/>
-              <a:defRPr/>
-            </a:lvl8pPr>
-            <a:lvl9pPr lvl="8">
-              <a:spcBef>
-                <a:spcPts val="0"/>
-              </a:spcBef>
-              <a:spcAft>
-                <a:spcPts val="0"/>
-              </a:spcAft>
-              <a:buSzPts val="1600"/>
-              <a:buNone/>
-              <a:defRPr/>
-            </a:lvl9pPr>
-          </a:lstStyle>
-          <a:p>
-            <a:endParaRPr/>
-          </a:p>
-        </p:txBody>
-      </p:sp>
-      <p:sp>
-        <p:nvSpPr>
-          <p:cNvPr id="39" name="Google Shape;39;p8"/>
-          <p:cNvSpPr txBox="1">
-            <a:spLocks noGrp="1"/>
-          </p:cNvSpPr>
-          <p:nvPr>
-            <p:ph type="sldNum" idx="12"/>
-          </p:nvPr>
-        </p:nvSpPr>
-        <p:spPr>
-          <a:xfrm>
-            <a:off x="4297650" y="4419838"/>
-            <a:ext cx="548700" cy="393600"/>
-          </a:xfrm>
-          <a:prstGeom prst="rect">
-            <a:avLst/>
-          </a:prstGeom>
-        </p:spPr>
-        <p:txBody>
-          <a:bodyPr spcFirstLastPara="1" wrap="square" lIns="91425" tIns="91425" rIns="91425" bIns="91425" anchor="b" anchorCtr="0">
-            <a:noAutofit/>
-          </a:bodyPr>
-          <a:lstStyle>
-            <a:lvl1pPr lvl="0" rtl="0">
-              <a:buNone/>
-              <a:defRPr/>
-            </a:lvl1pPr>
-            <a:lvl2pPr lvl="1" rtl="0">
-              <a:buNone/>
-              <a:defRPr/>
-            </a:lvl2pPr>
-            <a:lvl3pPr lvl="2" rtl="0">
-              <a:buNone/>
-              <a:defRPr/>
-            </a:lvl3pPr>
-            <a:lvl4pPr lvl="3" rtl="0">
-              <a:buNone/>
-              <a:defRPr/>
-            </a:lvl4pPr>
-            <a:lvl5pPr lvl="4" rtl="0">
-              <a:buNone/>
-              <a:defRPr/>
-            </a:lvl5pPr>
-            <a:lvl6pPr lvl="5" rtl="0">
-              <a:buNone/>
-              <a:defRPr/>
-            </a:lvl6pPr>
-            <a:lvl7pPr lvl="6" rtl="0">
-              <a:buNone/>
-              <a:defRPr/>
-            </a:lvl7pPr>
-            <a:lvl8pPr lvl="7" rtl="0">
-              <a:buNone/>
-              <a:defRPr/>
-            </a:lvl8pPr>
-            <a:lvl9pPr lvl="8" rtl="0">
-              <a:buNone/>
-              <a:defRPr/>
-            </a:lvl9pPr>
-          </a:lstStyle>
-          <a:p>
-            <a:pPr marL="0" lvl="0" indent="0" algn="ctr" rtl="0">
-              <a:spcBef>
-                <a:spcPts val="0"/>
-              </a:spcBef>
-              <a:spcAft>
-                <a:spcPts val="0"/>
-              </a:spcAft>
-              <a:buNone/>
-            </a:pPr>
-            <a:fld id="{00000000-1234-1234-1234-123412341234}" type="slidenum">
-              <a:rPr lang="en"/>
-              <a:t>‹#›</a:t>
-            </a:fld>
-            <a:endParaRPr/>
-          </a:p>
-        </p:txBody>
-      </p:sp>
-    </p:spTree>
-    <p:extLst>
-      <p:ext uri="{BB962C8B-B14F-4D97-AF65-F5344CB8AC3E}">
-        <p14:creationId xmlns:p14="http://schemas.microsoft.com/office/powerpoint/2010/main" val="3110752525"/>
-      </p:ext>
-    </p:extLst>
-  </p:cSld>
-  <p:clrMapOvr>
-    <a:masterClrMapping/>
-  </p:clrMapOvr>
-</p:sldLayout>
-</file>
-
 <file path=ppt/slideMasters/slideMaster1.xml><?xml version="1.0" encoding="utf-8"?>
 <p:sldMaster xmlns:a="http://schemas.openxmlformats.org/drawingml/2006/main" xmlns:r="http://schemas.openxmlformats.org/officeDocument/2006/relationships" xmlns:p="http://schemas.openxmlformats.org/presentationml/2006/main">
   <p:cSld name="simple-light">
@@ -5638,7 +4961,6 @@
     <p:sldLayoutId id="2147483662" r:id="rId5"/>
     <p:sldLayoutId id="2147483663" r:id="rId6"/>
     <p:sldLayoutId id="2147483664" r:id="rId7"/>
-    <p:sldLayoutId id="2147483665" r:id="rId8"/>
   </p:sldLayoutIdLst>
   <p:hf hdr="0" ftr="0" dt="0"/>
   <p:txStyles>
@@ -6747,2363 +6069,6 @@
   <p:cSld>
     <p:spTree>
       <p:nvGrpSpPr>
-        <p:cNvPr id="1" name="Shape 139"/>
-        <p:cNvGrpSpPr/>
-        <p:nvPr/>
-      </p:nvGrpSpPr>
-      <p:grpSpPr>
-        <a:xfrm>
-          <a:off x="0" y="0"/>
-          <a:ext cx="0" cy="0"/>
-          <a:chOff x="0" y="0"/>
-          <a:chExt cx="0" cy="0"/>
-        </a:xfrm>
-      </p:grpSpPr>
-      <p:sp>
-        <p:nvSpPr>
-          <p:cNvPr id="141" name="Google Shape;141;p23"/>
-          <p:cNvSpPr/>
-          <p:nvPr/>
-        </p:nvSpPr>
-        <p:spPr>
-          <a:xfrm>
-            <a:off x="1927550" y="1640700"/>
-            <a:ext cx="1876800" cy="1862100"/>
-          </a:xfrm>
-          <a:prstGeom prst="ellipse">
-            <a:avLst/>
-          </a:prstGeom>
-          <a:solidFill>
-            <a:srgbClr val="F3F3F3"/>
-          </a:solidFill>
-          <a:ln>
-            <a:noFill/>
-          </a:ln>
-        </p:spPr>
-        <p:txBody>
-          <a:bodyPr spcFirstLastPara="1" wrap="square" lIns="91425" tIns="91425" rIns="91425" bIns="91425" anchor="ctr" anchorCtr="0">
-            <a:noAutofit/>
-          </a:bodyPr>
-          <a:lstStyle/>
-          <a:p>
-            <a:pPr marL="0" lvl="0" indent="0" algn="ctr" rtl="0">
-              <a:spcBef>
-                <a:spcPts val="0"/>
-              </a:spcBef>
-              <a:spcAft>
-                <a:spcPts val="0"/>
-              </a:spcAft>
-              <a:buNone/>
-            </a:pPr>
-            <a:r>
-              <a:rPr lang="en" dirty="0">
-                <a:latin typeface="PT Serif"/>
-                <a:ea typeface="PT Serif"/>
-                <a:cs typeface="PT Serif"/>
-                <a:sym typeface="PT Serif"/>
-              </a:rPr>
-              <a:t>Original </a:t>
-            </a:r>
-          </a:p>
-          <a:p>
-            <a:pPr marL="0" lvl="0" indent="0" algn="ctr" rtl="0">
-              <a:spcBef>
-                <a:spcPts val="0"/>
-              </a:spcBef>
-              <a:spcAft>
-                <a:spcPts val="0"/>
-              </a:spcAft>
-              <a:buNone/>
-            </a:pPr>
-            <a:r>
-              <a:rPr lang="en" dirty="0">
-                <a:latin typeface="PT Serif"/>
-                <a:ea typeface="PT Serif"/>
-                <a:cs typeface="PT Serif"/>
-                <a:sym typeface="PT Serif"/>
-              </a:rPr>
-              <a:t>Code</a:t>
-            </a:r>
-            <a:endParaRPr dirty="0">
-              <a:latin typeface="PT Serif"/>
-              <a:ea typeface="PT Serif"/>
-              <a:cs typeface="PT Serif"/>
-              <a:sym typeface="PT Serif"/>
-            </a:endParaRPr>
-          </a:p>
-        </p:txBody>
-      </p:sp>
-      <p:sp>
-        <p:nvSpPr>
-          <p:cNvPr id="142" name="Google Shape;142;p23"/>
-          <p:cNvSpPr/>
-          <p:nvPr/>
-        </p:nvSpPr>
-        <p:spPr>
-          <a:xfrm>
-            <a:off x="5339611" y="1640700"/>
-            <a:ext cx="1876800" cy="1862100"/>
-          </a:xfrm>
-          <a:prstGeom prst="ellipse">
-            <a:avLst/>
-          </a:prstGeom>
-          <a:solidFill>
-            <a:srgbClr val="F3F3F3"/>
-          </a:solidFill>
-          <a:ln>
-            <a:noFill/>
-          </a:ln>
-        </p:spPr>
-        <p:txBody>
-          <a:bodyPr spcFirstLastPara="1" wrap="square" lIns="91425" tIns="91425" rIns="91425" bIns="91425" anchor="ctr" anchorCtr="0">
-            <a:noAutofit/>
-          </a:bodyPr>
-          <a:lstStyle/>
-          <a:p>
-            <a:pPr marL="0" lvl="0" indent="0" algn="ctr" rtl="0">
-              <a:spcBef>
-                <a:spcPts val="0"/>
-              </a:spcBef>
-              <a:spcAft>
-                <a:spcPts val="0"/>
-              </a:spcAft>
-              <a:buNone/>
-            </a:pPr>
-            <a:r>
-              <a:rPr lang="en" dirty="0">
-                <a:latin typeface="PT Serif"/>
-                <a:ea typeface="PT Serif"/>
-                <a:cs typeface="PT Serif"/>
-                <a:sym typeface="PT Serif"/>
-              </a:rPr>
-              <a:t>Refactored </a:t>
-            </a:r>
-          </a:p>
-          <a:p>
-            <a:pPr marL="0" lvl="0" indent="0" algn="ctr" rtl="0">
-              <a:spcBef>
-                <a:spcPts val="0"/>
-              </a:spcBef>
-              <a:spcAft>
-                <a:spcPts val="0"/>
-              </a:spcAft>
-              <a:buNone/>
-            </a:pPr>
-            <a:r>
-              <a:rPr lang="en" dirty="0">
-                <a:latin typeface="PT Serif"/>
-                <a:ea typeface="PT Serif"/>
-                <a:cs typeface="PT Serif"/>
-                <a:sym typeface="PT Serif"/>
-              </a:rPr>
-              <a:t>Code</a:t>
-            </a:r>
-            <a:endParaRPr dirty="0">
-              <a:latin typeface="PT Serif"/>
-              <a:ea typeface="PT Serif"/>
-              <a:cs typeface="PT Serif"/>
-              <a:sym typeface="PT Serif"/>
-            </a:endParaRPr>
-          </a:p>
-        </p:txBody>
-      </p:sp>
-      <p:sp>
-        <p:nvSpPr>
-          <p:cNvPr id="144" name="Google Shape;144;p23"/>
-          <p:cNvSpPr txBox="1">
-            <a:spLocks noGrp="1"/>
-          </p:cNvSpPr>
-          <p:nvPr>
-            <p:ph type="sldNum" idx="12"/>
-          </p:nvPr>
-        </p:nvSpPr>
-        <p:spPr>
-          <a:xfrm>
-            <a:off x="4297650" y="4419838"/>
-            <a:ext cx="548700" cy="393600"/>
-          </a:xfrm>
-          <a:prstGeom prst="rect">
-            <a:avLst/>
-          </a:prstGeom>
-        </p:spPr>
-        <p:txBody>
-          <a:bodyPr spcFirstLastPara="1" wrap="square" lIns="91425" tIns="91425" rIns="91425" bIns="91425" anchor="b" anchorCtr="0">
-            <a:noAutofit/>
-          </a:bodyPr>
-          <a:lstStyle/>
-          <a:p>
-            <a:pPr marL="0" lvl="0" indent="0" algn="ctr" rtl="0">
-              <a:spcBef>
-                <a:spcPts val="0"/>
-              </a:spcBef>
-              <a:spcAft>
-                <a:spcPts val="0"/>
-              </a:spcAft>
-              <a:buNone/>
-            </a:pPr>
-            <a:fld id="{00000000-1234-1234-1234-123412341234}" type="slidenum">
-              <a:rPr lang="en"/>
-              <a:t>10</a:t>
-            </a:fld>
-            <a:endParaRPr/>
-          </a:p>
-        </p:txBody>
-      </p:sp>
-      <p:sp>
-        <p:nvSpPr>
-          <p:cNvPr id="2" name="TextBox 1">
-            <a:extLst>
-              <a:ext uri="{FF2B5EF4-FFF2-40B4-BE49-F238E27FC236}">
-                <a16:creationId xmlns:a16="http://schemas.microsoft.com/office/drawing/2014/main" id="{F958274F-3410-3745-9856-0B137122BBA9}"/>
-              </a:ext>
-            </a:extLst>
-          </p:cNvPr>
-          <p:cNvSpPr txBox="1"/>
-          <p:nvPr/>
-        </p:nvSpPr>
-        <p:spPr>
-          <a:xfrm>
-            <a:off x="4171165" y="2340917"/>
-            <a:ext cx="675185" cy="461665"/>
-          </a:xfrm>
-          <a:prstGeom prst="rect">
-            <a:avLst/>
-          </a:prstGeom>
-          <a:noFill/>
-        </p:spPr>
-        <p:txBody>
-          <a:bodyPr wrap="none" rtlCol="0">
-            <a:spAutoFit/>
-          </a:bodyPr>
-          <a:lstStyle/>
-          <a:p>
-            <a:r>
-              <a:rPr lang="en-US" sz="2400" dirty="0">
-                <a:latin typeface="PT Serif"/>
-              </a:rPr>
-              <a:t>===</a:t>
-            </a:r>
-          </a:p>
-        </p:txBody>
-      </p:sp>
-      <p:cxnSp>
-        <p:nvCxnSpPr>
-          <p:cNvPr id="4" name="Straight Arrow Connector 3">
-            <a:extLst>
-              <a:ext uri="{FF2B5EF4-FFF2-40B4-BE49-F238E27FC236}">
-                <a16:creationId xmlns:a16="http://schemas.microsoft.com/office/drawing/2014/main" id="{EAAF9933-340E-284C-BF32-583805272BFB}"/>
-              </a:ext>
-            </a:extLst>
-          </p:cNvPr>
-          <p:cNvCxnSpPr>
-            <a:endCxn id="141" idx="0"/>
-          </p:cNvCxnSpPr>
-          <p:nvPr/>
-        </p:nvCxnSpPr>
-        <p:spPr>
-          <a:xfrm>
-            <a:off x="2865950" y="1391478"/>
-            <a:ext cx="0" cy="249222"/>
-          </a:xfrm>
-          <a:prstGeom prst="straightConnector1">
-            <a:avLst/>
-          </a:prstGeom>
-          <a:ln>
-            <a:tailEnd type="triangle"/>
-          </a:ln>
-        </p:spPr>
-        <p:style>
-          <a:lnRef idx="1">
-            <a:schemeClr val="accent1"/>
-          </a:lnRef>
-          <a:fillRef idx="0">
-            <a:schemeClr val="accent1"/>
-          </a:fillRef>
-          <a:effectRef idx="0">
-            <a:schemeClr val="accent1"/>
-          </a:effectRef>
-          <a:fontRef idx="minor">
-            <a:schemeClr val="tx1"/>
-          </a:fontRef>
-        </p:style>
-      </p:cxnSp>
-      <p:sp>
-        <p:nvSpPr>
-          <p:cNvPr id="9" name="Freeform 8">
-            <a:extLst>
-              <a:ext uri="{FF2B5EF4-FFF2-40B4-BE49-F238E27FC236}">
-                <a16:creationId xmlns:a16="http://schemas.microsoft.com/office/drawing/2014/main" id="{B00EDA58-360B-9346-B89E-B9FE9E5C2179}"/>
-              </a:ext>
-            </a:extLst>
-          </p:cNvPr>
-          <p:cNvSpPr/>
-          <p:nvPr/>
-        </p:nvSpPr>
-        <p:spPr>
-          <a:xfrm>
-            <a:off x="3625795" y="1716972"/>
-            <a:ext cx="1852654" cy="366270"/>
-          </a:xfrm>
-          <a:custGeom>
-            <a:avLst/>
-            <a:gdLst>
-              <a:gd name="connsiteX0" fmla="*/ 0 w 1852654"/>
-              <a:gd name="connsiteY0" fmla="*/ 302659 h 366270"/>
-              <a:gd name="connsiteX1" fmla="*/ 842838 w 1852654"/>
-              <a:gd name="connsiteY1" fmla="*/ 510 h 366270"/>
-              <a:gd name="connsiteX2" fmla="*/ 1852654 w 1852654"/>
-              <a:gd name="connsiteY2" fmla="*/ 366270 h 366270"/>
-            </a:gdLst>
-            <a:ahLst/>
-            <a:cxnLst>
-              <a:cxn ang="0">
-                <a:pos x="connsiteX0" y="connsiteY0"/>
-              </a:cxn>
-              <a:cxn ang="0">
-                <a:pos x="connsiteX1" y="connsiteY1"/>
-              </a:cxn>
-              <a:cxn ang="0">
-                <a:pos x="connsiteX2" y="connsiteY2"/>
-              </a:cxn>
-            </a:cxnLst>
-            <a:rect l="l" t="t" r="r" b="b"/>
-            <a:pathLst>
-              <a:path w="1852654" h="366270">
-                <a:moveTo>
-                  <a:pt x="0" y="302659"/>
-                </a:moveTo>
-                <a:cubicBezTo>
-                  <a:pt x="267031" y="146283"/>
-                  <a:pt x="534062" y="-10092"/>
-                  <a:pt x="842838" y="510"/>
-                </a:cubicBezTo>
-                <a:cubicBezTo>
-                  <a:pt x="1151614" y="11112"/>
-                  <a:pt x="1502134" y="188691"/>
-                  <a:pt x="1852654" y="366270"/>
-                </a:cubicBezTo>
-              </a:path>
-            </a:pathLst>
-          </a:custGeom>
-          <a:noFill/>
-          <a:ln>
-            <a:tailEnd type="triangle"/>
-          </a:ln>
-        </p:spPr>
-        <p:style>
-          <a:lnRef idx="2">
-            <a:schemeClr val="accent1">
-              <a:shade val="50000"/>
-            </a:schemeClr>
-          </a:lnRef>
-          <a:fillRef idx="1">
-            <a:schemeClr val="accent1"/>
-          </a:fillRef>
-          <a:effectRef idx="0">
-            <a:schemeClr val="accent1"/>
-          </a:effectRef>
-          <a:fontRef idx="minor">
-            <a:schemeClr val="lt1"/>
-          </a:fontRef>
-        </p:style>
-        <p:txBody>
-          <a:bodyPr rtlCol="0" anchor="ctr"/>
-          <a:lstStyle/>
-          <a:p>
-            <a:pPr algn="ctr"/>
-            <a:endParaRPr lang="en-US"/>
-          </a:p>
-        </p:txBody>
-      </p:sp>
-      <p:sp>
-        <p:nvSpPr>
-          <p:cNvPr id="10" name="TextBox 9">
-            <a:extLst>
-              <a:ext uri="{FF2B5EF4-FFF2-40B4-BE49-F238E27FC236}">
-                <a16:creationId xmlns:a16="http://schemas.microsoft.com/office/drawing/2014/main" id="{F63E6113-C64B-BC42-ABEA-6DB09455D094}"/>
-              </a:ext>
-            </a:extLst>
-          </p:cNvPr>
-          <p:cNvSpPr txBox="1"/>
-          <p:nvPr/>
-        </p:nvSpPr>
-        <p:spPr>
-          <a:xfrm>
-            <a:off x="3436989" y="1391478"/>
-            <a:ext cx="2143536" cy="307777"/>
-          </a:xfrm>
-          <a:prstGeom prst="rect">
-            <a:avLst/>
-          </a:prstGeom>
-          <a:noFill/>
-        </p:spPr>
-        <p:txBody>
-          <a:bodyPr wrap="none" rtlCol="0">
-            <a:spAutoFit/>
-          </a:bodyPr>
-          <a:lstStyle/>
-          <a:p>
-            <a:pPr algn="ctr"/>
-            <a:r>
-              <a:rPr lang="en-US" dirty="0"/>
-              <a:t>Provable Transformation</a:t>
-            </a:r>
-          </a:p>
-        </p:txBody>
-      </p:sp>
-      <p:sp>
-        <p:nvSpPr>
-          <p:cNvPr id="18" name="Google Shape;140;p23">
-            <a:extLst>
-              <a:ext uri="{FF2B5EF4-FFF2-40B4-BE49-F238E27FC236}">
-                <a16:creationId xmlns:a16="http://schemas.microsoft.com/office/drawing/2014/main" id="{9B645C56-77AE-D843-9795-3EF0DD3B03FA}"/>
-              </a:ext>
-            </a:extLst>
-          </p:cNvPr>
-          <p:cNvSpPr txBox="1">
-            <a:spLocks noGrp="1"/>
-          </p:cNvSpPr>
-          <p:nvPr>
-            <p:ph type="title"/>
-          </p:nvPr>
-        </p:nvSpPr>
-        <p:spPr>
-          <a:xfrm>
-            <a:off x="388955" y="338306"/>
-            <a:ext cx="8366100" cy="762600"/>
-          </a:xfrm>
-          <a:prstGeom prst="rect">
-            <a:avLst/>
-          </a:prstGeom>
-        </p:spPr>
-        <p:txBody>
-          <a:bodyPr spcFirstLastPara="1" wrap="square" lIns="91425" tIns="91425" rIns="91425" bIns="91425" anchor="ctr" anchorCtr="0">
-            <a:noAutofit/>
-          </a:bodyPr>
-          <a:lstStyle/>
-          <a:p>
-            <a:pPr marL="0" lvl="0" indent="0" algn="ctr" rtl="0">
-              <a:spcBef>
-                <a:spcPts val="0"/>
-              </a:spcBef>
-              <a:spcAft>
-                <a:spcPts val="0"/>
-              </a:spcAft>
-              <a:buNone/>
-            </a:pPr>
-            <a:r>
-              <a:rPr lang="en" dirty="0"/>
-              <a:t>Checking For Behavior Preservation</a:t>
-            </a:r>
-            <a:endParaRPr dirty="0"/>
-          </a:p>
-        </p:txBody>
-      </p:sp>
-    </p:spTree>
-    <p:extLst>
-      <p:ext uri="{BB962C8B-B14F-4D97-AF65-F5344CB8AC3E}">
-        <p14:creationId xmlns:p14="http://schemas.microsoft.com/office/powerpoint/2010/main" val="996519027"/>
-      </p:ext>
-    </p:extLst>
-  </p:cSld>
-  <p:clrMapOvr>
-    <a:masterClrMapping/>
-  </p:clrMapOvr>
-  <p:timing>
-    <p:tnLst>
-      <p:par>
-        <p:cTn id="1" dur="indefinite" restart="never" nodeType="tmRoot">
-          <p:childTnLst>
-            <p:seq concurrent="1" nextAc="seek">
-              <p:cTn id="2" dur="indefinite" nodeType="mainSeq">
-                <p:childTnLst>
-                  <p:par>
-                    <p:cTn id="3" fill="hold">
-                      <p:stCondLst>
-                        <p:cond delay="indefinite"/>
-                      </p:stCondLst>
-                      <p:childTnLst>
-                        <p:par>
-                          <p:cTn id="4" fill="hold">
-                            <p:stCondLst>
-                              <p:cond delay="0"/>
-                            </p:stCondLst>
-                            <p:childTnLst>
-                              <p:par>
-                                <p:cTn id="5" presetID="1" presetClass="entr" presetSubtype="0" fill="hold" nodeType="clickEffect">
-                                  <p:stCondLst>
-                                    <p:cond delay="0"/>
-                                  </p:stCondLst>
-                                  <p:childTnLst>
-                                    <p:set>
-                                      <p:cBhvr>
-                                        <p:cTn id="6" dur="1" fill="hold">
-                                          <p:stCondLst>
-                                            <p:cond delay="0"/>
-                                          </p:stCondLst>
-                                        </p:cTn>
-                                        <p:tgtEl>
-                                          <p:spTgt spid="4"/>
-                                        </p:tgtEl>
-                                        <p:attrNameLst>
-                                          <p:attrName>style.visibility</p:attrName>
-                                        </p:attrNameLst>
-                                      </p:cBhvr>
-                                      <p:to>
-                                        <p:strVal val="visible"/>
-                                      </p:to>
-                                    </p:set>
-                                  </p:childTnLst>
-                                </p:cTn>
-                              </p:par>
-                            </p:childTnLst>
-                          </p:cTn>
-                        </p:par>
-                      </p:childTnLst>
-                    </p:cTn>
-                  </p:par>
-                  <p:par>
-                    <p:cTn id="7" fill="hold">
-                      <p:stCondLst>
-                        <p:cond delay="indefinite"/>
-                      </p:stCondLst>
-                      <p:childTnLst>
-                        <p:par>
-                          <p:cTn id="8" fill="hold">
-                            <p:stCondLst>
-                              <p:cond delay="0"/>
-                            </p:stCondLst>
-                            <p:childTnLst>
-                              <p:par>
-                                <p:cTn id="9" presetID="1" presetClass="entr" presetSubtype="0" fill="hold" grpId="0" nodeType="clickEffect">
-                                  <p:stCondLst>
-                                    <p:cond delay="0"/>
-                                  </p:stCondLst>
-                                  <p:childTnLst>
-                                    <p:set>
-                                      <p:cBhvr>
-                                        <p:cTn id="10" dur="1" fill="hold">
-                                          <p:stCondLst>
-                                            <p:cond delay="0"/>
-                                          </p:stCondLst>
-                                        </p:cTn>
-                                        <p:tgtEl>
-                                          <p:spTgt spid="10"/>
-                                        </p:tgtEl>
-                                        <p:attrNameLst>
-                                          <p:attrName>style.visibility</p:attrName>
-                                        </p:attrNameLst>
-                                      </p:cBhvr>
-                                      <p:to>
-                                        <p:strVal val="visible"/>
-                                      </p:to>
-                                    </p:set>
-                                  </p:childTnLst>
-                                </p:cTn>
-                              </p:par>
-                              <p:par>
-                                <p:cTn id="11" presetID="1" presetClass="entr" presetSubtype="0" fill="hold" grpId="0" nodeType="withEffect">
-                                  <p:stCondLst>
-                                    <p:cond delay="0"/>
-                                  </p:stCondLst>
-                                  <p:childTnLst>
-                                    <p:set>
-                                      <p:cBhvr>
-                                        <p:cTn id="12" dur="1" fill="hold">
-                                          <p:stCondLst>
-                                            <p:cond delay="0"/>
-                                          </p:stCondLst>
-                                        </p:cTn>
-                                        <p:tgtEl>
-                                          <p:spTgt spid="9"/>
-                                        </p:tgtEl>
-                                        <p:attrNameLst>
-                                          <p:attrName>style.visibility</p:attrName>
-                                        </p:attrNameLst>
-                                      </p:cBhvr>
-                                      <p:to>
-                                        <p:strVal val="visible"/>
-                                      </p:to>
-                                    </p:set>
-                                  </p:childTnLst>
-                                </p:cTn>
-                              </p:par>
-                            </p:childTnLst>
-                          </p:cTn>
-                        </p:par>
-                      </p:childTnLst>
-                    </p:cTn>
-                  </p:par>
-                </p:childTnLst>
-              </p:cTn>
-              <p:prevCondLst>
-                <p:cond evt="onPrev" delay="0">
-                  <p:tgtEl>
-                    <p:sldTgt/>
-                  </p:tgtEl>
-                </p:cond>
-              </p:prevCondLst>
-              <p:nextCondLst>
-                <p:cond evt="onNext" delay="0">
-                  <p:tgtEl>
-                    <p:sldTgt/>
-                  </p:tgtEl>
-                </p:cond>
-              </p:nextCondLst>
-            </p:seq>
-          </p:childTnLst>
-        </p:cTn>
-      </p:par>
-    </p:tnLst>
-    <p:bldLst>
-      <p:bldP spid="9" grpId="0" animBg="1"/>
-      <p:bldP spid="10" grpId="0"/>
-    </p:bldLst>
-  </p:timing>
-</p:sld>
-</file>
-
-<file path=ppt/slides/slide11.xml><?xml version="1.0" encoding="utf-8"?>
-<p:sld xmlns:a="http://schemas.openxmlformats.org/drawingml/2006/main" xmlns:r="http://schemas.openxmlformats.org/officeDocument/2006/relationships" xmlns:p="http://schemas.openxmlformats.org/presentationml/2006/main">
-  <p:cSld>
-    <p:spTree>
-      <p:nvGrpSpPr>
-        <p:cNvPr id="1" name="Shape 139"/>
-        <p:cNvGrpSpPr/>
-        <p:nvPr/>
-      </p:nvGrpSpPr>
-      <p:grpSpPr>
-        <a:xfrm>
-          <a:off x="0" y="0"/>
-          <a:ext cx="0" cy="0"/>
-          <a:chOff x="0" y="0"/>
-          <a:chExt cx="0" cy="0"/>
-        </a:xfrm>
-      </p:grpSpPr>
-      <p:sp>
-        <p:nvSpPr>
-          <p:cNvPr id="141" name="Google Shape;141;p23"/>
-          <p:cNvSpPr/>
-          <p:nvPr/>
-        </p:nvSpPr>
-        <p:spPr>
-          <a:xfrm>
-            <a:off x="1927550" y="1640700"/>
-            <a:ext cx="1876800" cy="1862100"/>
-          </a:xfrm>
-          <a:prstGeom prst="ellipse">
-            <a:avLst/>
-          </a:prstGeom>
-          <a:solidFill>
-            <a:srgbClr val="F3F3F3"/>
-          </a:solidFill>
-          <a:ln>
-            <a:noFill/>
-          </a:ln>
-        </p:spPr>
-        <p:txBody>
-          <a:bodyPr spcFirstLastPara="1" wrap="square" lIns="91425" tIns="91425" rIns="91425" bIns="91425" anchor="ctr" anchorCtr="0">
-            <a:noAutofit/>
-          </a:bodyPr>
-          <a:lstStyle/>
-          <a:p>
-            <a:pPr marL="0" lvl="0" indent="0" algn="ctr" rtl="0">
-              <a:spcBef>
-                <a:spcPts val="0"/>
-              </a:spcBef>
-              <a:spcAft>
-                <a:spcPts val="0"/>
-              </a:spcAft>
-              <a:buNone/>
-            </a:pPr>
-            <a:r>
-              <a:rPr lang="en" dirty="0">
-                <a:latin typeface="PT Serif"/>
-                <a:ea typeface="PT Serif"/>
-                <a:cs typeface="PT Serif"/>
-                <a:sym typeface="PT Serif"/>
-              </a:rPr>
-              <a:t>Original </a:t>
-            </a:r>
-          </a:p>
-          <a:p>
-            <a:pPr marL="0" lvl="0" indent="0" algn="ctr" rtl="0">
-              <a:spcBef>
-                <a:spcPts val="0"/>
-              </a:spcBef>
-              <a:spcAft>
-                <a:spcPts val="0"/>
-              </a:spcAft>
-              <a:buNone/>
-            </a:pPr>
-            <a:r>
-              <a:rPr lang="en" dirty="0">
-                <a:latin typeface="PT Serif"/>
-                <a:ea typeface="PT Serif"/>
-                <a:cs typeface="PT Serif"/>
-                <a:sym typeface="PT Serif"/>
-              </a:rPr>
-              <a:t>Code</a:t>
-            </a:r>
-            <a:endParaRPr dirty="0">
-              <a:latin typeface="PT Serif"/>
-              <a:ea typeface="PT Serif"/>
-              <a:cs typeface="PT Serif"/>
-              <a:sym typeface="PT Serif"/>
-            </a:endParaRPr>
-          </a:p>
-        </p:txBody>
-      </p:sp>
-      <p:sp>
-        <p:nvSpPr>
-          <p:cNvPr id="142" name="Google Shape;142;p23"/>
-          <p:cNvSpPr/>
-          <p:nvPr/>
-        </p:nvSpPr>
-        <p:spPr>
-          <a:xfrm>
-            <a:off x="5339611" y="1640700"/>
-            <a:ext cx="1876800" cy="1862100"/>
-          </a:xfrm>
-          <a:prstGeom prst="ellipse">
-            <a:avLst/>
-          </a:prstGeom>
-          <a:solidFill>
-            <a:srgbClr val="F3F3F3"/>
-          </a:solidFill>
-          <a:ln>
-            <a:noFill/>
-          </a:ln>
-        </p:spPr>
-        <p:txBody>
-          <a:bodyPr spcFirstLastPara="1" wrap="square" lIns="91425" tIns="91425" rIns="91425" bIns="91425" anchor="ctr" anchorCtr="0">
-            <a:noAutofit/>
-          </a:bodyPr>
-          <a:lstStyle/>
-          <a:p>
-            <a:pPr marL="0" lvl="0" indent="0" algn="ctr" rtl="0">
-              <a:spcBef>
-                <a:spcPts val="0"/>
-              </a:spcBef>
-              <a:spcAft>
-                <a:spcPts val="0"/>
-              </a:spcAft>
-              <a:buNone/>
-            </a:pPr>
-            <a:r>
-              <a:rPr lang="en" dirty="0">
-                <a:latin typeface="PT Serif"/>
-                <a:ea typeface="PT Serif"/>
-                <a:cs typeface="PT Serif"/>
-                <a:sym typeface="PT Serif"/>
-              </a:rPr>
-              <a:t>Refactored </a:t>
-            </a:r>
-          </a:p>
-          <a:p>
-            <a:pPr marL="0" lvl="0" indent="0" algn="ctr" rtl="0">
-              <a:spcBef>
-                <a:spcPts val="0"/>
-              </a:spcBef>
-              <a:spcAft>
-                <a:spcPts val="0"/>
-              </a:spcAft>
-              <a:buNone/>
-            </a:pPr>
-            <a:r>
-              <a:rPr lang="en" dirty="0">
-                <a:latin typeface="PT Serif"/>
-                <a:ea typeface="PT Serif"/>
-                <a:cs typeface="PT Serif"/>
-                <a:sym typeface="PT Serif"/>
-              </a:rPr>
-              <a:t>Code</a:t>
-            </a:r>
-            <a:endParaRPr dirty="0">
-              <a:latin typeface="PT Serif"/>
-              <a:ea typeface="PT Serif"/>
-              <a:cs typeface="PT Serif"/>
-              <a:sym typeface="PT Serif"/>
-            </a:endParaRPr>
-          </a:p>
-        </p:txBody>
-      </p:sp>
-      <p:sp>
-        <p:nvSpPr>
-          <p:cNvPr id="144" name="Google Shape;144;p23"/>
-          <p:cNvSpPr txBox="1">
-            <a:spLocks noGrp="1"/>
-          </p:cNvSpPr>
-          <p:nvPr>
-            <p:ph type="sldNum" idx="12"/>
-          </p:nvPr>
-        </p:nvSpPr>
-        <p:spPr>
-          <a:xfrm>
-            <a:off x="4297650" y="4419838"/>
-            <a:ext cx="548700" cy="393600"/>
-          </a:xfrm>
-          <a:prstGeom prst="rect">
-            <a:avLst/>
-          </a:prstGeom>
-        </p:spPr>
-        <p:txBody>
-          <a:bodyPr spcFirstLastPara="1" wrap="square" lIns="91425" tIns="91425" rIns="91425" bIns="91425" anchor="b" anchorCtr="0">
-            <a:noAutofit/>
-          </a:bodyPr>
-          <a:lstStyle/>
-          <a:p>
-            <a:pPr marL="0" lvl="0" indent="0" algn="ctr" rtl="0">
-              <a:spcBef>
-                <a:spcPts val="0"/>
-              </a:spcBef>
-              <a:spcAft>
-                <a:spcPts val="0"/>
-              </a:spcAft>
-              <a:buNone/>
-            </a:pPr>
-            <a:fld id="{00000000-1234-1234-1234-123412341234}" type="slidenum">
-              <a:rPr lang="en"/>
-              <a:t>11</a:t>
-            </a:fld>
-            <a:endParaRPr/>
-          </a:p>
-        </p:txBody>
-      </p:sp>
-      <p:sp>
-        <p:nvSpPr>
-          <p:cNvPr id="2" name="TextBox 1">
-            <a:extLst>
-              <a:ext uri="{FF2B5EF4-FFF2-40B4-BE49-F238E27FC236}">
-                <a16:creationId xmlns:a16="http://schemas.microsoft.com/office/drawing/2014/main" id="{F958274F-3410-3745-9856-0B137122BBA9}"/>
-              </a:ext>
-            </a:extLst>
-          </p:cNvPr>
-          <p:cNvSpPr txBox="1"/>
-          <p:nvPr/>
-        </p:nvSpPr>
-        <p:spPr>
-          <a:xfrm>
-            <a:off x="4171165" y="2340917"/>
-            <a:ext cx="675185" cy="461665"/>
-          </a:xfrm>
-          <a:prstGeom prst="rect">
-            <a:avLst/>
-          </a:prstGeom>
-          <a:noFill/>
-        </p:spPr>
-        <p:txBody>
-          <a:bodyPr wrap="none" rtlCol="0">
-            <a:spAutoFit/>
-          </a:bodyPr>
-          <a:lstStyle/>
-          <a:p>
-            <a:r>
-              <a:rPr lang="en-US" sz="2400" dirty="0">
-                <a:latin typeface="PT Serif"/>
-              </a:rPr>
-              <a:t>===</a:t>
-            </a:r>
-          </a:p>
-        </p:txBody>
-      </p:sp>
-      <p:cxnSp>
-        <p:nvCxnSpPr>
-          <p:cNvPr id="4" name="Straight Arrow Connector 3">
-            <a:extLst>
-              <a:ext uri="{FF2B5EF4-FFF2-40B4-BE49-F238E27FC236}">
-                <a16:creationId xmlns:a16="http://schemas.microsoft.com/office/drawing/2014/main" id="{EAAF9933-340E-284C-BF32-583805272BFB}"/>
-              </a:ext>
-            </a:extLst>
-          </p:cNvPr>
-          <p:cNvCxnSpPr>
-            <a:cxnSpLocks/>
-          </p:cNvCxnSpPr>
-          <p:nvPr/>
-        </p:nvCxnSpPr>
-        <p:spPr>
-          <a:xfrm>
-            <a:off x="6263668" y="1391478"/>
-            <a:ext cx="0" cy="249222"/>
-          </a:xfrm>
-          <a:prstGeom prst="straightConnector1">
-            <a:avLst/>
-          </a:prstGeom>
-          <a:ln>
-            <a:tailEnd type="triangle"/>
-          </a:ln>
-        </p:spPr>
-        <p:style>
-          <a:lnRef idx="1">
-            <a:schemeClr val="accent1"/>
-          </a:lnRef>
-          <a:fillRef idx="0">
-            <a:schemeClr val="accent1"/>
-          </a:fillRef>
-          <a:effectRef idx="0">
-            <a:schemeClr val="accent1"/>
-          </a:effectRef>
-          <a:fontRef idx="minor">
-            <a:schemeClr val="tx1"/>
-          </a:fontRef>
-        </p:style>
-      </p:cxnSp>
-      <p:sp>
-        <p:nvSpPr>
-          <p:cNvPr id="9" name="Freeform 8">
-            <a:extLst>
-              <a:ext uri="{FF2B5EF4-FFF2-40B4-BE49-F238E27FC236}">
-                <a16:creationId xmlns:a16="http://schemas.microsoft.com/office/drawing/2014/main" id="{B00EDA58-360B-9346-B89E-B9FE9E5C2179}"/>
-              </a:ext>
-            </a:extLst>
-          </p:cNvPr>
-          <p:cNvSpPr/>
-          <p:nvPr/>
-        </p:nvSpPr>
-        <p:spPr>
-          <a:xfrm rot="10800000">
-            <a:off x="3645654" y="2976106"/>
-            <a:ext cx="1852654" cy="366270"/>
-          </a:xfrm>
-          <a:custGeom>
-            <a:avLst/>
-            <a:gdLst>
-              <a:gd name="connsiteX0" fmla="*/ 0 w 1852654"/>
-              <a:gd name="connsiteY0" fmla="*/ 302659 h 366270"/>
-              <a:gd name="connsiteX1" fmla="*/ 842838 w 1852654"/>
-              <a:gd name="connsiteY1" fmla="*/ 510 h 366270"/>
-              <a:gd name="connsiteX2" fmla="*/ 1852654 w 1852654"/>
-              <a:gd name="connsiteY2" fmla="*/ 366270 h 366270"/>
-            </a:gdLst>
-            <a:ahLst/>
-            <a:cxnLst>
-              <a:cxn ang="0">
-                <a:pos x="connsiteX0" y="connsiteY0"/>
-              </a:cxn>
-              <a:cxn ang="0">
-                <a:pos x="connsiteX1" y="connsiteY1"/>
-              </a:cxn>
-              <a:cxn ang="0">
-                <a:pos x="connsiteX2" y="connsiteY2"/>
-              </a:cxn>
-            </a:cxnLst>
-            <a:rect l="l" t="t" r="r" b="b"/>
-            <a:pathLst>
-              <a:path w="1852654" h="366270">
-                <a:moveTo>
-                  <a:pt x="0" y="302659"/>
-                </a:moveTo>
-                <a:cubicBezTo>
-                  <a:pt x="267031" y="146283"/>
-                  <a:pt x="534062" y="-10092"/>
-                  <a:pt x="842838" y="510"/>
-                </a:cubicBezTo>
-                <a:cubicBezTo>
-                  <a:pt x="1151614" y="11112"/>
-                  <a:pt x="1502134" y="188691"/>
-                  <a:pt x="1852654" y="366270"/>
-                </a:cubicBezTo>
-              </a:path>
-            </a:pathLst>
-          </a:custGeom>
-          <a:noFill/>
-          <a:ln>
-            <a:tailEnd type="triangle"/>
-          </a:ln>
-        </p:spPr>
-        <p:style>
-          <a:lnRef idx="2">
-            <a:schemeClr val="accent1">
-              <a:shade val="50000"/>
-            </a:schemeClr>
-          </a:lnRef>
-          <a:fillRef idx="1">
-            <a:schemeClr val="accent1"/>
-          </a:fillRef>
-          <a:effectRef idx="0">
-            <a:schemeClr val="accent1"/>
-          </a:effectRef>
-          <a:fontRef idx="minor">
-            <a:schemeClr val="lt1"/>
-          </a:fontRef>
-        </p:style>
-        <p:txBody>
-          <a:bodyPr rtlCol="0" anchor="ctr"/>
-          <a:lstStyle/>
-          <a:p>
-            <a:pPr algn="ctr"/>
-            <a:endParaRPr lang="en-US"/>
-          </a:p>
-        </p:txBody>
-      </p:sp>
-      <p:sp>
-        <p:nvSpPr>
-          <p:cNvPr id="10" name="TextBox 9">
-            <a:extLst>
-              <a:ext uri="{FF2B5EF4-FFF2-40B4-BE49-F238E27FC236}">
-                <a16:creationId xmlns:a16="http://schemas.microsoft.com/office/drawing/2014/main" id="{F63E6113-C64B-BC42-ABEA-6DB09455D094}"/>
-              </a:ext>
-            </a:extLst>
-          </p:cNvPr>
-          <p:cNvSpPr txBox="1"/>
-          <p:nvPr/>
-        </p:nvSpPr>
-        <p:spPr>
-          <a:xfrm>
-            <a:off x="3500213" y="3342377"/>
-            <a:ext cx="2143536" cy="307777"/>
-          </a:xfrm>
-          <a:prstGeom prst="rect">
-            <a:avLst/>
-          </a:prstGeom>
-          <a:noFill/>
-        </p:spPr>
-        <p:txBody>
-          <a:bodyPr wrap="none" rtlCol="0">
-            <a:spAutoFit/>
-          </a:bodyPr>
-          <a:lstStyle/>
-          <a:p>
-            <a:pPr algn="ctr"/>
-            <a:r>
-              <a:rPr lang="en-US" dirty="0"/>
-              <a:t>Provable Transformation</a:t>
-            </a:r>
-          </a:p>
-        </p:txBody>
-      </p:sp>
-      <p:pic>
-        <p:nvPicPr>
-          <p:cNvPr id="1026" name="Picture 2" descr="Green check mark icon checkmark in circle Vector Image">
-            <a:extLst>
-              <a:ext uri="{FF2B5EF4-FFF2-40B4-BE49-F238E27FC236}">
-                <a16:creationId xmlns:a16="http://schemas.microsoft.com/office/drawing/2014/main" id="{E5A0E872-AB72-3440-A650-58A91E67278D}"/>
-              </a:ext>
-            </a:extLst>
-          </p:cNvPr>
-          <p:cNvPicPr>
-            <a:picLocks noChangeAspect="1" noChangeArrowheads="1"/>
-          </p:cNvPicPr>
-          <p:nvPr/>
-        </p:nvPicPr>
-        <p:blipFill rotWithShape="1">
-          <a:blip r:embed="rId3">
-            <a:extLst>
-              <a:ext uri="{BEBA8EAE-BF5A-486C-A8C5-ECC9F3942E4B}">
-                <a14:imgProps xmlns:a14="http://schemas.microsoft.com/office/drawing/2010/main">
-                  <a14:imgLayer r:embed="rId4">
-                    <a14:imgEffect>
-                      <a14:backgroundRemoval t="8593" b="77337" l="10000" r="90000">
-                        <a14:foregroundMark x1="46200" y1="54630" x2="46200" y2="54630"/>
-                      </a14:backgroundRemoval>
-                    </a14:imgEffect>
-                  </a14:imgLayer>
-                </a14:imgProps>
-              </a:ext>
-              <a:ext uri="{28A0092B-C50C-407E-A947-70E740481C1C}">
-                <a14:useLocalDpi xmlns:a14="http://schemas.microsoft.com/office/drawing/2010/main" val="0"/>
-              </a:ext>
-            </a:extLst>
-          </a:blip>
-          <a:srcRect b="14070"/>
-          <a:stretch/>
-        </p:blipFill>
-        <p:spPr bwMode="auto">
-          <a:xfrm>
-            <a:off x="1888976" y="3014197"/>
-            <a:ext cx="707246" cy="656360"/>
-          </a:xfrm>
-          <a:prstGeom prst="rect">
-            <a:avLst/>
-          </a:prstGeom>
-          <a:noFill/>
-          <a:extLst>
-            <a:ext uri="{909E8E84-426E-40DD-AFC4-6F175D3DCCD1}">
-              <a14:hiddenFill xmlns:a14="http://schemas.microsoft.com/office/drawing/2010/main">
-                <a:solidFill>
-                  <a:srgbClr val="FFFFFF"/>
-                </a:solidFill>
-              </a14:hiddenFill>
-            </a:ext>
-          </a:extLst>
-        </p:spPr>
-      </p:pic>
-      <p:sp>
-        <p:nvSpPr>
-          <p:cNvPr id="13" name="Google Shape;140;p23">
-            <a:extLst>
-              <a:ext uri="{FF2B5EF4-FFF2-40B4-BE49-F238E27FC236}">
-                <a16:creationId xmlns:a16="http://schemas.microsoft.com/office/drawing/2014/main" id="{4F8AF1CE-5BB7-3D49-9E1C-B0C194523DDB}"/>
-              </a:ext>
-            </a:extLst>
-          </p:cNvPr>
-          <p:cNvSpPr txBox="1">
-            <a:spLocks noGrp="1"/>
-          </p:cNvSpPr>
-          <p:nvPr>
-            <p:ph type="title"/>
-          </p:nvPr>
-        </p:nvSpPr>
-        <p:spPr>
-          <a:xfrm>
-            <a:off x="388955" y="338306"/>
-            <a:ext cx="8366100" cy="762600"/>
-          </a:xfrm>
-          <a:prstGeom prst="rect">
-            <a:avLst/>
-          </a:prstGeom>
-        </p:spPr>
-        <p:txBody>
-          <a:bodyPr spcFirstLastPara="1" wrap="square" lIns="91425" tIns="91425" rIns="91425" bIns="91425" anchor="ctr" anchorCtr="0">
-            <a:noAutofit/>
-          </a:bodyPr>
-          <a:lstStyle/>
-          <a:p>
-            <a:pPr marL="0" lvl="0" indent="0" algn="ctr" rtl="0">
-              <a:spcBef>
-                <a:spcPts val="0"/>
-              </a:spcBef>
-              <a:spcAft>
-                <a:spcPts val="0"/>
-              </a:spcAft>
-              <a:buNone/>
-            </a:pPr>
-            <a:r>
-              <a:rPr lang="en" dirty="0"/>
-              <a:t>Checking For Behavior Preservation</a:t>
-            </a:r>
-            <a:endParaRPr dirty="0"/>
-          </a:p>
-        </p:txBody>
-      </p:sp>
-    </p:spTree>
-    <p:extLst>
-      <p:ext uri="{BB962C8B-B14F-4D97-AF65-F5344CB8AC3E}">
-        <p14:creationId xmlns:p14="http://schemas.microsoft.com/office/powerpoint/2010/main" val="647161667"/>
-      </p:ext>
-    </p:extLst>
-  </p:cSld>
-  <p:clrMapOvr>
-    <a:masterClrMapping/>
-  </p:clrMapOvr>
-  <p:timing>
-    <p:tnLst>
-      <p:par>
-        <p:cTn id="1" dur="indefinite" restart="never" nodeType="tmRoot">
-          <p:childTnLst>
-            <p:seq concurrent="1" nextAc="seek">
-              <p:cTn id="2" dur="indefinite" nodeType="mainSeq">
-                <p:childTnLst>
-                  <p:par>
-                    <p:cTn id="3" fill="hold">
-                      <p:stCondLst>
-                        <p:cond delay="indefinite"/>
-                      </p:stCondLst>
-                      <p:childTnLst>
-                        <p:par>
-                          <p:cTn id="4" fill="hold">
-                            <p:stCondLst>
-                              <p:cond delay="0"/>
-                            </p:stCondLst>
-                            <p:childTnLst>
-                              <p:par>
-                                <p:cTn id="5" presetID="1" presetClass="entr" presetSubtype="0" fill="hold" nodeType="clickEffect">
-                                  <p:stCondLst>
-                                    <p:cond delay="0"/>
-                                  </p:stCondLst>
-                                  <p:childTnLst>
-                                    <p:set>
-                                      <p:cBhvr>
-                                        <p:cTn id="6" dur="1" fill="hold">
-                                          <p:stCondLst>
-                                            <p:cond delay="0"/>
-                                          </p:stCondLst>
-                                        </p:cTn>
-                                        <p:tgtEl>
-                                          <p:spTgt spid="4"/>
-                                        </p:tgtEl>
-                                        <p:attrNameLst>
-                                          <p:attrName>style.visibility</p:attrName>
-                                        </p:attrNameLst>
-                                      </p:cBhvr>
-                                      <p:to>
-                                        <p:strVal val="visible"/>
-                                      </p:to>
-                                    </p:set>
-                                  </p:childTnLst>
-                                </p:cTn>
-                              </p:par>
-                            </p:childTnLst>
-                          </p:cTn>
-                        </p:par>
-                      </p:childTnLst>
-                    </p:cTn>
-                  </p:par>
-                  <p:par>
-                    <p:cTn id="7" fill="hold">
-                      <p:stCondLst>
-                        <p:cond delay="indefinite"/>
-                      </p:stCondLst>
-                      <p:childTnLst>
-                        <p:par>
-                          <p:cTn id="8" fill="hold">
-                            <p:stCondLst>
-                              <p:cond delay="0"/>
-                            </p:stCondLst>
-                            <p:childTnLst>
-                              <p:par>
-                                <p:cTn id="9" presetID="1" presetClass="entr" presetSubtype="0" fill="hold" grpId="0" nodeType="clickEffect">
-                                  <p:stCondLst>
-                                    <p:cond delay="0"/>
-                                  </p:stCondLst>
-                                  <p:childTnLst>
-                                    <p:set>
-                                      <p:cBhvr>
-                                        <p:cTn id="10" dur="1" fill="hold">
-                                          <p:stCondLst>
-                                            <p:cond delay="0"/>
-                                          </p:stCondLst>
-                                        </p:cTn>
-                                        <p:tgtEl>
-                                          <p:spTgt spid="10"/>
-                                        </p:tgtEl>
-                                        <p:attrNameLst>
-                                          <p:attrName>style.visibility</p:attrName>
-                                        </p:attrNameLst>
-                                      </p:cBhvr>
-                                      <p:to>
-                                        <p:strVal val="visible"/>
-                                      </p:to>
-                                    </p:set>
-                                  </p:childTnLst>
-                                </p:cTn>
-                              </p:par>
-                              <p:par>
-                                <p:cTn id="11" presetID="1" presetClass="entr" presetSubtype="0" fill="hold" grpId="0" nodeType="withEffect">
-                                  <p:stCondLst>
-                                    <p:cond delay="0"/>
-                                  </p:stCondLst>
-                                  <p:childTnLst>
-                                    <p:set>
-                                      <p:cBhvr>
-                                        <p:cTn id="12" dur="1" fill="hold">
-                                          <p:stCondLst>
-                                            <p:cond delay="0"/>
-                                          </p:stCondLst>
-                                        </p:cTn>
-                                        <p:tgtEl>
-                                          <p:spTgt spid="9"/>
-                                        </p:tgtEl>
-                                        <p:attrNameLst>
-                                          <p:attrName>style.visibility</p:attrName>
-                                        </p:attrNameLst>
-                                      </p:cBhvr>
-                                      <p:to>
-                                        <p:strVal val="visible"/>
-                                      </p:to>
-                                    </p:set>
-                                  </p:childTnLst>
-                                </p:cTn>
-                              </p:par>
-                            </p:childTnLst>
-                          </p:cTn>
-                        </p:par>
-                      </p:childTnLst>
-                    </p:cTn>
-                  </p:par>
-                  <p:par>
-                    <p:cTn id="13" fill="hold">
-                      <p:stCondLst>
-                        <p:cond delay="indefinite"/>
-                      </p:stCondLst>
-                      <p:childTnLst>
-                        <p:par>
-                          <p:cTn id="14" fill="hold">
-                            <p:stCondLst>
-                              <p:cond delay="0"/>
-                            </p:stCondLst>
-                            <p:childTnLst>
-                              <p:par>
-                                <p:cTn id="15" presetID="1" presetClass="entr" presetSubtype="0" fill="hold" nodeType="clickEffect">
-                                  <p:stCondLst>
-                                    <p:cond delay="0"/>
-                                  </p:stCondLst>
-                                  <p:childTnLst>
-                                    <p:set>
-                                      <p:cBhvr>
-                                        <p:cTn id="16" dur="1" fill="hold">
-                                          <p:stCondLst>
-                                            <p:cond delay="0"/>
-                                          </p:stCondLst>
-                                        </p:cTn>
-                                        <p:tgtEl>
-                                          <p:spTgt spid="1026"/>
-                                        </p:tgtEl>
-                                        <p:attrNameLst>
-                                          <p:attrName>style.visibility</p:attrName>
-                                        </p:attrNameLst>
-                                      </p:cBhvr>
-                                      <p:to>
-                                        <p:strVal val="visible"/>
-                                      </p:to>
-                                    </p:set>
-                                  </p:childTnLst>
-                                </p:cTn>
-                              </p:par>
-                            </p:childTnLst>
-                          </p:cTn>
-                        </p:par>
-                      </p:childTnLst>
-                    </p:cTn>
-                  </p:par>
-                </p:childTnLst>
-              </p:cTn>
-              <p:prevCondLst>
-                <p:cond evt="onPrev" delay="0">
-                  <p:tgtEl>
-                    <p:sldTgt/>
-                  </p:tgtEl>
-                </p:cond>
-              </p:prevCondLst>
-              <p:nextCondLst>
-                <p:cond evt="onNext" delay="0">
-                  <p:tgtEl>
-                    <p:sldTgt/>
-                  </p:tgtEl>
-                </p:cond>
-              </p:nextCondLst>
-            </p:seq>
-          </p:childTnLst>
-        </p:cTn>
-      </p:par>
-    </p:tnLst>
-    <p:bldLst>
-      <p:bldP spid="9" grpId="0" animBg="1"/>
-      <p:bldP spid="10" grpId="0"/>
-    </p:bldLst>
-  </p:timing>
-</p:sld>
-</file>
-
-<file path=ppt/slides/slide12.xml><?xml version="1.0" encoding="utf-8"?>
-<p:sld xmlns:a="http://schemas.openxmlformats.org/drawingml/2006/main" xmlns:r="http://schemas.openxmlformats.org/officeDocument/2006/relationships" xmlns:p="http://schemas.openxmlformats.org/presentationml/2006/main">
-  <p:cSld>
-    <p:spTree>
-      <p:nvGrpSpPr>
-        <p:cNvPr id="1" name="Shape 139"/>
-        <p:cNvGrpSpPr/>
-        <p:nvPr/>
-      </p:nvGrpSpPr>
-      <p:grpSpPr>
-        <a:xfrm>
-          <a:off x="0" y="0"/>
-          <a:ext cx="0" cy="0"/>
-          <a:chOff x="0" y="0"/>
-          <a:chExt cx="0" cy="0"/>
-        </a:xfrm>
-      </p:grpSpPr>
-      <p:sp>
-        <p:nvSpPr>
-          <p:cNvPr id="141" name="Google Shape;141;p23"/>
-          <p:cNvSpPr/>
-          <p:nvPr/>
-        </p:nvSpPr>
-        <p:spPr>
-          <a:xfrm>
-            <a:off x="474135" y="389416"/>
-            <a:ext cx="1876800" cy="1862100"/>
-          </a:xfrm>
-          <a:prstGeom prst="ellipse">
-            <a:avLst/>
-          </a:prstGeom>
-          <a:solidFill>
-            <a:srgbClr val="F3F3F3"/>
-          </a:solidFill>
-          <a:ln>
-            <a:noFill/>
-          </a:ln>
-        </p:spPr>
-        <p:txBody>
-          <a:bodyPr spcFirstLastPara="1" wrap="square" lIns="91425" tIns="91425" rIns="91425" bIns="91425" anchor="ctr" anchorCtr="0">
-            <a:noAutofit/>
-          </a:bodyPr>
-          <a:lstStyle/>
-          <a:p>
-            <a:pPr marL="0" lvl="0" indent="0" algn="ctr" rtl="0">
-              <a:spcBef>
-                <a:spcPts val="0"/>
-              </a:spcBef>
-              <a:spcAft>
-                <a:spcPts val="0"/>
-              </a:spcAft>
-              <a:buNone/>
-            </a:pPr>
-            <a:r>
-              <a:rPr lang="en" dirty="0">
-                <a:latin typeface="PT Serif"/>
-                <a:ea typeface="PT Serif"/>
-                <a:cs typeface="PT Serif"/>
-                <a:sym typeface="PT Serif"/>
-              </a:rPr>
-              <a:t>Original </a:t>
-            </a:r>
-          </a:p>
-          <a:p>
-            <a:pPr marL="0" lvl="0" indent="0" algn="ctr" rtl="0">
-              <a:spcBef>
-                <a:spcPts val="0"/>
-              </a:spcBef>
-              <a:spcAft>
-                <a:spcPts val="0"/>
-              </a:spcAft>
-              <a:buNone/>
-            </a:pPr>
-            <a:r>
-              <a:rPr lang="en" dirty="0">
-                <a:latin typeface="PT Serif"/>
-                <a:ea typeface="PT Serif"/>
-                <a:cs typeface="PT Serif"/>
-                <a:sym typeface="PT Serif"/>
-              </a:rPr>
-              <a:t>Code</a:t>
-            </a:r>
-            <a:endParaRPr dirty="0">
-              <a:latin typeface="PT Serif"/>
-              <a:ea typeface="PT Serif"/>
-              <a:cs typeface="PT Serif"/>
-              <a:sym typeface="PT Serif"/>
-            </a:endParaRPr>
-          </a:p>
-        </p:txBody>
-      </p:sp>
-      <p:sp>
-        <p:nvSpPr>
-          <p:cNvPr id="142" name="Google Shape;142;p23"/>
-          <p:cNvSpPr/>
-          <p:nvPr/>
-        </p:nvSpPr>
-        <p:spPr>
-          <a:xfrm>
-            <a:off x="5488485" y="1727327"/>
-            <a:ext cx="1876800" cy="1862100"/>
-          </a:xfrm>
-          <a:prstGeom prst="ellipse">
-            <a:avLst/>
-          </a:prstGeom>
-          <a:solidFill>
-            <a:srgbClr val="F3F3F3"/>
-          </a:solidFill>
-          <a:ln>
-            <a:noFill/>
-          </a:ln>
-        </p:spPr>
-        <p:txBody>
-          <a:bodyPr spcFirstLastPara="1" wrap="square" lIns="91425" tIns="91425" rIns="91425" bIns="91425" anchor="ctr" anchorCtr="0">
-            <a:noAutofit/>
-          </a:bodyPr>
-          <a:lstStyle/>
-          <a:p>
-            <a:pPr marL="0" lvl="0" indent="0" algn="ctr" rtl="0">
-              <a:spcBef>
-                <a:spcPts val="0"/>
-              </a:spcBef>
-              <a:spcAft>
-                <a:spcPts val="0"/>
-              </a:spcAft>
-              <a:buNone/>
-            </a:pPr>
-            <a:r>
-              <a:rPr lang="en" dirty="0">
-                <a:latin typeface="PT Serif"/>
-                <a:ea typeface="PT Serif"/>
-                <a:cs typeface="PT Serif"/>
-                <a:sym typeface="PT Serif"/>
-              </a:rPr>
-              <a:t>Refactored </a:t>
-            </a:r>
-          </a:p>
-          <a:p>
-            <a:pPr marL="0" lvl="0" indent="0" algn="ctr" rtl="0">
-              <a:spcBef>
-                <a:spcPts val="0"/>
-              </a:spcBef>
-              <a:spcAft>
-                <a:spcPts val="0"/>
-              </a:spcAft>
-              <a:buNone/>
-            </a:pPr>
-            <a:r>
-              <a:rPr lang="en" dirty="0">
-                <a:latin typeface="PT Serif"/>
-                <a:ea typeface="PT Serif"/>
-                <a:cs typeface="PT Serif"/>
-                <a:sym typeface="PT Serif"/>
-              </a:rPr>
-              <a:t>Code</a:t>
-            </a:r>
-            <a:endParaRPr dirty="0">
-              <a:latin typeface="PT Serif"/>
-              <a:ea typeface="PT Serif"/>
-              <a:cs typeface="PT Serif"/>
-              <a:sym typeface="PT Serif"/>
-            </a:endParaRPr>
-          </a:p>
-        </p:txBody>
-      </p:sp>
-      <p:sp>
-        <p:nvSpPr>
-          <p:cNvPr id="144" name="Google Shape;144;p23"/>
-          <p:cNvSpPr txBox="1">
-            <a:spLocks noGrp="1"/>
-          </p:cNvSpPr>
-          <p:nvPr>
-            <p:ph type="sldNum" idx="12"/>
-          </p:nvPr>
-        </p:nvSpPr>
-        <p:spPr>
-          <a:xfrm>
-            <a:off x="4297650" y="4419838"/>
-            <a:ext cx="548700" cy="393600"/>
-          </a:xfrm>
-          <a:prstGeom prst="rect">
-            <a:avLst/>
-          </a:prstGeom>
-        </p:spPr>
-        <p:txBody>
-          <a:bodyPr spcFirstLastPara="1" wrap="square" lIns="91425" tIns="91425" rIns="91425" bIns="91425" anchor="b" anchorCtr="0">
-            <a:noAutofit/>
-          </a:bodyPr>
-          <a:lstStyle/>
-          <a:p>
-            <a:pPr marL="0" lvl="0" indent="0" algn="ctr" rtl="0">
-              <a:spcBef>
-                <a:spcPts val="0"/>
-              </a:spcBef>
-              <a:spcAft>
-                <a:spcPts val="0"/>
-              </a:spcAft>
-              <a:buNone/>
-            </a:pPr>
-            <a:fld id="{00000000-1234-1234-1234-123412341234}" type="slidenum">
-              <a:rPr lang="en"/>
-              <a:t>12</a:t>
-            </a:fld>
-            <a:endParaRPr/>
-          </a:p>
-        </p:txBody>
-      </p:sp>
-      <p:sp>
-        <p:nvSpPr>
-          <p:cNvPr id="10" name="TextBox 9">
-            <a:extLst>
-              <a:ext uri="{FF2B5EF4-FFF2-40B4-BE49-F238E27FC236}">
-                <a16:creationId xmlns:a16="http://schemas.microsoft.com/office/drawing/2014/main" id="{F63E6113-C64B-BC42-ABEA-6DB09455D094}"/>
-              </a:ext>
-            </a:extLst>
-          </p:cNvPr>
-          <p:cNvSpPr txBox="1"/>
-          <p:nvPr/>
-        </p:nvSpPr>
-        <p:spPr>
-          <a:xfrm>
-            <a:off x="2956390" y="2504488"/>
-            <a:ext cx="1776448" cy="307777"/>
-          </a:xfrm>
-          <a:prstGeom prst="rect">
-            <a:avLst/>
-          </a:prstGeom>
-          <a:noFill/>
-        </p:spPr>
-        <p:txBody>
-          <a:bodyPr wrap="none" rtlCol="0">
-            <a:spAutoFit/>
-          </a:bodyPr>
-          <a:lstStyle/>
-          <a:p>
-            <a:pPr algn="ctr"/>
-            <a:r>
-              <a:rPr lang="en-US" dirty="0"/>
-              <a:t>Provable Movement</a:t>
-            </a:r>
-          </a:p>
-        </p:txBody>
-      </p:sp>
-      <p:cxnSp>
-        <p:nvCxnSpPr>
-          <p:cNvPr id="5" name="Straight Arrow Connector 4">
-            <a:extLst>
-              <a:ext uri="{FF2B5EF4-FFF2-40B4-BE49-F238E27FC236}">
-                <a16:creationId xmlns:a16="http://schemas.microsoft.com/office/drawing/2014/main" id="{0BB4B109-F0E1-2940-BE38-F40FFA0285C6}"/>
-              </a:ext>
-            </a:extLst>
-          </p:cNvPr>
-          <p:cNvCxnSpPr/>
-          <p:nvPr/>
-        </p:nvCxnSpPr>
-        <p:spPr>
-          <a:xfrm>
-            <a:off x="4846350" y="2658376"/>
-            <a:ext cx="428294" cy="0"/>
-          </a:xfrm>
-          <a:prstGeom prst="straightConnector1">
-            <a:avLst/>
-          </a:prstGeom>
-          <a:ln>
-            <a:tailEnd type="triangle"/>
-          </a:ln>
-        </p:spPr>
-        <p:style>
-          <a:lnRef idx="1">
-            <a:schemeClr val="accent1"/>
-          </a:lnRef>
-          <a:fillRef idx="0">
-            <a:schemeClr val="accent1"/>
-          </a:fillRef>
-          <a:effectRef idx="0">
-            <a:schemeClr val="accent1"/>
-          </a:effectRef>
-          <a:fontRef idx="minor">
-            <a:schemeClr val="tx1"/>
-          </a:fontRef>
-        </p:style>
-      </p:cxnSp>
-      <p:sp>
-        <p:nvSpPr>
-          <p:cNvPr id="11" name="TextBox 10">
-            <a:extLst>
-              <a:ext uri="{FF2B5EF4-FFF2-40B4-BE49-F238E27FC236}">
-                <a16:creationId xmlns:a16="http://schemas.microsoft.com/office/drawing/2014/main" id="{1E9325B4-9939-1543-B763-C3AC5F40BD40}"/>
-              </a:ext>
-            </a:extLst>
-          </p:cNvPr>
-          <p:cNvSpPr txBox="1"/>
-          <p:nvPr/>
-        </p:nvSpPr>
-        <p:spPr>
-          <a:xfrm>
-            <a:off x="3443703" y="4265949"/>
-            <a:ext cx="801823" cy="307777"/>
-          </a:xfrm>
-          <a:prstGeom prst="rect">
-            <a:avLst/>
-          </a:prstGeom>
-          <a:noFill/>
-        </p:spPr>
-        <p:txBody>
-          <a:bodyPr wrap="none" rtlCol="0">
-            <a:spAutoFit/>
-          </a:bodyPr>
-          <a:lstStyle/>
-          <a:p>
-            <a:pPr algn="ctr"/>
-            <a:r>
-              <a:rPr lang="en-US" dirty="0"/>
-              <a:t>Commit</a:t>
-            </a:r>
-          </a:p>
-        </p:txBody>
-      </p:sp>
-    </p:spTree>
-    <p:extLst>
-      <p:ext uri="{BB962C8B-B14F-4D97-AF65-F5344CB8AC3E}">
-        <p14:creationId xmlns:p14="http://schemas.microsoft.com/office/powerpoint/2010/main" val="3519876440"/>
-      </p:ext>
-    </p:extLst>
-  </p:cSld>
-  <p:clrMapOvr>
-    <a:masterClrMapping/>
-  </p:clrMapOvr>
-</p:sld>
-</file>
-
-<file path=ppt/slides/slide13.xml><?xml version="1.0" encoding="utf-8"?>
-<p:sld xmlns:a="http://schemas.openxmlformats.org/drawingml/2006/main" xmlns:r="http://schemas.openxmlformats.org/officeDocument/2006/relationships" xmlns:p="http://schemas.openxmlformats.org/presentationml/2006/main">
-  <p:cSld>
-    <p:spTree>
-      <p:nvGrpSpPr>
-        <p:cNvPr id="1" name="Shape 139"/>
-        <p:cNvGrpSpPr/>
-        <p:nvPr/>
-      </p:nvGrpSpPr>
-      <p:grpSpPr>
-        <a:xfrm>
-          <a:off x="0" y="0"/>
-          <a:ext cx="0" cy="0"/>
-          <a:chOff x="0" y="0"/>
-          <a:chExt cx="0" cy="0"/>
-        </a:xfrm>
-      </p:grpSpPr>
-      <p:sp>
-        <p:nvSpPr>
-          <p:cNvPr id="141" name="Google Shape;141;p23"/>
-          <p:cNvSpPr/>
-          <p:nvPr/>
-        </p:nvSpPr>
-        <p:spPr>
-          <a:xfrm>
-            <a:off x="474135" y="389416"/>
-            <a:ext cx="1480205" cy="1468611"/>
-          </a:xfrm>
-          <a:prstGeom prst="ellipse">
-            <a:avLst/>
-          </a:prstGeom>
-          <a:solidFill>
-            <a:srgbClr val="F3F3F3"/>
-          </a:solidFill>
-          <a:ln>
-            <a:noFill/>
-          </a:ln>
-        </p:spPr>
-        <p:txBody>
-          <a:bodyPr spcFirstLastPara="1" wrap="square" lIns="91425" tIns="91425" rIns="91425" bIns="91425" anchor="ctr" anchorCtr="0">
-            <a:noAutofit/>
-          </a:bodyPr>
-          <a:lstStyle/>
-          <a:p>
-            <a:pPr marL="0" lvl="0" indent="0" algn="ctr" rtl="0">
-              <a:spcBef>
-                <a:spcPts val="0"/>
-              </a:spcBef>
-              <a:spcAft>
-                <a:spcPts val="0"/>
-              </a:spcAft>
-              <a:buNone/>
-            </a:pPr>
-            <a:r>
-              <a:rPr lang="en" dirty="0">
-                <a:latin typeface="PT Serif"/>
-                <a:ea typeface="PT Serif"/>
-                <a:cs typeface="PT Serif"/>
-                <a:sym typeface="PT Serif"/>
-              </a:rPr>
-              <a:t>Original </a:t>
-            </a:r>
-          </a:p>
-          <a:p>
-            <a:pPr marL="0" lvl="0" indent="0" algn="ctr" rtl="0">
-              <a:spcBef>
-                <a:spcPts val="0"/>
-              </a:spcBef>
-              <a:spcAft>
-                <a:spcPts val="0"/>
-              </a:spcAft>
-              <a:buNone/>
-            </a:pPr>
-            <a:r>
-              <a:rPr lang="en" dirty="0">
-                <a:latin typeface="PT Serif"/>
-                <a:ea typeface="PT Serif"/>
-                <a:cs typeface="PT Serif"/>
-                <a:sym typeface="PT Serif"/>
-              </a:rPr>
-              <a:t>Code</a:t>
-            </a:r>
-            <a:endParaRPr dirty="0">
-              <a:latin typeface="PT Serif"/>
-              <a:ea typeface="PT Serif"/>
-              <a:cs typeface="PT Serif"/>
-              <a:sym typeface="PT Serif"/>
-            </a:endParaRPr>
-          </a:p>
-        </p:txBody>
-      </p:sp>
-      <p:sp>
-        <p:nvSpPr>
-          <p:cNvPr id="142" name="Google Shape;142;p23"/>
-          <p:cNvSpPr/>
-          <p:nvPr/>
-        </p:nvSpPr>
-        <p:spPr>
-          <a:xfrm>
-            <a:off x="6238213" y="1103139"/>
-            <a:ext cx="1480205" cy="1468611"/>
-          </a:xfrm>
-          <a:prstGeom prst="ellipse">
-            <a:avLst/>
-          </a:prstGeom>
-          <a:solidFill>
-            <a:srgbClr val="F3F3F3"/>
-          </a:solidFill>
-          <a:ln>
-            <a:noFill/>
-          </a:ln>
-        </p:spPr>
-        <p:txBody>
-          <a:bodyPr spcFirstLastPara="1" wrap="square" lIns="91425" tIns="91425" rIns="91425" bIns="91425" anchor="ctr" anchorCtr="0">
-            <a:noAutofit/>
-          </a:bodyPr>
-          <a:lstStyle/>
-          <a:p>
-            <a:pPr marL="0" lvl="0" indent="0" algn="ctr" rtl="0">
-              <a:spcBef>
-                <a:spcPts val="0"/>
-              </a:spcBef>
-              <a:spcAft>
-                <a:spcPts val="0"/>
-              </a:spcAft>
-              <a:buNone/>
-            </a:pPr>
-            <a:r>
-              <a:rPr lang="en" dirty="0">
-                <a:latin typeface="PT Serif"/>
-                <a:ea typeface="PT Serif"/>
-                <a:cs typeface="PT Serif"/>
-                <a:sym typeface="PT Serif"/>
-              </a:rPr>
-              <a:t>Refactored </a:t>
-            </a:r>
-          </a:p>
-          <a:p>
-            <a:pPr marL="0" lvl="0" indent="0" algn="ctr" rtl="0">
-              <a:spcBef>
-                <a:spcPts val="0"/>
-              </a:spcBef>
-              <a:spcAft>
-                <a:spcPts val="0"/>
-              </a:spcAft>
-              <a:buNone/>
-            </a:pPr>
-            <a:r>
-              <a:rPr lang="en" dirty="0">
-                <a:latin typeface="PT Serif"/>
-                <a:ea typeface="PT Serif"/>
-                <a:cs typeface="PT Serif"/>
-                <a:sym typeface="PT Serif"/>
-              </a:rPr>
-              <a:t>Code</a:t>
-            </a:r>
-            <a:endParaRPr dirty="0">
-              <a:latin typeface="PT Serif"/>
-              <a:ea typeface="PT Serif"/>
-              <a:cs typeface="PT Serif"/>
-              <a:sym typeface="PT Serif"/>
-            </a:endParaRPr>
-          </a:p>
-        </p:txBody>
-      </p:sp>
-      <p:sp>
-        <p:nvSpPr>
-          <p:cNvPr id="144" name="Google Shape;144;p23"/>
-          <p:cNvSpPr txBox="1">
-            <a:spLocks noGrp="1"/>
-          </p:cNvSpPr>
-          <p:nvPr>
-            <p:ph type="sldNum" idx="12"/>
-          </p:nvPr>
-        </p:nvSpPr>
-        <p:spPr>
-          <a:xfrm>
-            <a:off x="4297650" y="4419838"/>
-            <a:ext cx="548700" cy="393600"/>
-          </a:xfrm>
-          <a:prstGeom prst="rect">
-            <a:avLst/>
-          </a:prstGeom>
-        </p:spPr>
-        <p:txBody>
-          <a:bodyPr spcFirstLastPara="1" wrap="square" lIns="91425" tIns="91425" rIns="91425" bIns="91425" anchor="b" anchorCtr="0">
-            <a:noAutofit/>
-          </a:bodyPr>
-          <a:lstStyle/>
-          <a:p>
-            <a:pPr marL="0" lvl="0" indent="0" algn="ctr" rtl="0">
-              <a:spcBef>
-                <a:spcPts val="0"/>
-              </a:spcBef>
-              <a:spcAft>
-                <a:spcPts val="0"/>
-              </a:spcAft>
-              <a:buNone/>
-            </a:pPr>
-            <a:fld id="{00000000-1234-1234-1234-123412341234}" type="slidenum">
-              <a:rPr lang="en"/>
-              <a:t>13</a:t>
-            </a:fld>
-            <a:endParaRPr/>
-          </a:p>
-        </p:txBody>
-      </p:sp>
-      <p:sp>
-        <p:nvSpPr>
-          <p:cNvPr id="10" name="TextBox 9">
-            <a:extLst>
-              <a:ext uri="{FF2B5EF4-FFF2-40B4-BE49-F238E27FC236}">
-                <a16:creationId xmlns:a16="http://schemas.microsoft.com/office/drawing/2014/main" id="{F63E6113-C64B-BC42-ABEA-6DB09455D094}"/>
-              </a:ext>
-            </a:extLst>
-          </p:cNvPr>
-          <p:cNvSpPr txBox="1"/>
-          <p:nvPr/>
-        </p:nvSpPr>
-        <p:spPr>
-          <a:xfrm>
-            <a:off x="3810470" y="1744092"/>
-            <a:ext cx="1338829" cy="307777"/>
-          </a:xfrm>
-          <a:prstGeom prst="rect">
-            <a:avLst/>
-          </a:prstGeom>
-          <a:noFill/>
-        </p:spPr>
-        <p:txBody>
-          <a:bodyPr wrap="none" rtlCol="0">
-            <a:spAutoFit/>
-          </a:bodyPr>
-          <a:lstStyle/>
-          <a:p>
-            <a:pPr algn="ctr"/>
-            <a:r>
-              <a:rPr lang="en-US" dirty="0"/>
-              <a:t>Hand Refactor</a:t>
-            </a:r>
-          </a:p>
-        </p:txBody>
-      </p:sp>
-      <p:cxnSp>
-        <p:nvCxnSpPr>
-          <p:cNvPr id="5" name="Straight Arrow Connector 4">
-            <a:extLst>
-              <a:ext uri="{FF2B5EF4-FFF2-40B4-BE49-F238E27FC236}">
-                <a16:creationId xmlns:a16="http://schemas.microsoft.com/office/drawing/2014/main" id="{0BB4B109-F0E1-2940-BE38-F40FFA0285C6}"/>
-              </a:ext>
-            </a:extLst>
-          </p:cNvPr>
-          <p:cNvCxnSpPr/>
-          <p:nvPr/>
-        </p:nvCxnSpPr>
-        <p:spPr>
-          <a:xfrm>
-            <a:off x="5481619" y="1897980"/>
-            <a:ext cx="428294" cy="0"/>
-          </a:xfrm>
-          <a:prstGeom prst="straightConnector1">
-            <a:avLst/>
-          </a:prstGeom>
-          <a:ln>
-            <a:tailEnd type="triangle"/>
-          </a:ln>
-        </p:spPr>
-        <p:style>
-          <a:lnRef idx="1">
-            <a:schemeClr val="accent1"/>
-          </a:lnRef>
-          <a:fillRef idx="0">
-            <a:schemeClr val="accent1"/>
-          </a:fillRef>
-          <a:effectRef idx="0">
-            <a:schemeClr val="accent1"/>
-          </a:effectRef>
-          <a:fontRef idx="minor">
-            <a:schemeClr val="tx1"/>
-          </a:fontRef>
-        </p:style>
-      </p:cxnSp>
-      <p:sp>
-        <p:nvSpPr>
-          <p:cNvPr id="11" name="TextBox 10">
-            <a:extLst>
-              <a:ext uri="{FF2B5EF4-FFF2-40B4-BE49-F238E27FC236}">
-                <a16:creationId xmlns:a16="http://schemas.microsoft.com/office/drawing/2014/main" id="{1E9325B4-9939-1543-B763-C3AC5F40BD40}"/>
-              </a:ext>
-            </a:extLst>
-          </p:cNvPr>
-          <p:cNvSpPr txBox="1"/>
-          <p:nvPr/>
-        </p:nvSpPr>
-        <p:spPr>
-          <a:xfrm>
-            <a:off x="2939830" y="3111072"/>
-            <a:ext cx="3098926" cy="307777"/>
-          </a:xfrm>
-          <a:prstGeom prst="rect">
-            <a:avLst/>
-          </a:prstGeom>
-          <a:noFill/>
-        </p:spPr>
-        <p:txBody>
-          <a:bodyPr wrap="none" rtlCol="0">
-            <a:spAutoFit/>
-          </a:bodyPr>
-          <a:lstStyle/>
-          <a:p>
-            <a:pPr algn="ctr"/>
-            <a:r>
-              <a:rPr lang="en-US" dirty="0"/>
-              <a:t>Check source control for no changes</a:t>
-            </a:r>
-          </a:p>
-        </p:txBody>
-      </p:sp>
-      <p:sp>
-        <p:nvSpPr>
-          <p:cNvPr id="13" name="TextBox 12">
-            <a:extLst>
-              <a:ext uri="{FF2B5EF4-FFF2-40B4-BE49-F238E27FC236}">
-                <a16:creationId xmlns:a16="http://schemas.microsoft.com/office/drawing/2014/main" id="{CF3B5216-EE4A-2E49-AE01-10A10DF60CAF}"/>
-              </a:ext>
-            </a:extLst>
-          </p:cNvPr>
-          <p:cNvSpPr txBox="1"/>
-          <p:nvPr/>
-        </p:nvSpPr>
-        <p:spPr>
-          <a:xfrm>
-            <a:off x="3680418" y="2417861"/>
-            <a:ext cx="1617751" cy="307777"/>
-          </a:xfrm>
-          <a:prstGeom prst="rect">
-            <a:avLst/>
-          </a:prstGeom>
-          <a:noFill/>
-        </p:spPr>
-        <p:txBody>
-          <a:bodyPr wrap="none" rtlCol="0">
-            <a:spAutoFit/>
-          </a:bodyPr>
-          <a:lstStyle/>
-          <a:p>
-            <a:pPr algn="ctr"/>
-            <a:r>
-              <a:rPr lang="en-US" dirty="0"/>
-              <a:t>Provable Refactor</a:t>
-            </a:r>
-          </a:p>
-        </p:txBody>
-      </p:sp>
-      <p:cxnSp>
-        <p:nvCxnSpPr>
-          <p:cNvPr id="14" name="Straight Arrow Connector 13">
-            <a:extLst>
-              <a:ext uri="{FF2B5EF4-FFF2-40B4-BE49-F238E27FC236}">
-                <a16:creationId xmlns:a16="http://schemas.microsoft.com/office/drawing/2014/main" id="{61AA1025-0DB8-2C4E-B108-907A29E8A2D0}"/>
-              </a:ext>
-            </a:extLst>
-          </p:cNvPr>
-          <p:cNvCxnSpPr>
-            <a:cxnSpLocks/>
-          </p:cNvCxnSpPr>
-          <p:nvPr/>
-        </p:nvCxnSpPr>
-        <p:spPr>
-          <a:xfrm flipH="1">
-            <a:off x="2598821" y="2571750"/>
-            <a:ext cx="416588" cy="0"/>
-          </a:xfrm>
-          <a:prstGeom prst="straightConnector1">
-            <a:avLst/>
-          </a:prstGeom>
-          <a:ln>
-            <a:tailEnd type="triangle"/>
-          </a:ln>
-        </p:spPr>
-        <p:style>
-          <a:lnRef idx="1">
-            <a:schemeClr val="accent1"/>
-          </a:lnRef>
-          <a:fillRef idx="0">
-            <a:schemeClr val="accent1"/>
-          </a:fillRef>
-          <a:effectRef idx="0">
-            <a:schemeClr val="accent1"/>
-          </a:effectRef>
-          <a:fontRef idx="minor">
-            <a:schemeClr val="tx1"/>
-          </a:fontRef>
-        </p:style>
-      </p:cxnSp>
-      <p:sp>
-        <p:nvSpPr>
-          <p:cNvPr id="19" name="Google Shape;141;p23">
-            <a:extLst>
-              <a:ext uri="{FF2B5EF4-FFF2-40B4-BE49-F238E27FC236}">
-                <a16:creationId xmlns:a16="http://schemas.microsoft.com/office/drawing/2014/main" id="{7BE3D730-3D14-4A46-8109-EC8B260B1140}"/>
-              </a:ext>
-            </a:extLst>
-          </p:cNvPr>
-          <p:cNvSpPr/>
-          <p:nvPr/>
-        </p:nvSpPr>
-        <p:spPr>
-          <a:xfrm>
-            <a:off x="474135" y="1897980"/>
-            <a:ext cx="1480205" cy="1468611"/>
-          </a:xfrm>
-          <a:prstGeom prst="ellipse">
-            <a:avLst/>
-          </a:prstGeom>
-          <a:solidFill>
-            <a:srgbClr val="F3F3F3"/>
-          </a:solidFill>
-          <a:ln>
-            <a:noFill/>
-          </a:ln>
-        </p:spPr>
-        <p:txBody>
-          <a:bodyPr spcFirstLastPara="1" wrap="square" lIns="91425" tIns="91425" rIns="91425" bIns="91425" anchor="ctr" anchorCtr="0">
-            <a:noAutofit/>
-          </a:bodyPr>
-          <a:lstStyle/>
-          <a:p>
-            <a:pPr marL="0" lvl="0" indent="0" algn="ctr" rtl="0">
-              <a:spcBef>
-                <a:spcPts val="0"/>
-              </a:spcBef>
-              <a:spcAft>
-                <a:spcPts val="0"/>
-              </a:spcAft>
-              <a:buNone/>
-            </a:pPr>
-            <a:r>
-              <a:rPr lang="en" dirty="0">
-                <a:latin typeface="PT Serif"/>
-                <a:ea typeface="PT Serif"/>
-                <a:cs typeface="PT Serif"/>
-                <a:sym typeface="PT Serif"/>
-              </a:rPr>
-              <a:t>Original </a:t>
-            </a:r>
-          </a:p>
-          <a:p>
-            <a:pPr marL="0" lvl="0" indent="0" algn="ctr" rtl="0">
-              <a:spcBef>
-                <a:spcPts val="0"/>
-              </a:spcBef>
-              <a:spcAft>
-                <a:spcPts val="0"/>
-              </a:spcAft>
-              <a:buNone/>
-            </a:pPr>
-            <a:r>
-              <a:rPr lang="en" dirty="0">
-                <a:latin typeface="PT Serif"/>
-                <a:ea typeface="PT Serif"/>
-                <a:cs typeface="PT Serif"/>
-                <a:sym typeface="PT Serif"/>
-              </a:rPr>
-              <a:t>Code</a:t>
-            </a:r>
-            <a:endParaRPr dirty="0">
-              <a:latin typeface="PT Serif"/>
-              <a:ea typeface="PT Serif"/>
-              <a:cs typeface="PT Serif"/>
-              <a:sym typeface="PT Serif"/>
-            </a:endParaRPr>
-          </a:p>
-        </p:txBody>
-      </p:sp>
-      <p:sp>
-        <p:nvSpPr>
-          <p:cNvPr id="20" name="Google Shape;142;p23">
-            <a:extLst>
-              <a:ext uri="{FF2B5EF4-FFF2-40B4-BE49-F238E27FC236}">
-                <a16:creationId xmlns:a16="http://schemas.microsoft.com/office/drawing/2014/main" id="{F0A21A82-AB26-BE4B-9699-D12BFB717AEE}"/>
-              </a:ext>
-            </a:extLst>
-          </p:cNvPr>
-          <p:cNvSpPr/>
-          <p:nvPr/>
-        </p:nvSpPr>
-        <p:spPr>
-          <a:xfrm>
-            <a:off x="6238213" y="3126440"/>
-            <a:ext cx="1480205" cy="1468611"/>
-          </a:xfrm>
-          <a:prstGeom prst="ellipse">
-            <a:avLst/>
-          </a:prstGeom>
-          <a:solidFill>
-            <a:srgbClr val="F3F3F3"/>
-          </a:solidFill>
-          <a:ln>
-            <a:noFill/>
-          </a:ln>
-        </p:spPr>
-        <p:txBody>
-          <a:bodyPr spcFirstLastPara="1" wrap="square" lIns="91425" tIns="91425" rIns="91425" bIns="91425" anchor="ctr" anchorCtr="0">
-            <a:noAutofit/>
-          </a:bodyPr>
-          <a:lstStyle/>
-          <a:p>
-            <a:pPr marL="0" lvl="0" indent="0" algn="ctr" rtl="0">
-              <a:spcBef>
-                <a:spcPts val="0"/>
-              </a:spcBef>
-              <a:spcAft>
-                <a:spcPts val="0"/>
-              </a:spcAft>
-              <a:buNone/>
-            </a:pPr>
-            <a:r>
-              <a:rPr lang="en" dirty="0">
-                <a:latin typeface="PT Serif"/>
-                <a:ea typeface="PT Serif"/>
-                <a:cs typeface="PT Serif"/>
-                <a:sym typeface="PT Serif"/>
-              </a:rPr>
-              <a:t>Refactored </a:t>
-            </a:r>
-          </a:p>
-          <a:p>
-            <a:pPr marL="0" lvl="0" indent="0" algn="ctr" rtl="0">
-              <a:spcBef>
-                <a:spcPts val="0"/>
-              </a:spcBef>
-              <a:spcAft>
-                <a:spcPts val="0"/>
-              </a:spcAft>
-              <a:buNone/>
-            </a:pPr>
-            <a:r>
-              <a:rPr lang="en" dirty="0">
-                <a:latin typeface="PT Serif"/>
-                <a:ea typeface="PT Serif"/>
-                <a:cs typeface="PT Serif"/>
-                <a:sym typeface="PT Serif"/>
-              </a:rPr>
-              <a:t>Code</a:t>
-            </a:r>
-            <a:endParaRPr dirty="0">
-              <a:latin typeface="PT Serif"/>
-              <a:ea typeface="PT Serif"/>
-              <a:cs typeface="PT Serif"/>
-              <a:sym typeface="PT Serif"/>
-            </a:endParaRPr>
-          </a:p>
-        </p:txBody>
-      </p:sp>
-      <p:sp>
-        <p:nvSpPr>
-          <p:cNvPr id="21" name="TextBox 20">
-            <a:extLst>
-              <a:ext uri="{FF2B5EF4-FFF2-40B4-BE49-F238E27FC236}">
-                <a16:creationId xmlns:a16="http://schemas.microsoft.com/office/drawing/2014/main" id="{E663B288-9EE5-3E48-A3DC-BB225AA42AB5}"/>
-              </a:ext>
-            </a:extLst>
-          </p:cNvPr>
-          <p:cNvSpPr txBox="1"/>
-          <p:nvPr/>
-        </p:nvSpPr>
-        <p:spPr>
-          <a:xfrm>
-            <a:off x="4091798" y="3767393"/>
-            <a:ext cx="776175" cy="307777"/>
-          </a:xfrm>
-          <a:prstGeom prst="rect">
-            <a:avLst/>
-          </a:prstGeom>
-          <a:noFill/>
-        </p:spPr>
-        <p:txBody>
-          <a:bodyPr wrap="none" rtlCol="0">
-            <a:spAutoFit/>
-          </a:bodyPr>
-          <a:lstStyle/>
-          <a:p>
-            <a:pPr algn="ctr"/>
-            <a:r>
-              <a:rPr lang="en-US" dirty="0" err="1"/>
-              <a:t>Ctlr</a:t>
-            </a:r>
-            <a:r>
-              <a:rPr lang="en-US" dirty="0"/>
-              <a:t> + Z</a:t>
-            </a:r>
-          </a:p>
-        </p:txBody>
-      </p:sp>
-      <p:cxnSp>
-        <p:nvCxnSpPr>
-          <p:cNvPr id="22" name="Straight Arrow Connector 21">
-            <a:extLst>
-              <a:ext uri="{FF2B5EF4-FFF2-40B4-BE49-F238E27FC236}">
-                <a16:creationId xmlns:a16="http://schemas.microsoft.com/office/drawing/2014/main" id="{7355A9B6-AC6D-B34A-9590-975059BEF2B1}"/>
-              </a:ext>
-            </a:extLst>
-          </p:cNvPr>
-          <p:cNvCxnSpPr/>
-          <p:nvPr/>
-        </p:nvCxnSpPr>
-        <p:spPr>
-          <a:xfrm>
-            <a:off x="5481619" y="3921281"/>
-            <a:ext cx="428294" cy="0"/>
-          </a:xfrm>
-          <a:prstGeom prst="straightConnector1">
-            <a:avLst/>
-          </a:prstGeom>
-          <a:ln>
-            <a:tailEnd type="triangle"/>
-          </a:ln>
-        </p:spPr>
-        <p:style>
-          <a:lnRef idx="1">
-            <a:schemeClr val="accent1"/>
-          </a:lnRef>
-          <a:fillRef idx="0">
-            <a:schemeClr val="accent1"/>
-          </a:fillRef>
-          <a:effectRef idx="0">
-            <a:schemeClr val="accent1"/>
-          </a:effectRef>
-          <a:fontRef idx="minor">
-            <a:schemeClr val="tx1"/>
-          </a:fontRef>
-        </p:style>
-      </p:cxnSp>
-      <p:sp>
-        <p:nvSpPr>
-          <p:cNvPr id="26" name="TextBox 25">
-            <a:extLst>
-              <a:ext uri="{FF2B5EF4-FFF2-40B4-BE49-F238E27FC236}">
-                <a16:creationId xmlns:a16="http://schemas.microsoft.com/office/drawing/2014/main" id="{11301F18-F376-1244-AAF7-C8D71B7D440C}"/>
-              </a:ext>
-            </a:extLst>
-          </p:cNvPr>
-          <p:cNvSpPr txBox="1"/>
-          <p:nvPr/>
-        </p:nvSpPr>
-        <p:spPr>
-          <a:xfrm>
-            <a:off x="4171088" y="4441162"/>
-            <a:ext cx="801823" cy="307777"/>
-          </a:xfrm>
-          <a:prstGeom prst="rect">
-            <a:avLst/>
-          </a:prstGeom>
-          <a:noFill/>
-        </p:spPr>
-        <p:txBody>
-          <a:bodyPr wrap="none" rtlCol="0">
-            <a:spAutoFit/>
-          </a:bodyPr>
-          <a:lstStyle/>
-          <a:p>
-            <a:pPr algn="ctr"/>
-            <a:r>
-              <a:rPr lang="en-US" dirty="0"/>
-              <a:t>Commit</a:t>
-            </a:r>
-          </a:p>
-        </p:txBody>
-      </p:sp>
-    </p:spTree>
-    <p:extLst>
-      <p:ext uri="{BB962C8B-B14F-4D97-AF65-F5344CB8AC3E}">
-        <p14:creationId xmlns:p14="http://schemas.microsoft.com/office/powerpoint/2010/main" val="914475512"/>
-      </p:ext>
-    </p:extLst>
-  </p:cSld>
-  <p:clrMapOvr>
-    <a:masterClrMapping/>
-  </p:clrMapOvr>
-</p:sld>
-</file>
-
-<file path=ppt/slides/slide14.xml><?xml version="1.0" encoding="utf-8"?>
-<p:sld xmlns:a="http://schemas.openxmlformats.org/drawingml/2006/main" xmlns:r="http://schemas.openxmlformats.org/officeDocument/2006/relationships" xmlns:p="http://schemas.openxmlformats.org/presentationml/2006/main">
-  <p:cSld>
-    <p:spTree>
-      <p:nvGrpSpPr>
         <p:cNvPr id="1" name="Shape 80"/>
         <p:cNvGrpSpPr/>
         <p:nvPr/>
@@ -9224,7 +6189,7 @@
             </a:pPr>
             <a:fld id="{00000000-1234-1234-1234-123412341234}" type="slidenum">
               <a:rPr lang="en"/>
-              <a:t>14</a:t>
+              <a:t>10</a:t>
             </a:fld>
             <a:endParaRPr/>
           </a:p>
@@ -9243,7 +6208,7 @@
 </p:sld>
 </file>
 
-<file path=ppt/slides/slide15.xml><?xml version="1.0" encoding="utf-8"?>
+<file path=ppt/slides/slide11.xml><?xml version="1.0" encoding="utf-8"?>
 <p:sld xmlns:a="http://schemas.openxmlformats.org/drawingml/2006/main" xmlns:r="http://schemas.openxmlformats.org/officeDocument/2006/relationships" xmlns:p="http://schemas.openxmlformats.org/presentationml/2006/main">
   <p:cSld>
     <p:spTree>
@@ -9398,7 +6363,7 @@
             </a:pPr>
             <a:fld id="{00000000-1234-1234-1234-123412341234}" type="slidenum">
               <a:rPr lang="en" smtClean="0"/>
-              <a:t>15</a:t>
+              <a:t>11</a:t>
             </a:fld>
             <a:endParaRPr lang="en"/>
           </a:p>
@@ -9417,7 +6382,7 @@
 </p:sld>
 </file>
 
-<file path=ppt/slides/slide16.xml><?xml version="1.0" encoding="utf-8"?>
+<file path=ppt/slides/slide12.xml><?xml version="1.0" encoding="utf-8"?>
 <p:sld xmlns:a="http://schemas.openxmlformats.org/drawingml/2006/main" xmlns:r="http://schemas.openxmlformats.org/officeDocument/2006/relationships" xmlns:p="http://schemas.openxmlformats.org/presentationml/2006/main">
   <p:cSld>
     <p:spTree>
@@ -9466,7 +6431,7 @@
             </a:pPr>
             <a:fld id="{00000000-1234-1234-1234-123412341234}" type="slidenum">
               <a:rPr lang="en" smtClean="0"/>
-              <a:t>16</a:t>
+              <a:t>12</a:t>
             </a:fld>
             <a:endParaRPr lang="en"/>
           </a:p>
@@ -10180,7 +7145,7 @@
 </p:sld>
 </file>
 
-<file path=ppt/slides/slide17.xml><?xml version="1.0" encoding="utf-8"?>
+<file path=ppt/slides/slide13.xml><?xml version="1.0" encoding="utf-8"?>
 <p:sld xmlns:a="http://schemas.openxmlformats.org/drawingml/2006/main" xmlns:r="http://schemas.openxmlformats.org/officeDocument/2006/relationships" xmlns:p="http://schemas.openxmlformats.org/presentationml/2006/main">
   <p:cSld>
     <p:spTree>
@@ -10311,8 +7276,8 @@
         </p:nvSpPr>
         <p:spPr>
           <a:xfrm>
-            <a:off x="1722736" y="2892240"/>
-            <a:ext cx="5539500" cy="1005900"/>
+            <a:off x="1254034" y="2892240"/>
+            <a:ext cx="6705600" cy="1005900"/>
           </a:xfrm>
           <a:prstGeom prst="rect">
             <a:avLst/>
@@ -10342,7 +7307,7 @@
                   </a:schemeClr>
                 </a:solidFill>
               </a:rPr>
-              <a:t>Please connect through LinkedIn &amp; Twitter</a:t>
+              <a:t>Please connect through LinkedIn</a:t>
             </a:r>
             <a:endParaRPr sz="1800" dirty="0"/>
           </a:p>
@@ -10384,7 +7349,7 @@
             </a:pPr>
             <a:fld id="{00000000-1234-1234-1234-123412341234}" type="slidenum">
               <a:rPr lang="en"/>
-              <a:t>17</a:t>
+              <a:t>13</a:t>
             </a:fld>
             <a:endParaRPr/>
           </a:p>
@@ -10873,7 +7838,7 @@
         </p:nvSpPr>
         <p:spPr>
           <a:xfrm>
-            <a:off x="4559676" y="3395190"/>
+            <a:off x="4846350" y="3374652"/>
             <a:ext cx="3207072" cy="1005900"/>
           </a:xfrm>
           <a:prstGeom prst="rect">
@@ -11986,1807 +8951,6 @@
                   <a:srgbClr val="FFFFFF"/>
                 </a:solidFill>
               </a:rPr>
-              <a:t>AnyDesk</a:t>
-            </a:r>
-            <a:endParaRPr sz="6000" i="1" dirty="0">
-              <a:solidFill>
-                <a:srgbClr val="FFFFFF"/>
-              </a:solidFill>
-            </a:endParaRPr>
-          </a:p>
-        </p:txBody>
-      </p:sp>
-      <p:sp>
-        <p:nvSpPr>
-          <p:cNvPr id="96" name="Google Shape;96;p18"/>
-          <p:cNvSpPr/>
-          <p:nvPr/>
-        </p:nvSpPr>
-        <p:spPr>
-          <a:xfrm>
-            <a:off x="3935896" y="922408"/>
-            <a:ext cx="1272208" cy="1273222"/>
-          </a:xfrm>
-          <a:prstGeom prst="ellipse">
-            <a:avLst/>
-          </a:prstGeom>
-          <a:solidFill>
-            <a:srgbClr val="FFFFFF"/>
-          </a:solidFill>
-          <a:ln>
-            <a:noFill/>
-          </a:ln>
-        </p:spPr>
-        <p:txBody>
-          <a:bodyPr spcFirstLastPara="1" wrap="square" lIns="91425" tIns="91425" rIns="91425" bIns="91425" anchor="ctr" anchorCtr="0">
-            <a:noAutofit/>
-          </a:bodyPr>
-          <a:lstStyle/>
-          <a:p>
-            <a:pPr marL="0" lvl="0" indent="0" algn="l" rtl="0">
-              <a:spcBef>
-                <a:spcPts val="0"/>
-              </a:spcBef>
-              <a:spcAft>
-                <a:spcPts val="0"/>
-              </a:spcAft>
-              <a:buNone/>
-            </a:pPr>
-            <a:endParaRPr dirty="0"/>
-          </a:p>
-        </p:txBody>
-      </p:sp>
-      <p:grpSp>
-        <p:nvGrpSpPr>
-          <p:cNvPr id="9" name="Google Shape;465;p37">
-            <a:extLst>
-              <a:ext uri="{FF2B5EF4-FFF2-40B4-BE49-F238E27FC236}">
-                <a16:creationId xmlns:a16="http://schemas.microsoft.com/office/drawing/2014/main" id="{2E127B99-7DA5-E547-82F6-9AF8D84B0080}"/>
-              </a:ext>
-            </a:extLst>
-          </p:cNvPr>
-          <p:cNvGrpSpPr/>
-          <p:nvPr/>
-        </p:nvGrpSpPr>
-        <p:grpSpPr>
-          <a:xfrm>
-            <a:off x="4214190" y="1220088"/>
-            <a:ext cx="715620" cy="677862"/>
-            <a:chOff x="2583100" y="2973775"/>
-            <a:chExt cx="461550" cy="437200"/>
-          </a:xfrm>
-        </p:grpSpPr>
-        <p:sp>
-          <p:nvSpPr>
-            <p:cNvPr id="10" name="Google Shape;466;p37">
-              <a:extLst>
-                <a:ext uri="{FF2B5EF4-FFF2-40B4-BE49-F238E27FC236}">
-                  <a16:creationId xmlns:a16="http://schemas.microsoft.com/office/drawing/2014/main" id="{C9B1C61B-C08A-7447-89C8-E97B6F036D0F}"/>
-                </a:ext>
-              </a:extLst>
-            </p:cNvPr>
-            <p:cNvSpPr/>
-            <p:nvPr/>
-          </p:nvSpPr>
-          <p:spPr>
-            <a:xfrm>
-              <a:off x="2701225" y="3315975"/>
-              <a:ext cx="225300" cy="95000"/>
-            </a:xfrm>
-            <a:custGeom>
-              <a:avLst/>
-              <a:gdLst/>
-              <a:ahLst/>
-              <a:cxnLst/>
-              <a:rect l="l" t="t" r="r" b="b"/>
-              <a:pathLst>
-                <a:path w="9012" h="3800" fill="none" extrusionOk="0">
-                  <a:moveTo>
-                    <a:pt x="2947" y="0"/>
-                  </a:moveTo>
-                  <a:lnTo>
-                    <a:pt x="2947" y="2947"/>
-                  </a:lnTo>
-                  <a:lnTo>
-                    <a:pt x="853" y="2947"/>
-                  </a:lnTo>
-                  <a:lnTo>
-                    <a:pt x="853" y="2947"/>
-                  </a:lnTo>
-                  <a:lnTo>
-                    <a:pt x="682" y="2947"/>
-                  </a:lnTo>
-                  <a:lnTo>
-                    <a:pt x="512" y="2996"/>
-                  </a:lnTo>
-                  <a:lnTo>
-                    <a:pt x="365" y="3093"/>
-                  </a:lnTo>
-                  <a:lnTo>
-                    <a:pt x="244" y="3191"/>
-                  </a:lnTo>
-                  <a:lnTo>
-                    <a:pt x="146" y="3313"/>
-                  </a:lnTo>
-                  <a:lnTo>
-                    <a:pt x="49" y="3459"/>
-                  </a:lnTo>
-                  <a:lnTo>
-                    <a:pt x="0" y="3629"/>
-                  </a:lnTo>
-                  <a:lnTo>
-                    <a:pt x="0" y="3800"/>
-                  </a:lnTo>
-                  <a:lnTo>
-                    <a:pt x="9011" y="3800"/>
-                  </a:lnTo>
-                  <a:lnTo>
-                    <a:pt x="9011" y="3800"/>
-                  </a:lnTo>
-                  <a:lnTo>
-                    <a:pt x="9011" y="3629"/>
-                  </a:lnTo>
-                  <a:lnTo>
-                    <a:pt x="8963" y="3459"/>
-                  </a:lnTo>
-                  <a:lnTo>
-                    <a:pt x="8865" y="3313"/>
-                  </a:lnTo>
-                  <a:lnTo>
-                    <a:pt x="8768" y="3191"/>
-                  </a:lnTo>
-                  <a:lnTo>
-                    <a:pt x="8646" y="3093"/>
-                  </a:lnTo>
-                  <a:lnTo>
-                    <a:pt x="8500" y="2996"/>
-                  </a:lnTo>
-                  <a:lnTo>
-                    <a:pt x="8330" y="2947"/>
-                  </a:lnTo>
-                  <a:lnTo>
-                    <a:pt x="8159" y="2947"/>
-                  </a:lnTo>
-                  <a:lnTo>
-                    <a:pt x="6065" y="2947"/>
-                  </a:lnTo>
-                  <a:lnTo>
-                    <a:pt x="6065" y="0"/>
-                  </a:lnTo>
-                </a:path>
-              </a:pathLst>
-            </a:custGeom>
-            <a:noFill/>
-            <a:ln w="12175" cap="rnd" cmpd="sng">
-              <a:solidFill>
-                <a:schemeClr val="accent1"/>
-              </a:solidFill>
-              <a:prstDash val="solid"/>
-              <a:round/>
-              <a:headEnd type="none" w="sm" len="sm"/>
-              <a:tailEnd type="none" w="sm" len="sm"/>
-            </a:ln>
-          </p:spPr>
-          <p:txBody>
-            <a:bodyPr spcFirstLastPara="1" wrap="square" lIns="91425" tIns="91425" rIns="91425" bIns="91425" anchor="ctr" anchorCtr="0">
-              <a:noAutofit/>
-            </a:bodyPr>
-            <a:lstStyle/>
-            <a:p>
-              <a:pPr marL="0" lvl="0" indent="0" algn="l" rtl="0">
-                <a:spcBef>
-                  <a:spcPts val="0"/>
-                </a:spcBef>
-                <a:spcAft>
-                  <a:spcPts val="0"/>
-                </a:spcAft>
-                <a:buNone/>
-              </a:pPr>
-              <a:endParaRPr/>
-            </a:p>
-          </p:txBody>
-        </p:sp>
-        <p:sp>
-          <p:nvSpPr>
-            <p:cNvPr id="11" name="Google Shape;467;p37">
-              <a:extLst>
-                <a:ext uri="{FF2B5EF4-FFF2-40B4-BE49-F238E27FC236}">
-                  <a16:creationId xmlns:a16="http://schemas.microsoft.com/office/drawing/2014/main" id="{BE51549D-1888-2E4B-995F-1ECDAB7C7399}"/>
-                </a:ext>
-              </a:extLst>
-            </p:cNvPr>
-            <p:cNvSpPr/>
-            <p:nvPr/>
-          </p:nvSpPr>
-          <p:spPr>
-            <a:xfrm>
-              <a:off x="2583100" y="2973775"/>
-              <a:ext cx="461550" cy="336125"/>
-            </a:xfrm>
-            <a:custGeom>
-              <a:avLst/>
-              <a:gdLst/>
-              <a:ahLst/>
-              <a:cxnLst/>
-              <a:rect l="l" t="t" r="r" b="b"/>
-              <a:pathLst>
-                <a:path w="18462" h="13445" fill="none" extrusionOk="0">
-                  <a:moveTo>
-                    <a:pt x="17974" y="1"/>
-                  </a:moveTo>
-                  <a:lnTo>
-                    <a:pt x="487" y="1"/>
-                  </a:lnTo>
-                  <a:lnTo>
-                    <a:pt x="487" y="1"/>
-                  </a:lnTo>
-                  <a:lnTo>
-                    <a:pt x="390" y="1"/>
-                  </a:lnTo>
-                  <a:lnTo>
-                    <a:pt x="317" y="50"/>
-                  </a:lnTo>
-                  <a:lnTo>
-                    <a:pt x="220" y="74"/>
-                  </a:lnTo>
-                  <a:lnTo>
-                    <a:pt x="146" y="147"/>
-                  </a:lnTo>
-                  <a:lnTo>
-                    <a:pt x="98" y="220"/>
-                  </a:lnTo>
-                  <a:lnTo>
-                    <a:pt x="49" y="293"/>
-                  </a:lnTo>
-                  <a:lnTo>
-                    <a:pt x="25" y="390"/>
-                  </a:lnTo>
-                  <a:lnTo>
-                    <a:pt x="0" y="488"/>
-                  </a:lnTo>
-                  <a:lnTo>
-                    <a:pt x="0" y="12958"/>
-                  </a:lnTo>
-                  <a:lnTo>
-                    <a:pt x="0" y="12958"/>
-                  </a:lnTo>
-                  <a:lnTo>
-                    <a:pt x="25" y="13055"/>
-                  </a:lnTo>
-                  <a:lnTo>
-                    <a:pt x="49" y="13152"/>
-                  </a:lnTo>
-                  <a:lnTo>
-                    <a:pt x="98" y="13226"/>
-                  </a:lnTo>
-                  <a:lnTo>
-                    <a:pt x="146" y="13299"/>
-                  </a:lnTo>
-                  <a:lnTo>
-                    <a:pt x="220" y="13372"/>
-                  </a:lnTo>
-                  <a:lnTo>
-                    <a:pt x="317" y="13396"/>
-                  </a:lnTo>
-                  <a:lnTo>
-                    <a:pt x="390" y="13445"/>
-                  </a:lnTo>
-                  <a:lnTo>
-                    <a:pt x="487" y="13445"/>
-                  </a:lnTo>
-                  <a:lnTo>
-                    <a:pt x="17974" y="13445"/>
-                  </a:lnTo>
-                  <a:lnTo>
-                    <a:pt x="17974" y="13445"/>
-                  </a:lnTo>
-                  <a:lnTo>
-                    <a:pt x="18072" y="13445"/>
-                  </a:lnTo>
-                  <a:lnTo>
-                    <a:pt x="18145" y="13396"/>
-                  </a:lnTo>
-                  <a:lnTo>
-                    <a:pt x="18242" y="13372"/>
-                  </a:lnTo>
-                  <a:lnTo>
-                    <a:pt x="18315" y="13299"/>
-                  </a:lnTo>
-                  <a:lnTo>
-                    <a:pt x="18364" y="13226"/>
-                  </a:lnTo>
-                  <a:lnTo>
-                    <a:pt x="18413" y="13152"/>
-                  </a:lnTo>
-                  <a:lnTo>
-                    <a:pt x="18437" y="13055"/>
-                  </a:lnTo>
-                  <a:lnTo>
-                    <a:pt x="18461" y="12958"/>
-                  </a:lnTo>
-                  <a:lnTo>
-                    <a:pt x="18461" y="488"/>
-                  </a:lnTo>
-                  <a:lnTo>
-                    <a:pt x="18461" y="488"/>
-                  </a:lnTo>
-                  <a:lnTo>
-                    <a:pt x="18437" y="390"/>
-                  </a:lnTo>
-                  <a:lnTo>
-                    <a:pt x="18413" y="293"/>
-                  </a:lnTo>
-                  <a:lnTo>
-                    <a:pt x="18364" y="220"/>
-                  </a:lnTo>
-                  <a:lnTo>
-                    <a:pt x="18315" y="147"/>
-                  </a:lnTo>
-                  <a:lnTo>
-                    <a:pt x="18242" y="74"/>
-                  </a:lnTo>
-                  <a:lnTo>
-                    <a:pt x="18145" y="50"/>
-                  </a:lnTo>
-                  <a:lnTo>
-                    <a:pt x="18072" y="1"/>
-                  </a:lnTo>
-                  <a:lnTo>
-                    <a:pt x="17974" y="1"/>
-                  </a:lnTo>
-                  <a:lnTo>
-                    <a:pt x="17974" y="1"/>
-                  </a:lnTo>
-                  <a:close/>
-                  <a:moveTo>
-                    <a:pt x="17000" y="11983"/>
-                  </a:moveTo>
-                  <a:lnTo>
-                    <a:pt x="1462" y="11983"/>
-                  </a:lnTo>
-                  <a:lnTo>
-                    <a:pt x="1462" y="1462"/>
-                  </a:lnTo>
-                  <a:lnTo>
-                    <a:pt x="17000" y="1462"/>
-                  </a:lnTo>
-                  <a:lnTo>
-                    <a:pt x="17000" y="11983"/>
-                  </a:lnTo>
-                  <a:close/>
-                </a:path>
-              </a:pathLst>
-            </a:custGeom>
-            <a:noFill/>
-            <a:ln w="12175" cap="rnd" cmpd="sng">
-              <a:solidFill>
-                <a:schemeClr val="accent1"/>
-              </a:solidFill>
-              <a:prstDash val="solid"/>
-              <a:round/>
-              <a:headEnd type="none" w="sm" len="sm"/>
-              <a:tailEnd type="none" w="sm" len="sm"/>
-            </a:ln>
-          </p:spPr>
-          <p:txBody>
-            <a:bodyPr spcFirstLastPara="1" wrap="square" lIns="91425" tIns="91425" rIns="91425" bIns="91425" anchor="ctr" anchorCtr="0">
-              <a:noAutofit/>
-            </a:bodyPr>
-            <a:lstStyle/>
-            <a:p>
-              <a:pPr marL="0" lvl="0" indent="0" algn="l" rtl="0">
-                <a:spcBef>
-                  <a:spcPts val="0"/>
-                </a:spcBef>
-                <a:spcAft>
-                  <a:spcPts val="0"/>
-                </a:spcAft>
-                <a:buNone/>
-              </a:pPr>
-              <a:endParaRPr/>
-            </a:p>
-          </p:txBody>
-        </p:sp>
-      </p:grpSp>
-      <p:pic>
-        <p:nvPicPr>
-          <p:cNvPr id="2" name="Picture 1">
-            <a:extLst>
-              <a:ext uri="{FF2B5EF4-FFF2-40B4-BE49-F238E27FC236}">
-                <a16:creationId xmlns:a16="http://schemas.microsoft.com/office/drawing/2014/main" id="{F48A06ED-828D-2D43-B95C-137BEB1A5C55}"/>
-              </a:ext>
-            </a:extLst>
-          </p:cNvPr>
-          <p:cNvPicPr>
-            <a:picLocks noChangeAspect="1"/>
-          </p:cNvPicPr>
-          <p:nvPr/>
-        </p:nvPicPr>
-        <p:blipFill>
-          <a:blip r:embed="rId3"/>
-          <a:stretch>
-            <a:fillRect/>
-          </a:stretch>
-        </p:blipFill>
-        <p:spPr>
-          <a:xfrm>
-            <a:off x="4144540" y="3543449"/>
-            <a:ext cx="854917" cy="759926"/>
-          </a:xfrm>
-          <a:prstGeom prst="rect">
-            <a:avLst/>
-          </a:prstGeom>
-        </p:spPr>
-      </p:pic>
-    </p:spTree>
-    <p:extLst>
-      <p:ext uri="{BB962C8B-B14F-4D97-AF65-F5344CB8AC3E}">
-        <p14:creationId xmlns:p14="http://schemas.microsoft.com/office/powerpoint/2010/main" val="3728994075"/>
-      </p:ext>
-    </p:extLst>
-  </p:cSld>
-  <p:clrMapOvr>
-    <a:masterClrMapping/>
-  </p:clrMapOvr>
-</p:sld>
-</file>
-
-<file path=ppt/slides/slide4.xml><?xml version="1.0" encoding="utf-8"?>
-<p:sld xmlns:a="http://schemas.openxmlformats.org/drawingml/2006/main" xmlns:r="http://schemas.openxmlformats.org/officeDocument/2006/relationships" xmlns:p="http://schemas.openxmlformats.org/presentationml/2006/main">
-  <p:cSld>
-    <p:spTree>
-      <p:nvGrpSpPr>
-        <p:cNvPr id="1" name="Shape 93"/>
-        <p:cNvGrpSpPr/>
-        <p:nvPr/>
-      </p:nvGrpSpPr>
-      <p:grpSpPr>
-        <a:xfrm>
-          <a:off x="0" y="0"/>
-          <a:ext cx="0" cy="0"/>
-          <a:chOff x="0" y="0"/>
-          <a:chExt cx="0" cy="0"/>
-        </a:xfrm>
-      </p:grpSpPr>
-      <p:sp>
-        <p:nvSpPr>
-          <p:cNvPr id="94" name="Google Shape;94;p18"/>
-          <p:cNvSpPr txBox="1">
-            <a:spLocks noGrp="1"/>
-          </p:cNvSpPr>
-          <p:nvPr>
-            <p:ph type="ctrTitle" idx="4294967295"/>
-          </p:nvPr>
-        </p:nvSpPr>
-        <p:spPr>
-          <a:xfrm>
-            <a:off x="1620900" y="2199075"/>
-            <a:ext cx="5902200" cy="1159800"/>
-          </a:xfrm>
-          <a:prstGeom prst="rect">
-            <a:avLst/>
-          </a:prstGeom>
-        </p:spPr>
-        <p:txBody>
-          <a:bodyPr spcFirstLastPara="1" wrap="square" lIns="91425" tIns="91425" rIns="91425" bIns="91425" anchor="ctr" anchorCtr="0">
-            <a:noAutofit/>
-          </a:bodyPr>
-          <a:lstStyle/>
-          <a:p>
-            <a:pPr marL="0" lvl="0" indent="0" algn="ctr" rtl="0">
-              <a:spcBef>
-                <a:spcPts val="0"/>
-              </a:spcBef>
-              <a:spcAft>
-                <a:spcPts val="0"/>
-              </a:spcAft>
-              <a:buNone/>
-            </a:pPr>
-            <a:r>
-              <a:rPr lang="en" sz="6000" i="1" dirty="0">
-                <a:solidFill>
-                  <a:srgbClr val="FFFFFF"/>
-                </a:solidFill>
-              </a:rPr>
-              <a:t>Zoom</a:t>
-            </a:r>
-            <a:endParaRPr sz="6000" i="1" dirty="0">
-              <a:solidFill>
-                <a:srgbClr val="FFFFFF"/>
-              </a:solidFill>
-            </a:endParaRPr>
-          </a:p>
-        </p:txBody>
-      </p:sp>
-      <p:sp>
-        <p:nvSpPr>
-          <p:cNvPr id="95" name="Google Shape;95;p18"/>
-          <p:cNvSpPr txBox="1">
-            <a:spLocks noGrp="1"/>
-          </p:cNvSpPr>
-          <p:nvPr>
-            <p:ph type="subTitle" idx="4294967295"/>
-          </p:nvPr>
-        </p:nvSpPr>
-        <p:spPr>
-          <a:xfrm>
-            <a:off x="1620900" y="3284339"/>
-            <a:ext cx="5902200" cy="1279709"/>
-          </a:xfrm>
-          <a:prstGeom prst="rect">
-            <a:avLst/>
-          </a:prstGeom>
-        </p:spPr>
-        <p:txBody>
-          <a:bodyPr spcFirstLastPara="1" wrap="square" lIns="91425" tIns="91425" rIns="91425" bIns="91425" anchor="t" anchorCtr="0">
-            <a:noAutofit/>
-          </a:bodyPr>
-          <a:lstStyle/>
-          <a:p>
-            <a:pPr marL="0" lvl="0" indent="0" algn="ctr">
-              <a:buNone/>
-            </a:pPr>
-            <a:r>
-              <a:rPr lang="en-US" dirty="0">
-                <a:solidFill>
-                  <a:srgbClr val="FFFFFF"/>
-                </a:solidFill>
-              </a:rPr>
-              <a:t>Camera On = I am present</a:t>
-            </a:r>
-          </a:p>
-          <a:p>
-            <a:pPr marL="0" lvl="0" indent="0" algn="ctr">
-              <a:buNone/>
-            </a:pPr>
-            <a:r>
-              <a:rPr lang="en-US" dirty="0">
-                <a:solidFill>
-                  <a:srgbClr val="FFFFFF"/>
-                </a:solidFill>
-              </a:rPr>
-              <a:t>Camera Off = I’ve stepped out of the room</a:t>
-            </a:r>
-            <a:endParaRPr dirty="0">
-              <a:solidFill>
-                <a:srgbClr val="FFFFFF"/>
-              </a:solidFill>
-            </a:endParaRPr>
-          </a:p>
-        </p:txBody>
-      </p:sp>
-      <p:sp>
-        <p:nvSpPr>
-          <p:cNvPr id="96" name="Google Shape;96;p18"/>
-          <p:cNvSpPr/>
-          <p:nvPr/>
-        </p:nvSpPr>
-        <p:spPr>
-          <a:xfrm>
-            <a:off x="3935896" y="922408"/>
-            <a:ext cx="1272208" cy="1273222"/>
-          </a:xfrm>
-          <a:prstGeom prst="ellipse">
-            <a:avLst/>
-          </a:prstGeom>
-          <a:solidFill>
-            <a:srgbClr val="FFFFFF"/>
-          </a:solidFill>
-          <a:ln>
-            <a:noFill/>
-          </a:ln>
-        </p:spPr>
-        <p:txBody>
-          <a:bodyPr spcFirstLastPara="1" wrap="square" lIns="91425" tIns="91425" rIns="91425" bIns="91425" anchor="ctr" anchorCtr="0">
-            <a:noAutofit/>
-          </a:bodyPr>
-          <a:lstStyle/>
-          <a:p>
-            <a:pPr marL="0" lvl="0" indent="0" algn="l" rtl="0">
-              <a:spcBef>
-                <a:spcPts val="0"/>
-              </a:spcBef>
-              <a:spcAft>
-                <a:spcPts val="0"/>
-              </a:spcAft>
-              <a:buNone/>
-            </a:pPr>
-            <a:endParaRPr dirty="0"/>
-          </a:p>
-        </p:txBody>
-      </p:sp>
-      <p:grpSp>
-        <p:nvGrpSpPr>
-          <p:cNvPr id="6" name="Google Shape;323;p37">
-            <a:extLst>
-              <a:ext uri="{FF2B5EF4-FFF2-40B4-BE49-F238E27FC236}">
-                <a16:creationId xmlns:a16="http://schemas.microsoft.com/office/drawing/2014/main" id="{AB52346E-6C89-A347-8385-9AB802D1AFBD}"/>
-              </a:ext>
-            </a:extLst>
-          </p:cNvPr>
-          <p:cNvGrpSpPr/>
-          <p:nvPr/>
-        </p:nvGrpSpPr>
-        <p:grpSpPr>
-          <a:xfrm>
-            <a:off x="4225813" y="1264255"/>
-            <a:ext cx="692374" cy="576326"/>
-            <a:chOff x="1247825" y="322750"/>
-            <a:chExt cx="443300" cy="369000"/>
-          </a:xfrm>
-        </p:grpSpPr>
-        <p:sp>
-          <p:nvSpPr>
-            <p:cNvPr id="7" name="Google Shape;324;p37">
-              <a:extLst>
-                <a:ext uri="{FF2B5EF4-FFF2-40B4-BE49-F238E27FC236}">
-                  <a16:creationId xmlns:a16="http://schemas.microsoft.com/office/drawing/2014/main" id="{6CC951C5-67AB-1941-9ABA-047D03699FB8}"/>
-                </a:ext>
-              </a:extLst>
-            </p:cNvPr>
-            <p:cNvSpPr/>
-            <p:nvPr/>
-          </p:nvSpPr>
-          <p:spPr>
-            <a:xfrm>
-              <a:off x="1247825" y="322750"/>
-              <a:ext cx="443300" cy="369000"/>
-            </a:xfrm>
-            <a:custGeom>
-              <a:avLst/>
-              <a:gdLst/>
-              <a:ahLst/>
-              <a:cxnLst/>
-              <a:rect l="l" t="t" r="r" b="b"/>
-              <a:pathLst>
-                <a:path w="17732" h="14760" fill="none" extrusionOk="0">
-                  <a:moveTo>
-                    <a:pt x="16952" y="2558"/>
-                  </a:moveTo>
-                  <a:lnTo>
-                    <a:pt x="13664" y="2558"/>
-                  </a:lnTo>
-                  <a:lnTo>
-                    <a:pt x="13226" y="755"/>
-                  </a:lnTo>
-                  <a:lnTo>
-                    <a:pt x="13226" y="755"/>
-                  </a:lnTo>
-                  <a:lnTo>
-                    <a:pt x="13177" y="609"/>
-                  </a:lnTo>
-                  <a:lnTo>
-                    <a:pt x="13104" y="463"/>
-                  </a:lnTo>
-                  <a:lnTo>
-                    <a:pt x="13006" y="317"/>
-                  </a:lnTo>
-                  <a:lnTo>
-                    <a:pt x="12885" y="220"/>
-                  </a:lnTo>
-                  <a:lnTo>
-                    <a:pt x="12739" y="122"/>
-                  </a:lnTo>
-                  <a:lnTo>
-                    <a:pt x="12592" y="49"/>
-                  </a:lnTo>
-                  <a:lnTo>
-                    <a:pt x="12446" y="0"/>
-                  </a:lnTo>
-                  <a:lnTo>
-                    <a:pt x="12276" y="0"/>
-                  </a:lnTo>
-                  <a:lnTo>
-                    <a:pt x="5456" y="0"/>
-                  </a:lnTo>
-                  <a:lnTo>
-                    <a:pt x="5456" y="0"/>
-                  </a:lnTo>
-                  <a:lnTo>
-                    <a:pt x="5286" y="0"/>
-                  </a:lnTo>
-                  <a:lnTo>
-                    <a:pt x="5140" y="49"/>
-                  </a:lnTo>
-                  <a:lnTo>
-                    <a:pt x="4994" y="122"/>
-                  </a:lnTo>
-                  <a:lnTo>
-                    <a:pt x="4848" y="220"/>
-                  </a:lnTo>
-                  <a:lnTo>
-                    <a:pt x="4726" y="317"/>
-                  </a:lnTo>
-                  <a:lnTo>
-                    <a:pt x="4628" y="463"/>
-                  </a:lnTo>
-                  <a:lnTo>
-                    <a:pt x="4555" y="609"/>
-                  </a:lnTo>
-                  <a:lnTo>
-                    <a:pt x="4507" y="755"/>
-                  </a:lnTo>
-                  <a:lnTo>
-                    <a:pt x="4068" y="2558"/>
-                  </a:lnTo>
-                  <a:lnTo>
-                    <a:pt x="3240" y="2558"/>
-                  </a:lnTo>
-                  <a:lnTo>
-                    <a:pt x="3240" y="2558"/>
-                  </a:lnTo>
-                  <a:lnTo>
-                    <a:pt x="3240" y="2558"/>
-                  </a:lnTo>
-                  <a:lnTo>
-                    <a:pt x="3240" y="2460"/>
-                  </a:lnTo>
-                  <a:lnTo>
-                    <a:pt x="3216" y="2363"/>
-                  </a:lnTo>
-                  <a:lnTo>
-                    <a:pt x="3167" y="2290"/>
-                  </a:lnTo>
-                  <a:lnTo>
-                    <a:pt x="3094" y="2217"/>
-                  </a:lnTo>
-                  <a:lnTo>
-                    <a:pt x="3045" y="2144"/>
-                  </a:lnTo>
-                  <a:lnTo>
-                    <a:pt x="2948" y="2119"/>
-                  </a:lnTo>
-                  <a:lnTo>
-                    <a:pt x="2850" y="2071"/>
-                  </a:lnTo>
-                  <a:lnTo>
-                    <a:pt x="2753" y="2071"/>
-                  </a:lnTo>
-                  <a:lnTo>
-                    <a:pt x="2047" y="2071"/>
-                  </a:lnTo>
-                  <a:lnTo>
-                    <a:pt x="2047" y="2071"/>
-                  </a:lnTo>
-                  <a:lnTo>
-                    <a:pt x="1949" y="2071"/>
-                  </a:lnTo>
-                  <a:lnTo>
-                    <a:pt x="1852" y="2119"/>
-                  </a:lnTo>
-                  <a:lnTo>
-                    <a:pt x="1779" y="2144"/>
-                  </a:lnTo>
-                  <a:lnTo>
-                    <a:pt x="1706" y="2217"/>
-                  </a:lnTo>
-                  <a:lnTo>
-                    <a:pt x="1633" y="2290"/>
-                  </a:lnTo>
-                  <a:lnTo>
-                    <a:pt x="1608" y="2363"/>
-                  </a:lnTo>
-                  <a:lnTo>
-                    <a:pt x="1560" y="2460"/>
-                  </a:lnTo>
-                  <a:lnTo>
-                    <a:pt x="1560" y="2558"/>
-                  </a:lnTo>
-                  <a:lnTo>
-                    <a:pt x="1560" y="2558"/>
-                  </a:lnTo>
-                  <a:lnTo>
-                    <a:pt x="780" y="2558"/>
-                  </a:lnTo>
-                  <a:lnTo>
-                    <a:pt x="780" y="2558"/>
-                  </a:lnTo>
-                  <a:lnTo>
-                    <a:pt x="634" y="2582"/>
-                  </a:lnTo>
-                  <a:lnTo>
-                    <a:pt x="488" y="2631"/>
-                  </a:lnTo>
-                  <a:lnTo>
-                    <a:pt x="342" y="2679"/>
-                  </a:lnTo>
-                  <a:lnTo>
-                    <a:pt x="220" y="2777"/>
-                  </a:lnTo>
-                  <a:lnTo>
-                    <a:pt x="123" y="2899"/>
-                  </a:lnTo>
-                  <a:lnTo>
-                    <a:pt x="74" y="3045"/>
-                  </a:lnTo>
-                  <a:lnTo>
-                    <a:pt x="25" y="3191"/>
-                  </a:lnTo>
-                  <a:lnTo>
-                    <a:pt x="1" y="3337"/>
-                  </a:lnTo>
-                  <a:lnTo>
-                    <a:pt x="1" y="13980"/>
-                  </a:lnTo>
-                  <a:lnTo>
-                    <a:pt x="1" y="13980"/>
-                  </a:lnTo>
-                  <a:lnTo>
-                    <a:pt x="25" y="14151"/>
-                  </a:lnTo>
-                  <a:lnTo>
-                    <a:pt x="74" y="14297"/>
-                  </a:lnTo>
-                  <a:lnTo>
-                    <a:pt x="123" y="14418"/>
-                  </a:lnTo>
-                  <a:lnTo>
-                    <a:pt x="220" y="14540"/>
-                  </a:lnTo>
-                  <a:lnTo>
-                    <a:pt x="342" y="14638"/>
-                  </a:lnTo>
-                  <a:lnTo>
-                    <a:pt x="488" y="14711"/>
-                  </a:lnTo>
-                  <a:lnTo>
-                    <a:pt x="634" y="14759"/>
-                  </a:lnTo>
-                  <a:lnTo>
-                    <a:pt x="780" y="14759"/>
-                  </a:lnTo>
-                  <a:lnTo>
-                    <a:pt x="16952" y="14759"/>
-                  </a:lnTo>
-                  <a:lnTo>
-                    <a:pt x="16952" y="14759"/>
-                  </a:lnTo>
-                  <a:lnTo>
-                    <a:pt x="17098" y="14759"/>
-                  </a:lnTo>
-                  <a:lnTo>
-                    <a:pt x="17244" y="14711"/>
-                  </a:lnTo>
-                  <a:lnTo>
-                    <a:pt x="17390" y="14638"/>
-                  </a:lnTo>
-                  <a:lnTo>
-                    <a:pt x="17512" y="14540"/>
-                  </a:lnTo>
-                  <a:lnTo>
-                    <a:pt x="17610" y="14418"/>
-                  </a:lnTo>
-                  <a:lnTo>
-                    <a:pt x="17658" y="14297"/>
-                  </a:lnTo>
-                  <a:lnTo>
-                    <a:pt x="17707" y="14151"/>
-                  </a:lnTo>
-                  <a:lnTo>
-                    <a:pt x="17731" y="13980"/>
-                  </a:lnTo>
-                  <a:lnTo>
-                    <a:pt x="17731" y="3337"/>
-                  </a:lnTo>
-                  <a:lnTo>
-                    <a:pt x="17731" y="3337"/>
-                  </a:lnTo>
-                  <a:lnTo>
-                    <a:pt x="17707" y="3191"/>
-                  </a:lnTo>
-                  <a:lnTo>
-                    <a:pt x="17658" y="3045"/>
-                  </a:lnTo>
-                  <a:lnTo>
-                    <a:pt x="17610" y="2899"/>
-                  </a:lnTo>
-                  <a:lnTo>
-                    <a:pt x="17512" y="2777"/>
-                  </a:lnTo>
-                  <a:lnTo>
-                    <a:pt x="17390" y="2679"/>
-                  </a:lnTo>
-                  <a:lnTo>
-                    <a:pt x="17244" y="2631"/>
-                  </a:lnTo>
-                  <a:lnTo>
-                    <a:pt x="17098" y="2582"/>
-                  </a:lnTo>
-                  <a:lnTo>
-                    <a:pt x="16952" y="2558"/>
-                  </a:lnTo>
-                  <a:lnTo>
-                    <a:pt x="16952" y="2558"/>
-                  </a:lnTo>
-                  <a:close/>
-                </a:path>
-              </a:pathLst>
-            </a:custGeom>
-            <a:noFill/>
-            <a:ln w="12175" cap="rnd" cmpd="sng">
-              <a:solidFill>
-                <a:schemeClr val="accent1"/>
-              </a:solidFill>
-              <a:prstDash val="solid"/>
-              <a:round/>
-              <a:headEnd type="none" w="sm" len="sm"/>
-              <a:tailEnd type="none" w="sm" len="sm"/>
-            </a:ln>
-          </p:spPr>
-          <p:txBody>
-            <a:bodyPr spcFirstLastPara="1" wrap="square" lIns="91425" tIns="91425" rIns="91425" bIns="91425" anchor="ctr" anchorCtr="0">
-              <a:noAutofit/>
-            </a:bodyPr>
-            <a:lstStyle/>
-            <a:p>
-              <a:pPr marL="0" lvl="0" indent="0" algn="l" rtl="0">
-                <a:spcBef>
-                  <a:spcPts val="0"/>
-                </a:spcBef>
-                <a:spcAft>
-                  <a:spcPts val="0"/>
-                </a:spcAft>
-                <a:buNone/>
-              </a:pPr>
-              <a:endParaRPr/>
-            </a:p>
-          </p:txBody>
-        </p:sp>
-        <p:sp>
-          <p:nvSpPr>
-            <p:cNvPr id="8" name="Google Shape;325;p37">
-              <a:extLst>
-                <a:ext uri="{FF2B5EF4-FFF2-40B4-BE49-F238E27FC236}">
-                  <a16:creationId xmlns:a16="http://schemas.microsoft.com/office/drawing/2014/main" id="{CE37D17B-9E3E-134F-99D2-CE9E3C82DC10}"/>
-                </a:ext>
-              </a:extLst>
-            </p:cNvPr>
-            <p:cNvSpPr/>
-            <p:nvPr/>
-          </p:nvSpPr>
-          <p:spPr>
-            <a:xfrm>
-              <a:off x="1398225" y="386675"/>
-              <a:ext cx="142500" cy="25"/>
-            </a:xfrm>
-            <a:custGeom>
-              <a:avLst/>
-              <a:gdLst/>
-              <a:ahLst/>
-              <a:cxnLst/>
-              <a:rect l="l" t="t" r="r" b="b"/>
-              <a:pathLst>
-                <a:path w="5700" h="1" fill="none" extrusionOk="0">
-                  <a:moveTo>
-                    <a:pt x="5700" y="1"/>
-                  </a:moveTo>
-                  <a:lnTo>
-                    <a:pt x="1" y="1"/>
-                  </a:lnTo>
-                </a:path>
-              </a:pathLst>
-            </a:custGeom>
-            <a:noFill/>
-            <a:ln w="12175" cap="rnd" cmpd="sng">
-              <a:solidFill>
-                <a:schemeClr val="accent1"/>
-              </a:solidFill>
-              <a:prstDash val="solid"/>
-              <a:round/>
-              <a:headEnd type="none" w="sm" len="sm"/>
-              <a:tailEnd type="none" w="sm" len="sm"/>
-            </a:ln>
-          </p:spPr>
-          <p:txBody>
-            <a:bodyPr spcFirstLastPara="1" wrap="square" lIns="91425" tIns="91425" rIns="91425" bIns="91425" anchor="ctr" anchorCtr="0">
-              <a:noAutofit/>
-            </a:bodyPr>
-            <a:lstStyle/>
-            <a:p>
-              <a:pPr marL="0" lvl="0" indent="0" algn="l" rtl="0">
-                <a:spcBef>
-                  <a:spcPts val="0"/>
-                </a:spcBef>
-                <a:spcAft>
-                  <a:spcPts val="0"/>
-                </a:spcAft>
-                <a:buNone/>
-              </a:pPr>
-              <a:endParaRPr/>
-            </a:p>
-          </p:txBody>
-        </p:sp>
-        <p:sp>
-          <p:nvSpPr>
-            <p:cNvPr id="9" name="Google Shape;326;p37">
-              <a:extLst>
-                <a:ext uri="{FF2B5EF4-FFF2-40B4-BE49-F238E27FC236}">
-                  <a16:creationId xmlns:a16="http://schemas.microsoft.com/office/drawing/2014/main" id="{AA69E026-7882-9142-AFCC-86DA46ADCB85}"/>
-                </a:ext>
-              </a:extLst>
-            </p:cNvPr>
-            <p:cNvSpPr/>
-            <p:nvPr/>
-          </p:nvSpPr>
-          <p:spPr>
-            <a:xfrm>
-              <a:off x="1370225" y="450000"/>
-              <a:ext cx="198500" cy="197900"/>
-            </a:xfrm>
-            <a:custGeom>
-              <a:avLst/>
-              <a:gdLst/>
-              <a:ahLst/>
-              <a:cxnLst/>
-              <a:rect l="l" t="t" r="r" b="b"/>
-              <a:pathLst>
-                <a:path w="7940" h="7916" fill="none" extrusionOk="0">
-                  <a:moveTo>
-                    <a:pt x="3970" y="7916"/>
-                  </a:moveTo>
-                  <a:lnTo>
-                    <a:pt x="3970" y="7916"/>
-                  </a:lnTo>
-                  <a:lnTo>
-                    <a:pt x="3556" y="7892"/>
-                  </a:lnTo>
-                  <a:lnTo>
-                    <a:pt x="3166" y="7843"/>
-                  </a:lnTo>
-                  <a:lnTo>
-                    <a:pt x="2801" y="7745"/>
-                  </a:lnTo>
-                  <a:lnTo>
-                    <a:pt x="2436" y="7624"/>
-                  </a:lnTo>
-                  <a:lnTo>
-                    <a:pt x="2070" y="7453"/>
-                  </a:lnTo>
-                  <a:lnTo>
-                    <a:pt x="1754" y="7258"/>
-                  </a:lnTo>
-                  <a:lnTo>
-                    <a:pt x="1462" y="7015"/>
-                  </a:lnTo>
-                  <a:lnTo>
-                    <a:pt x="1169" y="6771"/>
-                  </a:lnTo>
-                  <a:lnTo>
-                    <a:pt x="901" y="6479"/>
-                  </a:lnTo>
-                  <a:lnTo>
-                    <a:pt x="682" y="6187"/>
-                  </a:lnTo>
-                  <a:lnTo>
-                    <a:pt x="487" y="5846"/>
-                  </a:lnTo>
-                  <a:lnTo>
-                    <a:pt x="317" y="5505"/>
-                  </a:lnTo>
-                  <a:lnTo>
-                    <a:pt x="195" y="5139"/>
-                  </a:lnTo>
-                  <a:lnTo>
-                    <a:pt x="98" y="4750"/>
-                  </a:lnTo>
-                  <a:lnTo>
-                    <a:pt x="25" y="4360"/>
-                  </a:lnTo>
-                  <a:lnTo>
-                    <a:pt x="0" y="3970"/>
-                  </a:lnTo>
-                  <a:lnTo>
-                    <a:pt x="0" y="3970"/>
-                  </a:lnTo>
-                  <a:lnTo>
-                    <a:pt x="25" y="3556"/>
-                  </a:lnTo>
-                  <a:lnTo>
-                    <a:pt x="98" y="3167"/>
-                  </a:lnTo>
-                  <a:lnTo>
-                    <a:pt x="195" y="2777"/>
-                  </a:lnTo>
-                  <a:lnTo>
-                    <a:pt x="317" y="2412"/>
-                  </a:lnTo>
-                  <a:lnTo>
-                    <a:pt x="487" y="2071"/>
-                  </a:lnTo>
-                  <a:lnTo>
-                    <a:pt x="682" y="1754"/>
-                  </a:lnTo>
-                  <a:lnTo>
-                    <a:pt x="901" y="1437"/>
-                  </a:lnTo>
-                  <a:lnTo>
-                    <a:pt x="1169" y="1170"/>
-                  </a:lnTo>
-                  <a:lnTo>
-                    <a:pt x="1462" y="902"/>
-                  </a:lnTo>
-                  <a:lnTo>
-                    <a:pt x="1754" y="682"/>
-                  </a:lnTo>
-                  <a:lnTo>
-                    <a:pt x="2070" y="488"/>
-                  </a:lnTo>
-                  <a:lnTo>
-                    <a:pt x="2436" y="317"/>
-                  </a:lnTo>
-                  <a:lnTo>
-                    <a:pt x="2801" y="171"/>
-                  </a:lnTo>
-                  <a:lnTo>
-                    <a:pt x="3166" y="74"/>
-                  </a:lnTo>
-                  <a:lnTo>
-                    <a:pt x="3556" y="25"/>
-                  </a:lnTo>
-                  <a:lnTo>
-                    <a:pt x="3970" y="1"/>
-                  </a:lnTo>
-                  <a:lnTo>
-                    <a:pt x="3970" y="1"/>
-                  </a:lnTo>
-                  <a:lnTo>
-                    <a:pt x="4384" y="25"/>
-                  </a:lnTo>
-                  <a:lnTo>
-                    <a:pt x="4774" y="74"/>
-                  </a:lnTo>
-                  <a:lnTo>
-                    <a:pt x="5139" y="171"/>
-                  </a:lnTo>
-                  <a:lnTo>
-                    <a:pt x="5505" y="317"/>
-                  </a:lnTo>
-                  <a:lnTo>
-                    <a:pt x="5870" y="488"/>
-                  </a:lnTo>
-                  <a:lnTo>
-                    <a:pt x="6186" y="682"/>
-                  </a:lnTo>
-                  <a:lnTo>
-                    <a:pt x="6479" y="902"/>
-                  </a:lnTo>
-                  <a:lnTo>
-                    <a:pt x="6771" y="1170"/>
-                  </a:lnTo>
-                  <a:lnTo>
-                    <a:pt x="7039" y="1437"/>
-                  </a:lnTo>
-                  <a:lnTo>
-                    <a:pt x="7258" y="1754"/>
-                  </a:lnTo>
-                  <a:lnTo>
-                    <a:pt x="7453" y="2071"/>
-                  </a:lnTo>
-                  <a:lnTo>
-                    <a:pt x="7623" y="2412"/>
-                  </a:lnTo>
-                  <a:lnTo>
-                    <a:pt x="7745" y="2777"/>
-                  </a:lnTo>
-                  <a:lnTo>
-                    <a:pt x="7843" y="3167"/>
-                  </a:lnTo>
-                  <a:lnTo>
-                    <a:pt x="7916" y="3556"/>
-                  </a:lnTo>
-                  <a:lnTo>
-                    <a:pt x="7940" y="3970"/>
-                  </a:lnTo>
-                  <a:lnTo>
-                    <a:pt x="7940" y="3970"/>
-                  </a:lnTo>
-                  <a:lnTo>
-                    <a:pt x="7916" y="4360"/>
-                  </a:lnTo>
-                  <a:lnTo>
-                    <a:pt x="7843" y="4750"/>
-                  </a:lnTo>
-                  <a:lnTo>
-                    <a:pt x="7745" y="5139"/>
-                  </a:lnTo>
-                  <a:lnTo>
-                    <a:pt x="7623" y="5505"/>
-                  </a:lnTo>
-                  <a:lnTo>
-                    <a:pt x="7453" y="5846"/>
-                  </a:lnTo>
-                  <a:lnTo>
-                    <a:pt x="7258" y="6187"/>
-                  </a:lnTo>
-                  <a:lnTo>
-                    <a:pt x="7039" y="6479"/>
-                  </a:lnTo>
-                  <a:lnTo>
-                    <a:pt x="6771" y="6771"/>
-                  </a:lnTo>
-                  <a:lnTo>
-                    <a:pt x="6479" y="7015"/>
-                  </a:lnTo>
-                  <a:lnTo>
-                    <a:pt x="6186" y="7258"/>
-                  </a:lnTo>
-                  <a:lnTo>
-                    <a:pt x="5870" y="7453"/>
-                  </a:lnTo>
-                  <a:lnTo>
-                    <a:pt x="5505" y="7624"/>
-                  </a:lnTo>
-                  <a:lnTo>
-                    <a:pt x="5139" y="7745"/>
-                  </a:lnTo>
-                  <a:lnTo>
-                    <a:pt x="4774" y="7843"/>
-                  </a:lnTo>
-                  <a:lnTo>
-                    <a:pt x="4384" y="7892"/>
-                  </a:lnTo>
-                  <a:lnTo>
-                    <a:pt x="3970" y="7916"/>
-                  </a:lnTo>
-                  <a:lnTo>
-                    <a:pt x="3970" y="7916"/>
-                  </a:lnTo>
-                  <a:close/>
-                </a:path>
-              </a:pathLst>
-            </a:custGeom>
-            <a:noFill/>
-            <a:ln w="12175" cap="rnd" cmpd="sng">
-              <a:solidFill>
-                <a:schemeClr val="accent1"/>
-              </a:solidFill>
-              <a:prstDash val="solid"/>
-              <a:round/>
-              <a:headEnd type="none" w="sm" len="sm"/>
-              <a:tailEnd type="none" w="sm" len="sm"/>
-            </a:ln>
-          </p:spPr>
-          <p:txBody>
-            <a:bodyPr spcFirstLastPara="1" wrap="square" lIns="91425" tIns="91425" rIns="91425" bIns="91425" anchor="ctr" anchorCtr="0">
-              <a:noAutofit/>
-            </a:bodyPr>
-            <a:lstStyle/>
-            <a:p>
-              <a:pPr marL="0" lvl="0" indent="0" algn="l" rtl="0">
-                <a:spcBef>
-                  <a:spcPts val="0"/>
-                </a:spcBef>
-                <a:spcAft>
-                  <a:spcPts val="0"/>
-                </a:spcAft>
-                <a:buNone/>
-              </a:pPr>
-              <a:endParaRPr/>
-            </a:p>
-          </p:txBody>
-        </p:sp>
-        <p:sp>
-          <p:nvSpPr>
-            <p:cNvPr id="10" name="Google Shape;327;p37">
-              <a:extLst>
-                <a:ext uri="{FF2B5EF4-FFF2-40B4-BE49-F238E27FC236}">
-                  <a16:creationId xmlns:a16="http://schemas.microsoft.com/office/drawing/2014/main" id="{DAAE654E-28AF-D145-ABEB-77FC1EEC7C1E}"/>
-                </a:ext>
-              </a:extLst>
-            </p:cNvPr>
-            <p:cNvSpPr/>
-            <p:nvPr/>
-          </p:nvSpPr>
-          <p:spPr>
-            <a:xfrm>
-              <a:off x="1403100" y="482875"/>
-              <a:ext cx="132750" cy="132150"/>
-            </a:xfrm>
-            <a:custGeom>
-              <a:avLst/>
-              <a:gdLst/>
-              <a:ahLst/>
-              <a:cxnLst/>
-              <a:rect l="l" t="t" r="r" b="b"/>
-              <a:pathLst>
-                <a:path w="5310" h="5286" fill="none" extrusionOk="0">
-                  <a:moveTo>
-                    <a:pt x="2655" y="5286"/>
-                  </a:moveTo>
-                  <a:lnTo>
-                    <a:pt x="2655" y="5286"/>
-                  </a:lnTo>
-                  <a:lnTo>
-                    <a:pt x="2387" y="5286"/>
-                  </a:lnTo>
-                  <a:lnTo>
-                    <a:pt x="2119" y="5237"/>
-                  </a:lnTo>
-                  <a:lnTo>
-                    <a:pt x="1876" y="5164"/>
-                  </a:lnTo>
-                  <a:lnTo>
-                    <a:pt x="1632" y="5091"/>
-                  </a:lnTo>
-                  <a:lnTo>
-                    <a:pt x="1389" y="4969"/>
-                  </a:lnTo>
-                  <a:lnTo>
-                    <a:pt x="1169" y="4847"/>
-                  </a:lnTo>
-                  <a:lnTo>
-                    <a:pt x="975" y="4677"/>
-                  </a:lnTo>
-                  <a:lnTo>
-                    <a:pt x="780" y="4506"/>
-                  </a:lnTo>
-                  <a:lnTo>
-                    <a:pt x="609" y="4336"/>
-                  </a:lnTo>
-                  <a:lnTo>
-                    <a:pt x="463" y="4117"/>
-                  </a:lnTo>
-                  <a:lnTo>
-                    <a:pt x="317" y="3897"/>
-                  </a:lnTo>
-                  <a:lnTo>
-                    <a:pt x="220" y="3678"/>
-                  </a:lnTo>
-                  <a:lnTo>
-                    <a:pt x="122" y="3435"/>
-                  </a:lnTo>
-                  <a:lnTo>
-                    <a:pt x="74" y="3191"/>
-                  </a:lnTo>
-                  <a:lnTo>
-                    <a:pt x="25" y="2923"/>
-                  </a:lnTo>
-                  <a:lnTo>
-                    <a:pt x="0" y="2655"/>
-                  </a:lnTo>
-                  <a:lnTo>
-                    <a:pt x="0" y="2655"/>
-                  </a:lnTo>
-                  <a:lnTo>
-                    <a:pt x="25" y="2387"/>
-                  </a:lnTo>
-                  <a:lnTo>
-                    <a:pt x="74" y="2120"/>
-                  </a:lnTo>
-                  <a:lnTo>
-                    <a:pt x="122" y="1852"/>
-                  </a:lnTo>
-                  <a:lnTo>
-                    <a:pt x="220" y="1608"/>
-                  </a:lnTo>
-                  <a:lnTo>
-                    <a:pt x="317" y="1389"/>
-                  </a:lnTo>
-                  <a:lnTo>
-                    <a:pt x="463" y="1170"/>
-                  </a:lnTo>
-                  <a:lnTo>
-                    <a:pt x="609" y="975"/>
-                  </a:lnTo>
-                  <a:lnTo>
-                    <a:pt x="780" y="780"/>
-                  </a:lnTo>
-                  <a:lnTo>
-                    <a:pt x="975" y="610"/>
-                  </a:lnTo>
-                  <a:lnTo>
-                    <a:pt x="1169" y="463"/>
-                  </a:lnTo>
-                  <a:lnTo>
-                    <a:pt x="1389" y="317"/>
-                  </a:lnTo>
-                  <a:lnTo>
-                    <a:pt x="1632" y="220"/>
-                  </a:lnTo>
-                  <a:lnTo>
-                    <a:pt x="1876" y="122"/>
-                  </a:lnTo>
-                  <a:lnTo>
-                    <a:pt x="2119" y="49"/>
-                  </a:lnTo>
-                  <a:lnTo>
-                    <a:pt x="2387" y="25"/>
-                  </a:lnTo>
-                  <a:lnTo>
-                    <a:pt x="2655" y="1"/>
-                  </a:lnTo>
-                  <a:lnTo>
-                    <a:pt x="2655" y="1"/>
-                  </a:lnTo>
-                  <a:lnTo>
-                    <a:pt x="2923" y="25"/>
-                  </a:lnTo>
-                  <a:lnTo>
-                    <a:pt x="3191" y="49"/>
-                  </a:lnTo>
-                  <a:lnTo>
-                    <a:pt x="3435" y="122"/>
-                  </a:lnTo>
-                  <a:lnTo>
-                    <a:pt x="3678" y="220"/>
-                  </a:lnTo>
-                  <a:lnTo>
-                    <a:pt x="3922" y="317"/>
-                  </a:lnTo>
-                  <a:lnTo>
-                    <a:pt x="4141" y="463"/>
-                  </a:lnTo>
-                  <a:lnTo>
-                    <a:pt x="4336" y="610"/>
-                  </a:lnTo>
-                  <a:lnTo>
-                    <a:pt x="4530" y="780"/>
-                  </a:lnTo>
-                  <a:lnTo>
-                    <a:pt x="4701" y="975"/>
-                  </a:lnTo>
-                  <a:lnTo>
-                    <a:pt x="4847" y="1170"/>
-                  </a:lnTo>
-                  <a:lnTo>
-                    <a:pt x="4993" y="1389"/>
-                  </a:lnTo>
-                  <a:lnTo>
-                    <a:pt x="5091" y="1608"/>
-                  </a:lnTo>
-                  <a:lnTo>
-                    <a:pt x="5188" y="1852"/>
-                  </a:lnTo>
-                  <a:lnTo>
-                    <a:pt x="5237" y="2120"/>
-                  </a:lnTo>
-                  <a:lnTo>
-                    <a:pt x="5285" y="2387"/>
-                  </a:lnTo>
-                  <a:lnTo>
-                    <a:pt x="5310" y="2655"/>
-                  </a:lnTo>
-                  <a:lnTo>
-                    <a:pt x="5310" y="2655"/>
-                  </a:lnTo>
-                  <a:lnTo>
-                    <a:pt x="5285" y="2923"/>
-                  </a:lnTo>
-                  <a:lnTo>
-                    <a:pt x="5237" y="3191"/>
-                  </a:lnTo>
-                  <a:lnTo>
-                    <a:pt x="5188" y="3435"/>
-                  </a:lnTo>
-                  <a:lnTo>
-                    <a:pt x="5091" y="3678"/>
-                  </a:lnTo>
-                  <a:lnTo>
-                    <a:pt x="4993" y="3897"/>
-                  </a:lnTo>
-                  <a:lnTo>
-                    <a:pt x="4847" y="4117"/>
-                  </a:lnTo>
-                  <a:lnTo>
-                    <a:pt x="4701" y="4336"/>
-                  </a:lnTo>
-                  <a:lnTo>
-                    <a:pt x="4530" y="4506"/>
-                  </a:lnTo>
-                  <a:lnTo>
-                    <a:pt x="4336" y="4677"/>
-                  </a:lnTo>
-                  <a:lnTo>
-                    <a:pt x="4141" y="4847"/>
-                  </a:lnTo>
-                  <a:lnTo>
-                    <a:pt x="3922" y="4969"/>
-                  </a:lnTo>
-                  <a:lnTo>
-                    <a:pt x="3678" y="5091"/>
-                  </a:lnTo>
-                  <a:lnTo>
-                    <a:pt x="3435" y="5164"/>
-                  </a:lnTo>
-                  <a:lnTo>
-                    <a:pt x="3191" y="5237"/>
-                  </a:lnTo>
-                  <a:lnTo>
-                    <a:pt x="2923" y="5286"/>
-                  </a:lnTo>
-                  <a:lnTo>
-                    <a:pt x="2655" y="5286"/>
-                  </a:lnTo>
-                  <a:lnTo>
-                    <a:pt x="2655" y="5286"/>
-                  </a:lnTo>
-                  <a:close/>
-                </a:path>
-              </a:pathLst>
-            </a:custGeom>
-            <a:noFill/>
-            <a:ln w="12175" cap="rnd" cmpd="sng">
-              <a:solidFill>
-                <a:schemeClr val="accent1"/>
-              </a:solidFill>
-              <a:prstDash val="solid"/>
-              <a:round/>
-              <a:headEnd type="none" w="sm" len="sm"/>
-              <a:tailEnd type="none" w="sm" len="sm"/>
-            </a:ln>
-          </p:spPr>
-          <p:txBody>
-            <a:bodyPr spcFirstLastPara="1" wrap="square" lIns="91425" tIns="91425" rIns="91425" bIns="91425" anchor="ctr" anchorCtr="0">
-              <a:noAutofit/>
-            </a:bodyPr>
-            <a:lstStyle/>
-            <a:p>
-              <a:pPr marL="0" lvl="0" indent="0" algn="l" rtl="0">
-                <a:spcBef>
-                  <a:spcPts val="0"/>
-                </a:spcBef>
-                <a:spcAft>
-                  <a:spcPts val="0"/>
-                </a:spcAft>
-                <a:buNone/>
-              </a:pPr>
-              <a:endParaRPr/>
-            </a:p>
-          </p:txBody>
-        </p:sp>
-        <p:sp>
-          <p:nvSpPr>
-            <p:cNvPr id="11" name="Google Shape;328;p37">
-              <a:extLst>
-                <a:ext uri="{FF2B5EF4-FFF2-40B4-BE49-F238E27FC236}">
-                  <a16:creationId xmlns:a16="http://schemas.microsoft.com/office/drawing/2014/main" id="{B9814E8D-8EB2-2C48-B663-005AADDE0FDD}"/>
-                </a:ext>
-              </a:extLst>
-            </p:cNvPr>
-            <p:cNvSpPr/>
-            <p:nvPr/>
-          </p:nvSpPr>
-          <p:spPr>
-            <a:xfrm>
-              <a:off x="1588800" y="435400"/>
-              <a:ext cx="66400" cy="43850"/>
-            </a:xfrm>
-            <a:custGeom>
-              <a:avLst/>
-              <a:gdLst/>
-              <a:ahLst/>
-              <a:cxnLst/>
-              <a:rect l="l" t="t" r="r" b="b"/>
-              <a:pathLst>
-                <a:path w="2656" h="1754" fill="none" extrusionOk="0">
-                  <a:moveTo>
-                    <a:pt x="2655" y="1266"/>
-                  </a:moveTo>
-                  <a:lnTo>
-                    <a:pt x="2655" y="1266"/>
-                  </a:lnTo>
-                  <a:lnTo>
-                    <a:pt x="2655" y="1364"/>
-                  </a:lnTo>
-                  <a:lnTo>
-                    <a:pt x="2631" y="1461"/>
-                  </a:lnTo>
-                  <a:lnTo>
-                    <a:pt x="2582" y="1534"/>
-                  </a:lnTo>
-                  <a:lnTo>
-                    <a:pt x="2509" y="1607"/>
-                  </a:lnTo>
-                  <a:lnTo>
-                    <a:pt x="2461" y="1680"/>
-                  </a:lnTo>
-                  <a:lnTo>
-                    <a:pt x="2363" y="1705"/>
-                  </a:lnTo>
-                  <a:lnTo>
-                    <a:pt x="2266" y="1754"/>
-                  </a:lnTo>
-                  <a:lnTo>
-                    <a:pt x="2168" y="1754"/>
-                  </a:lnTo>
-                  <a:lnTo>
-                    <a:pt x="488" y="1754"/>
-                  </a:lnTo>
-                  <a:lnTo>
-                    <a:pt x="488" y="1754"/>
-                  </a:lnTo>
-                  <a:lnTo>
-                    <a:pt x="390" y="1754"/>
-                  </a:lnTo>
-                  <a:lnTo>
-                    <a:pt x="293" y="1705"/>
-                  </a:lnTo>
-                  <a:lnTo>
-                    <a:pt x="220" y="1680"/>
-                  </a:lnTo>
-                  <a:lnTo>
-                    <a:pt x="147" y="1607"/>
-                  </a:lnTo>
-                  <a:lnTo>
-                    <a:pt x="74" y="1534"/>
-                  </a:lnTo>
-                  <a:lnTo>
-                    <a:pt x="49" y="1461"/>
-                  </a:lnTo>
-                  <a:lnTo>
-                    <a:pt x="1" y="1364"/>
-                  </a:lnTo>
-                  <a:lnTo>
-                    <a:pt x="1" y="1266"/>
-                  </a:lnTo>
-                  <a:lnTo>
-                    <a:pt x="1" y="487"/>
-                  </a:lnTo>
-                  <a:lnTo>
-                    <a:pt x="1" y="487"/>
-                  </a:lnTo>
-                  <a:lnTo>
-                    <a:pt x="1" y="390"/>
-                  </a:lnTo>
-                  <a:lnTo>
-                    <a:pt x="49" y="292"/>
-                  </a:lnTo>
-                  <a:lnTo>
-                    <a:pt x="74" y="219"/>
-                  </a:lnTo>
-                  <a:lnTo>
-                    <a:pt x="147" y="146"/>
-                  </a:lnTo>
-                  <a:lnTo>
-                    <a:pt x="220" y="73"/>
-                  </a:lnTo>
-                  <a:lnTo>
-                    <a:pt x="293" y="49"/>
-                  </a:lnTo>
-                  <a:lnTo>
-                    <a:pt x="390" y="0"/>
-                  </a:lnTo>
-                  <a:lnTo>
-                    <a:pt x="488" y="0"/>
-                  </a:lnTo>
-                  <a:lnTo>
-                    <a:pt x="2168" y="0"/>
-                  </a:lnTo>
-                  <a:lnTo>
-                    <a:pt x="2168" y="0"/>
-                  </a:lnTo>
-                  <a:lnTo>
-                    <a:pt x="2266" y="0"/>
-                  </a:lnTo>
-                  <a:lnTo>
-                    <a:pt x="2363" y="49"/>
-                  </a:lnTo>
-                  <a:lnTo>
-                    <a:pt x="2461" y="73"/>
-                  </a:lnTo>
-                  <a:lnTo>
-                    <a:pt x="2509" y="146"/>
-                  </a:lnTo>
-                  <a:lnTo>
-                    <a:pt x="2582" y="219"/>
-                  </a:lnTo>
-                  <a:lnTo>
-                    <a:pt x="2631" y="292"/>
-                  </a:lnTo>
-                  <a:lnTo>
-                    <a:pt x="2655" y="390"/>
-                  </a:lnTo>
-                  <a:lnTo>
-                    <a:pt x="2655" y="487"/>
-                  </a:lnTo>
-                  <a:lnTo>
-                    <a:pt x="2655" y="1266"/>
-                  </a:lnTo>
-                  <a:close/>
-                </a:path>
-              </a:pathLst>
-            </a:custGeom>
-            <a:noFill/>
-            <a:ln w="12175" cap="rnd" cmpd="sng">
-              <a:solidFill>
-                <a:schemeClr val="accent1"/>
-              </a:solidFill>
-              <a:prstDash val="solid"/>
-              <a:round/>
-              <a:headEnd type="none" w="sm" len="sm"/>
-              <a:tailEnd type="none" w="sm" len="sm"/>
-            </a:ln>
-          </p:spPr>
-          <p:txBody>
-            <a:bodyPr spcFirstLastPara="1" wrap="square" lIns="91425" tIns="91425" rIns="91425" bIns="91425" anchor="ctr" anchorCtr="0">
-              <a:noAutofit/>
-            </a:bodyPr>
-            <a:lstStyle/>
-            <a:p>
-              <a:pPr marL="0" lvl="0" indent="0" algn="l" rtl="0">
-                <a:spcBef>
-                  <a:spcPts val="0"/>
-                </a:spcBef>
-                <a:spcAft>
-                  <a:spcPts val="0"/>
-                </a:spcAft>
-                <a:buNone/>
-              </a:pPr>
-              <a:endParaRPr/>
-            </a:p>
-          </p:txBody>
-        </p:sp>
-      </p:grpSp>
-    </p:spTree>
-    <p:extLst>
-      <p:ext uri="{BB962C8B-B14F-4D97-AF65-F5344CB8AC3E}">
-        <p14:creationId xmlns:p14="http://schemas.microsoft.com/office/powerpoint/2010/main" val="4180931394"/>
-      </p:ext>
-    </p:extLst>
-  </p:cSld>
-  <p:clrMapOvr>
-    <a:masterClrMapping/>
-  </p:clrMapOvr>
-</p:sld>
-</file>
-
-<file path=ppt/slides/slide5.xml><?xml version="1.0" encoding="utf-8"?>
-<p:sld xmlns:a="http://schemas.openxmlformats.org/drawingml/2006/main" xmlns:r="http://schemas.openxmlformats.org/officeDocument/2006/relationships" xmlns:p="http://schemas.openxmlformats.org/presentationml/2006/main">
-  <p:cSld>
-    <p:spTree>
-      <p:nvGrpSpPr>
-        <p:cNvPr id="1" name="Shape 93"/>
-        <p:cNvGrpSpPr/>
-        <p:nvPr/>
-      </p:nvGrpSpPr>
-      <p:grpSpPr>
-        <a:xfrm>
-          <a:off x="0" y="0"/>
-          <a:ext cx="0" cy="0"/>
-          <a:chOff x="0" y="0"/>
-          <a:chExt cx="0" cy="0"/>
-        </a:xfrm>
-      </p:grpSpPr>
-      <p:sp>
-        <p:nvSpPr>
-          <p:cNvPr id="94" name="Google Shape;94;p18"/>
-          <p:cNvSpPr txBox="1">
-            <a:spLocks noGrp="1"/>
-          </p:cNvSpPr>
-          <p:nvPr>
-            <p:ph type="ctrTitle" idx="4294967295"/>
-          </p:nvPr>
-        </p:nvSpPr>
-        <p:spPr>
-          <a:xfrm>
-            <a:off x="985962" y="2199075"/>
-            <a:ext cx="7172076" cy="1159800"/>
-          </a:xfrm>
-          <a:prstGeom prst="rect">
-            <a:avLst/>
-          </a:prstGeom>
-        </p:spPr>
-        <p:txBody>
-          <a:bodyPr spcFirstLastPara="1" wrap="square" lIns="91425" tIns="91425" rIns="91425" bIns="91425" anchor="ctr" anchorCtr="0">
-            <a:noAutofit/>
-          </a:bodyPr>
-          <a:lstStyle/>
-          <a:p>
-            <a:pPr marL="0" lvl="0" indent="0" algn="ctr" rtl="0">
-              <a:spcBef>
-                <a:spcPts val="0"/>
-              </a:spcBef>
-              <a:spcAft>
-                <a:spcPts val="0"/>
-              </a:spcAft>
-              <a:buNone/>
-            </a:pPr>
-            <a:r>
-              <a:rPr lang="en" sz="6000" i="1" dirty="0">
-                <a:solidFill>
-                  <a:srgbClr val="FFFFFF"/>
-                </a:solidFill>
-              </a:rPr>
               <a:t>Mob Programming</a:t>
             </a:r>
             <a:endParaRPr sz="6000" i="1" dirty="0">
@@ -15731,7 +10895,7 @@
 </p:sld>
 </file>
 
-<file path=ppt/slides/slide6.xml><?xml version="1.0" encoding="utf-8"?>
+<file path=ppt/slides/slide4.xml><?xml version="1.0" encoding="utf-8"?>
 <p:sld xmlns:a="http://schemas.openxmlformats.org/drawingml/2006/main" xmlns:r="http://schemas.openxmlformats.org/officeDocument/2006/relationships" xmlns:p="http://schemas.openxmlformats.org/presentationml/2006/main">
   <p:cSld>
     <p:spTree>
@@ -15891,7 +11055,7 @@
             </a:pPr>
             <a:fld id="{00000000-1234-1234-1234-123412341234}" type="slidenum">
               <a:rPr lang="en"/>
-              <a:t>6</a:t>
+              <a:t>4</a:t>
             </a:fld>
             <a:endParaRPr/>
           </a:p>
@@ -15994,6 +11158,27 @@
             <a:endParaRPr lang="en" dirty="0"/>
           </a:p>
           <a:p>
+            <a:pPr marL="0" indent="0" algn="ctr">
+              <a:buNone/>
+            </a:pPr>
+            <a:r>
+              <a:rPr lang="en-US" dirty="0"/>
+              <a:t>Record an insight</a:t>
+            </a:r>
+          </a:p>
+          <a:p>
+            <a:pPr marL="0" lvl="0" indent="0" algn="ctr" rtl="0">
+              <a:spcBef>
+                <a:spcPts val="600"/>
+              </a:spcBef>
+              <a:spcAft>
+                <a:spcPts val="0"/>
+              </a:spcAft>
+              <a:buNone/>
+            </a:pPr>
+            <a:endParaRPr lang="en" dirty="0"/>
+          </a:p>
+          <a:p>
             <a:pPr marL="0" lvl="0" indent="0" algn="ctr" rtl="0">
               <a:spcBef>
                 <a:spcPts val="600"/>
@@ -16007,34 +11192,6 @@
               <a:rPr lang="en" dirty="0"/>
               <a:t>Gain an insight</a:t>
             </a:r>
-          </a:p>
-          <a:p>
-            <a:pPr marL="0" lvl="0" indent="0" algn="ctr" rtl="0">
-              <a:spcBef>
-                <a:spcPts val="600"/>
-              </a:spcBef>
-              <a:spcAft>
-                <a:spcPts val="0"/>
-              </a:spcAft>
-              <a:buNone/>
-            </a:pPr>
-            <a:endParaRPr lang="en" dirty="0"/>
-          </a:p>
-          <a:p>
-            <a:pPr marL="0" lvl="0" indent="0" algn="ctr" rtl="0">
-              <a:spcBef>
-                <a:spcPts val="600"/>
-              </a:spcBef>
-              <a:spcAft>
-                <a:spcPts val="0"/>
-              </a:spcAft>
-              <a:buNone/>
-            </a:pPr>
-            <a:r>
-              <a:rPr lang="en" dirty="0"/>
-              <a:t>Record an insight</a:t>
-            </a:r>
-            <a:endParaRPr dirty="0"/>
           </a:p>
         </p:txBody>
       </p:sp>
@@ -16077,6 +11234,129 @@
           </a:fontRef>
         </p:style>
       </p:cxnSp>
+      <p:sp>
+        <p:nvSpPr>
+          <p:cNvPr id="2" name="Oval 1">
+            <a:extLst>
+              <a:ext uri="{FF2B5EF4-FFF2-40B4-BE49-F238E27FC236}">
+                <a16:creationId xmlns:a16="http://schemas.microsoft.com/office/drawing/2014/main" id="{C0CD4CB6-E9E0-3FD0-C490-311A15FBDAF1}"/>
+              </a:ext>
+            </a:extLst>
+          </p:cNvPr>
+          <p:cNvSpPr/>
+          <p:nvPr/>
+        </p:nvSpPr>
+        <p:spPr>
+          <a:xfrm>
+            <a:off x="5836257" y="2965837"/>
+            <a:ext cx="1963973" cy="572493"/>
+          </a:xfrm>
+          <a:custGeom>
+            <a:avLst/>
+            <a:gdLst>
+              <a:gd name="connsiteX0" fmla="*/ 0 w 1963973"/>
+              <a:gd name="connsiteY0" fmla="*/ 286247 h 572493"/>
+              <a:gd name="connsiteX1" fmla="*/ 981987 w 1963973"/>
+              <a:gd name="connsiteY1" fmla="*/ 0 h 572493"/>
+              <a:gd name="connsiteX2" fmla="*/ 1963974 w 1963973"/>
+              <a:gd name="connsiteY2" fmla="*/ 286247 h 572493"/>
+              <a:gd name="connsiteX3" fmla="*/ 981987 w 1963973"/>
+              <a:gd name="connsiteY3" fmla="*/ 572494 h 572493"/>
+              <a:gd name="connsiteX4" fmla="*/ 0 w 1963973"/>
+              <a:gd name="connsiteY4" fmla="*/ 286247 h 572493"/>
+            </a:gdLst>
+            <a:ahLst/>
+            <a:cxnLst>
+              <a:cxn ang="0">
+                <a:pos x="connsiteX0" y="connsiteY0"/>
+              </a:cxn>
+              <a:cxn ang="0">
+                <a:pos x="connsiteX1" y="connsiteY1"/>
+              </a:cxn>
+              <a:cxn ang="0">
+                <a:pos x="connsiteX2" y="connsiteY2"/>
+              </a:cxn>
+              <a:cxn ang="0">
+                <a:pos x="connsiteX3" y="connsiteY3"/>
+              </a:cxn>
+              <a:cxn ang="0">
+                <a:pos x="connsiteX4" y="connsiteY4"/>
+              </a:cxn>
+            </a:cxnLst>
+            <a:rect l="l" t="t" r="r" b="b"/>
+            <a:pathLst>
+              <a:path w="1963973" h="572493" extrusionOk="0">
+                <a:moveTo>
+                  <a:pt x="0" y="286247"/>
+                </a:moveTo>
+                <a:cubicBezTo>
+                  <a:pt x="-51970" y="96101"/>
+                  <a:pt x="360915" y="29551"/>
+                  <a:pt x="981987" y="0"/>
+                </a:cubicBezTo>
+                <a:cubicBezTo>
+                  <a:pt x="1540481" y="3402"/>
+                  <a:pt x="1929375" y="129257"/>
+                  <a:pt x="1963974" y="286247"/>
+                </a:cubicBezTo>
+                <a:cubicBezTo>
+                  <a:pt x="1945080" y="462788"/>
+                  <a:pt x="1519261" y="600475"/>
+                  <a:pt x="981987" y="572494"/>
+                </a:cubicBezTo>
+                <a:cubicBezTo>
+                  <a:pt x="427609" y="565905"/>
+                  <a:pt x="24698" y="456138"/>
+                  <a:pt x="0" y="286247"/>
+                </a:cubicBezTo>
+                <a:close/>
+              </a:path>
+            </a:pathLst>
+          </a:custGeom>
+          <a:noFill/>
+          <a:ln>
+            <a:solidFill>
+              <a:srgbClr val="FF0000"/>
+            </a:solidFill>
+            <a:extLst>
+              <a:ext uri="{C807C97D-BFC1-408E-A445-0C87EB9F89A2}">
+                <ask:lineSketchStyleProps xmlns:ask="http://schemas.microsoft.com/office/drawing/2018/sketchyshapes" sd="1219033472">
+                  <a:prstGeom prst="ellipse">
+                    <a:avLst/>
+                  </a:prstGeom>
+                  <ask:type>
+                    <ask:lineSketchScribble/>
+                  </ask:type>
+                </ask:lineSketchStyleProps>
+              </a:ext>
+            </a:extLst>
+          </a:ln>
+        </p:spPr>
+        <p:style>
+          <a:lnRef idx="2">
+            <a:schemeClr val="accent1">
+              <a:shade val="15000"/>
+            </a:schemeClr>
+          </a:lnRef>
+          <a:fillRef idx="1">
+            <a:schemeClr val="accent1"/>
+          </a:fillRef>
+          <a:effectRef idx="0">
+            <a:schemeClr val="accent1"/>
+          </a:effectRef>
+          <a:fontRef idx="minor">
+            <a:schemeClr val="lt1"/>
+          </a:fontRef>
+        </p:style>
+        <p:txBody>
+          <a:bodyPr rtlCol="0" anchor="ctr"/>
+          <a:lstStyle/>
+          <a:p>
+            <a:pPr algn="ctr"/>
+            <a:endParaRPr lang="en-US"/>
+          </a:p>
+        </p:txBody>
+      </p:sp>
     </p:spTree>
     <p:extLst>
       <p:ext uri="{BB962C8B-B14F-4D97-AF65-F5344CB8AC3E}">
@@ -16087,10 +11367,96 @@
   <p:clrMapOvr>
     <a:masterClrMapping/>
   </p:clrMapOvr>
+  <p:timing>
+    <p:tnLst>
+      <p:par>
+        <p:cTn id="1" dur="indefinite" restart="never" nodeType="tmRoot">
+          <p:childTnLst>
+            <p:seq concurrent="1" nextAc="seek">
+              <p:cTn id="2" dur="indefinite" nodeType="mainSeq">
+                <p:childTnLst>
+                  <p:par>
+                    <p:cTn id="3" fill="hold">
+                      <p:stCondLst>
+                        <p:cond delay="indefinite"/>
+                      </p:stCondLst>
+                      <p:childTnLst>
+                        <p:par>
+                          <p:cTn id="4" fill="hold">
+                            <p:stCondLst>
+                              <p:cond delay="0"/>
+                            </p:stCondLst>
+                            <p:childTnLst>
+                              <p:par>
+                                <p:cTn id="5" presetID="21" presetClass="entr" presetSubtype="1" fill="hold" grpId="0" nodeType="clickEffect">
+                                  <p:stCondLst>
+                                    <p:cond delay="0"/>
+                                  </p:stCondLst>
+                                  <p:childTnLst>
+                                    <p:set>
+                                      <p:cBhvr>
+                                        <p:cTn id="6" dur="1" fill="hold">
+                                          <p:stCondLst>
+                                            <p:cond delay="0"/>
+                                          </p:stCondLst>
+                                        </p:cTn>
+                                        <p:tgtEl>
+                                          <p:spTgt spid="2"/>
+                                        </p:tgtEl>
+                                        <p:attrNameLst>
+                                          <p:attrName>style.visibility</p:attrName>
+                                        </p:attrNameLst>
+                                      </p:cBhvr>
+                                      <p:to>
+                                        <p:strVal val="visible"/>
+                                      </p:to>
+                                    </p:set>
+                                    <p:animEffect transition="in" filter="wheel(1)">
+                                      <p:cBhvr>
+                                        <p:cTn id="7" dur="2000"/>
+                                        <p:tgtEl>
+                                          <p:spTgt spid="2"/>
+                                        </p:tgtEl>
+                                      </p:cBhvr>
+                                    </p:animEffect>
+                                  </p:childTnLst>
+                                </p:cTn>
+                              </p:par>
+                            </p:childTnLst>
+                          </p:cTn>
+                        </p:par>
+                      </p:childTnLst>
+                    </p:cTn>
+                  </p:par>
+                </p:childTnLst>
+              </p:cTn>
+              <p:prevCondLst>
+                <p:cond evt="onPrev" delay="0">
+                  <p:tgtEl>
+                    <p:sldTgt/>
+                  </p:tgtEl>
+                </p:cond>
+              </p:prevCondLst>
+              <p:nextCondLst>
+                <p:cond evt="onNext" delay="0">
+                  <p:tgtEl>
+                    <p:sldTgt/>
+                  </p:tgtEl>
+                </p:cond>
+              </p:nextCondLst>
+            </p:seq>
+          </p:childTnLst>
+        </p:cTn>
+      </p:par>
+    </p:tnLst>
+    <p:bldLst>
+      <p:bldP spid="2" grpId="0" animBg="1"/>
+    </p:bldLst>
+  </p:timing>
 </p:sld>
 </file>
 
-<file path=ppt/slides/slide7.xml><?xml version="1.0" encoding="utf-8"?>
+<file path=ppt/slides/slide5.xml><?xml version="1.0" encoding="utf-8"?>
 <p:sld xmlns:a="http://schemas.openxmlformats.org/drawingml/2006/main" xmlns:r="http://schemas.openxmlformats.org/officeDocument/2006/relationships" xmlns:p="http://schemas.openxmlformats.org/presentationml/2006/main">
   <p:cSld>
     <p:spTree>
@@ -17413,7 +12779,7 @@
 </p:sld>
 </file>
 
-<file path=ppt/slides/slide8.xml><?xml version="1.0" encoding="utf-8"?>
+<file path=ppt/slides/slide6.xml><?xml version="1.0" encoding="utf-8"?>
 <p:sld xmlns:a="http://schemas.openxmlformats.org/drawingml/2006/main" xmlns:r="http://schemas.openxmlformats.org/officeDocument/2006/relationships" xmlns:p="http://schemas.openxmlformats.org/presentationml/2006/main">
   <p:cSld>
     <p:spTree>
@@ -17724,7 +13090,7 @@
             </a:pPr>
             <a:fld id="{00000000-1234-1234-1234-123412341234}" type="slidenum">
               <a:rPr lang="en"/>
-              <a:t>8</a:t>
+              <a:t>6</a:t>
             </a:fld>
             <a:endParaRPr/>
           </a:p>
@@ -19942,7 +15308,7 @@
 </p:sld>
 </file>
 
-<file path=ppt/slides/slide9.xml><?xml version="1.0" encoding="utf-8"?>
+<file path=ppt/slides/slide7.xml><?xml version="1.0" encoding="utf-8"?>
 <p:sld xmlns:a="http://schemas.openxmlformats.org/drawingml/2006/main" xmlns:r="http://schemas.openxmlformats.org/officeDocument/2006/relationships" xmlns:p="http://schemas.openxmlformats.org/presentationml/2006/main">
   <p:cSld>
     <p:spTree>
@@ -21162,6 +16528,3795 @@
     <p:extLst>
       <p:ext uri="{BB962C8B-B14F-4D97-AF65-F5344CB8AC3E}">
         <p14:creationId xmlns:p14="http://schemas.microsoft.com/office/powerpoint/2010/main" val="3184965761"/>
+      </p:ext>
+    </p:extLst>
+  </p:cSld>
+  <p:clrMapOvr>
+    <a:masterClrMapping/>
+  </p:clrMapOvr>
+</p:sld>
+</file>
+
+<file path=ppt/slides/slide8.xml><?xml version="1.0" encoding="utf-8"?>
+<p:sld xmlns:a="http://schemas.openxmlformats.org/drawingml/2006/main" xmlns:r="http://schemas.openxmlformats.org/officeDocument/2006/relationships" xmlns:p="http://schemas.openxmlformats.org/presentationml/2006/main">
+  <p:cSld>
+    <p:spTree>
+      <p:nvGrpSpPr>
+        <p:cNvPr id="1" name="Shape 196"/>
+        <p:cNvGrpSpPr/>
+        <p:nvPr/>
+      </p:nvGrpSpPr>
+      <p:grpSpPr>
+        <a:xfrm>
+          <a:off x="0" y="0"/>
+          <a:ext cx="0" cy="0"/>
+          <a:chOff x="0" y="0"/>
+          <a:chExt cx="0" cy="0"/>
+        </a:xfrm>
+      </p:grpSpPr>
+      <p:sp>
+        <p:nvSpPr>
+          <p:cNvPr id="197" name="Google Shape;197;p29"/>
+          <p:cNvSpPr txBox="1">
+            <a:spLocks noGrp="1"/>
+          </p:cNvSpPr>
+          <p:nvPr>
+            <p:ph type="title"/>
+          </p:nvPr>
+        </p:nvSpPr>
+        <p:spPr>
+          <a:xfrm>
+            <a:off x="388955" y="338306"/>
+            <a:ext cx="8366100" cy="762600"/>
+          </a:xfrm>
+          <a:prstGeom prst="rect">
+            <a:avLst/>
+          </a:prstGeom>
+        </p:spPr>
+        <p:txBody>
+          <a:bodyPr spcFirstLastPara="1" wrap="square" lIns="91425" tIns="91425" rIns="91425" bIns="91425" anchor="ctr" anchorCtr="0">
+            <a:noAutofit/>
+          </a:bodyPr>
+          <a:lstStyle/>
+          <a:p>
+            <a:pPr marL="0" lvl="0" indent="0" algn="ctr" rtl="0">
+              <a:spcBef>
+                <a:spcPts val="0"/>
+              </a:spcBef>
+              <a:spcAft>
+                <a:spcPts val="0"/>
+              </a:spcAft>
+              <a:buNone/>
+            </a:pPr>
+            <a:r>
+              <a:rPr lang="en" dirty="0"/>
+              <a:t>Some possible ideas…</a:t>
+            </a:r>
+            <a:endParaRPr dirty="0"/>
+          </a:p>
+        </p:txBody>
+      </p:sp>
+      <p:sp>
+        <p:nvSpPr>
+          <p:cNvPr id="198" name="Google Shape;198;p29"/>
+          <p:cNvSpPr txBox="1">
+            <a:spLocks noGrp="1"/>
+          </p:cNvSpPr>
+          <p:nvPr>
+            <p:ph type="body" idx="1"/>
+          </p:nvPr>
+        </p:nvSpPr>
+        <p:spPr>
+          <a:xfrm>
+            <a:off x="6042761" y="1383963"/>
+            <a:ext cx="2403900" cy="1305000"/>
+          </a:xfrm>
+          <a:prstGeom prst="rect">
+            <a:avLst/>
+          </a:prstGeom>
+        </p:spPr>
+        <p:txBody>
+          <a:bodyPr spcFirstLastPara="1" wrap="square" lIns="91425" tIns="91425" rIns="91425" bIns="91425" anchor="t" anchorCtr="0">
+            <a:noAutofit/>
+          </a:bodyPr>
+          <a:lstStyle/>
+          <a:p>
+            <a:pPr marL="0" lvl="0" indent="0" algn="ctr" rtl="0">
+              <a:spcBef>
+                <a:spcPts val="600"/>
+              </a:spcBef>
+              <a:spcAft>
+                <a:spcPts val="0"/>
+              </a:spcAft>
+              <a:buNone/>
+            </a:pPr>
+            <a:r>
+              <a:rPr lang="en" b="1" i="1" dirty="0">
+                <a:latin typeface="Playfair Display"/>
+                <a:ea typeface="Playfair Display"/>
+                <a:cs typeface="Playfair Display"/>
+                <a:sym typeface="Playfair Display"/>
+              </a:rPr>
+              <a:t>Different Levels</a:t>
+            </a:r>
+            <a:endParaRPr b="1" i="1" dirty="0">
+              <a:latin typeface="Playfair Display"/>
+              <a:ea typeface="Playfair Display"/>
+              <a:cs typeface="Playfair Display"/>
+              <a:sym typeface="Playfair Display"/>
+            </a:endParaRPr>
+          </a:p>
+          <a:p>
+            <a:pPr marL="0" lvl="0" indent="0" algn="ctr" rtl="0">
+              <a:spcBef>
+                <a:spcPts val="600"/>
+              </a:spcBef>
+              <a:spcAft>
+                <a:spcPts val="0"/>
+              </a:spcAft>
+              <a:buNone/>
+            </a:pPr>
+            <a:r>
+              <a:rPr lang="en" sz="1200" dirty="0"/>
+              <a:t>Easy, Normal, Expert versions with subsets of the rules</a:t>
+            </a:r>
+            <a:endParaRPr sz="1200" dirty="0"/>
+          </a:p>
+        </p:txBody>
+      </p:sp>
+      <p:sp>
+        <p:nvSpPr>
+          <p:cNvPr id="199" name="Google Shape;199;p29"/>
+          <p:cNvSpPr txBox="1">
+            <a:spLocks noGrp="1"/>
+          </p:cNvSpPr>
+          <p:nvPr>
+            <p:ph type="body" idx="2"/>
+          </p:nvPr>
+        </p:nvSpPr>
+        <p:spPr>
+          <a:xfrm>
+            <a:off x="3370050" y="1428750"/>
+            <a:ext cx="2403900" cy="1305000"/>
+          </a:xfrm>
+          <a:prstGeom prst="rect">
+            <a:avLst/>
+          </a:prstGeom>
+        </p:spPr>
+        <p:txBody>
+          <a:bodyPr spcFirstLastPara="1" wrap="square" lIns="91425" tIns="91425" rIns="91425" bIns="91425" anchor="t" anchorCtr="0">
+            <a:noAutofit/>
+          </a:bodyPr>
+          <a:lstStyle/>
+          <a:p>
+            <a:pPr marL="0" lvl="0" indent="0" algn="ctr" rtl="0">
+              <a:spcBef>
+                <a:spcPts val="600"/>
+              </a:spcBef>
+              <a:spcAft>
+                <a:spcPts val="0"/>
+              </a:spcAft>
+              <a:buNone/>
+            </a:pPr>
+            <a:r>
+              <a:rPr lang="en" b="1" i="1" dirty="0">
+                <a:latin typeface="Playfair Display"/>
+                <a:ea typeface="Playfair Display"/>
+                <a:cs typeface="Playfair Display"/>
+                <a:sym typeface="Playfair Display"/>
+              </a:rPr>
+              <a:t>New Scores</a:t>
+            </a:r>
+            <a:endParaRPr b="1" i="1" dirty="0">
+              <a:latin typeface="Playfair Display"/>
+              <a:ea typeface="Playfair Display"/>
+              <a:cs typeface="Playfair Display"/>
+              <a:sym typeface="Playfair Display"/>
+            </a:endParaRPr>
+          </a:p>
+          <a:p>
+            <a:pPr marL="0" lvl="0" indent="0" algn="ctr" rtl="0">
+              <a:spcBef>
+                <a:spcPts val="600"/>
+              </a:spcBef>
+              <a:spcAft>
+                <a:spcPts val="0"/>
+              </a:spcAft>
+              <a:buNone/>
+            </a:pPr>
+            <a:r>
+              <a:rPr lang="en" sz="1200" dirty="0"/>
+              <a:t>Add scoring for Straight and 3 of a kind. Maybe some others</a:t>
+            </a:r>
+            <a:endParaRPr sz="1200" dirty="0"/>
+          </a:p>
+        </p:txBody>
+      </p:sp>
+      <p:sp>
+        <p:nvSpPr>
+          <p:cNvPr id="200" name="Google Shape;200;p29"/>
+          <p:cNvSpPr txBox="1">
+            <a:spLocks noGrp="1"/>
+          </p:cNvSpPr>
+          <p:nvPr>
+            <p:ph type="body" idx="3"/>
+          </p:nvPr>
+        </p:nvSpPr>
+        <p:spPr>
+          <a:xfrm>
+            <a:off x="523079" y="1428750"/>
+            <a:ext cx="2403900" cy="1305000"/>
+          </a:xfrm>
+          <a:prstGeom prst="rect">
+            <a:avLst/>
+          </a:prstGeom>
+        </p:spPr>
+        <p:txBody>
+          <a:bodyPr spcFirstLastPara="1" wrap="square" lIns="91425" tIns="91425" rIns="91425" bIns="91425" anchor="t" anchorCtr="0">
+            <a:noAutofit/>
+          </a:bodyPr>
+          <a:lstStyle/>
+          <a:p>
+            <a:pPr marL="0" lvl="0" indent="0" algn="ctr" rtl="0">
+              <a:spcBef>
+                <a:spcPts val="600"/>
+              </a:spcBef>
+              <a:spcAft>
+                <a:spcPts val="0"/>
+              </a:spcAft>
+              <a:buNone/>
+            </a:pPr>
+            <a:r>
+              <a:rPr lang="en" b="1" i="1" dirty="0">
+                <a:latin typeface="Playfair Display"/>
+                <a:ea typeface="Playfair Display"/>
+                <a:cs typeface="Playfair Display"/>
+                <a:sym typeface="Playfair Display"/>
+              </a:rPr>
+              <a:t>Simpler</a:t>
+            </a:r>
+            <a:endParaRPr b="1" i="1" dirty="0">
+              <a:latin typeface="Playfair Display"/>
+              <a:ea typeface="Playfair Display"/>
+              <a:cs typeface="Playfair Display"/>
+              <a:sym typeface="Playfair Display"/>
+            </a:endParaRPr>
+          </a:p>
+          <a:p>
+            <a:pPr marL="0" lvl="0" indent="0" algn="ctr" rtl="0">
+              <a:spcBef>
+                <a:spcPts val="600"/>
+              </a:spcBef>
+              <a:spcAft>
+                <a:spcPts val="0"/>
+              </a:spcAft>
+              <a:buNone/>
+            </a:pPr>
+            <a:r>
+              <a:rPr lang="en-US" sz="1200" dirty="0"/>
+              <a:t>Maybe there are too many different options already</a:t>
+            </a:r>
+            <a:endParaRPr sz="1200" dirty="0"/>
+          </a:p>
+          <a:p>
+            <a:pPr marL="0" lvl="0" indent="0" algn="ctr" rtl="0">
+              <a:spcBef>
+                <a:spcPts val="600"/>
+              </a:spcBef>
+              <a:spcAft>
+                <a:spcPts val="0"/>
+              </a:spcAft>
+              <a:buNone/>
+            </a:pPr>
+            <a:endParaRPr sz="1200" dirty="0"/>
+          </a:p>
+        </p:txBody>
+      </p:sp>
+      <p:sp>
+        <p:nvSpPr>
+          <p:cNvPr id="234" name="Google Shape;234;p29"/>
+          <p:cNvSpPr txBox="1">
+            <a:spLocks noGrp="1"/>
+          </p:cNvSpPr>
+          <p:nvPr>
+            <p:ph type="sldNum" idx="12"/>
+          </p:nvPr>
+        </p:nvSpPr>
+        <p:spPr>
+          <a:xfrm>
+            <a:off x="4297650" y="4419838"/>
+            <a:ext cx="548700" cy="393600"/>
+          </a:xfrm>
+          <a:prstGeom prst="rect">
+            <a:avLst/>
+          </a:prstGeom>
+        </p:spPr>
+        <p:txBody>
+          <a:bodyPr spcFirstLastPara="1" wrap="square" lIns="91425" tIns="91425" rIns="91425" bIns="91425" anchor="b" anchorCtr="0">
+            <a:noAutofit/>
+          </a:bodyPr>
+          <a:lstStyle/>
+          <a:p>
+            <a:pPr marL="0" lvl="0" indent="0" algn="ctr" rtl="0">
+              <a:spcBef>
+                <a:spcPts val="0"/>
+              </a:spcBef>
+              <a:spcAft>
+                <a:spcPts val="0"/>
+              </a:spcAft>
+              <a:buNone/>
+            </a:pPr>
+            <a:fld id="{00000000-1234-1234-1234-123412341234}" type="slidenum">
+              <a:rPr lang="en"/>
+              <a:t>8</a:t>
+            </a:fld>
+            <a:endParaRPr/>
+          </a:p>
+        </p:txBody>
+      </p:sp>
+      <p:sp>
+        <p:nvSpPr>
+          <p:cNvPr id="70" name="Google Shape;342;p37">
+            <a:extLst>
+              <a:ext uri="{FF2B5EF4-FFF2-40B4-BE49-F238E27FC236}">
+                <a16:creationId xmlns:a16="http://schemas.microsoft.com/office/drawing/2014/main" id="{A6ABFBE3-C430-7C42-9EAB-B2C12E7399EB}"/>
+              </a:ext>
+            </a:extLst>
+          </p:cNvPr>
+          <p:cNvSpPr/>
+          <p:nvPr/>
+        </p:nvSpPr>
+        <p:spPr>
+          <a:xfrm>
+            <a:off x="1532082" y="1170330"/>
+            <a:ext cx="385895" cy="336746"/>
+          </a:xfrm>
+          <a:custGeom>
+            <a:avLst/>
+            <a:gdLst/>
+            <a:ahLst/>
+            <a:cxnLst/>
+            <a:rect l="l" t="t" r="r" b="b"/>
+            <a:pathLst>
+              <a:path w="18365" h="16026" fill="none" extrusionOk="0">
+                <a:moveTo>
+                  <a:pt x="9182" y="0"/>
+                </a:moveTo>
+                <a:lnTo>
+                  <a:pt x="0" y="8841"/>
+                </a:lnTo>
+                <a:lnTo>
+                  <a:pt x="2874" y="8841"/>
+                </a:lnTo>
+                <a:lnTo>
+                  <a:pt x="2874" y="15246"/>
+                </a:lnTo>
+                <a:lnTo>
+                  <a:pt x="2874" y="15246"/>
+                </a:lnTo>
+                <a:lnTo>
+                  <a:pt x="2899" y="15417"/>
+                </a:lnTo>
+                <a:lnTo>
+                  <a:pt x="2947" y="15563"/>
+                </a:lnTo>
+                <a:lnTo>
+                  <a:pt x="3020" y="15685"/>
+                </a:lnTo>
+                <a:lnTo>
+                  <a:pt x="3093" y="15806"/>
+                </a:lnTo>
+                <a:lnTo>
+                  <a:pt x="3215" y="15904"/>
+                </a:lnTo>
+                <a:lnTo>
+                  <a:pt x="3361" y="15977"/>
+                </a:lnTo>
+                <a:lnTo>
+                  <a:pt x="3508" y="16026"/>
+                </a:lnTo>
+                <a:lnTo>
+                  <a:pt x="3654" y="16026"/>
+                </a:lnTo>
+                <a:lnTo>
+                  <a:pt x="7404" y="16026"/>
+                </a:lnTo>
+                <a:lnTo>
+                  <a:pt x="7404" y="13420"/>
+                </a:lnTo>
+                <a:lnTo>
+                  <a:pt x="7404" y="13420"/>
+                </a:lnTo>
+                <a:lnTo>
+                  <a:pt x="7429" y="13127"/>
+                </a:lnTo>
+                <a:lnTo>
+                  <a:pt x="7526" y="12860"/>
+                </a:lnTo>
+                <a:lnTo>
+                  <a:pt x="7648" y="12616"/>
+                </a:lnTo>
+                <a:lnTo>
+                  <a:pt x="7818" y="12421"/>
+                </a:lnTo>
+                <a:lnTo>
+                  <a:pt x="8038" y="12251"/>
+                </a:lnTo>
+                <a:lnTo>
+                  <a:pt x="8257" y="12129"/>
+                </a:lnTo>
+                <a:lnTo>
+                  <a:pt x="8525" y="12031"/>
+                </a:lnTo>
+                <a:lnTo>
+                  <a:pt x="8817" y="12007"/>
+                </a:lnTo>
+                <a:lnTo>
+                  <a:pt x="9548" y="12007"/>
+                </a:lnTo>
+                <a:lnTo>
+                  <a:pt x="9548" y="12007"/>
+                </a:lnTo>
+                <a:lnTo>
+                  <a:pt x="9840" y="12031"/>
+                </a:lnTo>
+                <a:lnTo>
+                  <a:pt x="10108" y="12129"/>
+                </a:lnTo>
+                <a:lnTo>
+                  <a:pt x="10327" y="12251"/>
+                </a:lnTo>
+                <a:lnTo>
+                  <a:pt x="10546" y="12421"/>
+                </a:lnTo>
+                <a:lnTo>
+                  <a:pt x="10717" y="12616"/>
+                </a:lnTo>
+                <a:lnTo>
+                  <a:pt x="10838" y="12860"/>
+                </a:lnTo>
+                <a:lnTo>
+                  <a:pt x="10936" y="13127"/>
+                </a:lnTo>
+                <a:lnTo>
+                  <a:pt x="10960" y="13420"/>
+                </a:lnTo>
+                <a:lnTo>
+                  <a:pt x="10960" y="16026"/>
+                </a:lnTo>
+                <a:lnTo>
+                  <a:pt x="14711" y="16026"/>
+                </a:lnTo>
+                <a:lnTo>
+                  <a:pt x="14711" y="16026"/>
+                </a:lnTo>
+                <a:lnTo>
+                  <a:pt x="14857" y="16026"/>
+                </a:lnTo>
+                <a:lnTo>
+                  <a:pt x="15003" y="15977"/>
+                </a:lnTo>
+                <a:lnTo>
+                  <a:pt x="15149" y="15904"/>
+                </a:lnTo>
+                <a:lnTo>
+                  <a:pt x="15271" y="15806"/>
+                </a:lnTo>
+                <a:lnTo>
+                  <a:pt x="15344" y="15685"/>
+                </a:lnTo>
+                <a:lnTo>
+                  <a:pt x="15417" y="15563"/>
+                </a:lnTo>
+                <a:lnTo>
+                  <a:pt x="15466" y="15417"/>
+                </a:lnTo>
+                <a:lnTo>
+                  <a:pt x="15490" y="15246"/>
+                </a:lnTo>
+                <a:lnTo>
+                  <a:pt x="15490" y="8841"/>
+                </a:lnTo>
+                <a:lnTo>
+                  <a:pt x="18364" y="8841"/>
+                </a:lnTo>
+                <a:lnTo>
+                  <a:pt x="9182" y="0"/>
+                </a:lnTo>
+                <a:close/>
+              </a:path>
+            </a:pathLst>
+          </a:custGeom>
+          <a:noFill/>
+          <a:ln w="12175" cap="rnd" cmpd="sng">
+            <a:solidFill>
+              <a:schemeClr val="accent1"/>
+            </a:solidFill>
+            <a:prstDash val="solid"/>
+            <a:round/>
+            <a:headEnd type="none" w="sm" len="sm"/>
+            <a:tailEnd type="none" w="sm" len="sm"/>
+          </a:ln>
+        </p:spPr>
+        <p:txBody>
+          <a:bodyPr spcFirstLastPara="1" wrap="square" lIns="91425" tIns="91425" rIns="91425" bIns="91425" anchor="ctr" anchorCtr="0">
+            <a:noAutofit/>
+          </a:bodyPr>
+          <a:lstStyle/>
+          <a:p>
+            <a:pPr marL="0" lvl="0" indent="0" algn="l" rtl="0">
+              <a:spcBef>
+                <a:spcPts val="0"/>
+              </a:spcBef>
+              <a:spcAft>
+                <a:spcPts val="0"/>
+              </a:spcAft>
+              <a:buNone/>
+            </a:pPr>
+            <a:endParaRPr/>
+          </a:p>
+        </p:txBody>
+      </p:sp>
+      <p:grpSp>
+        <p:nvGrpSpPr>
+          <p:cNvPr id="71" name="Google Shape;403;p37">
+            <a:extLst>
+              <a:ext uri="{FF2B5EF4-FFF2-40B4-BE49-F238E27FC236}">
+                <a16:creationId xmlns:a16="http://schemas.microsoft.com/office/drawing/2014/main" id="{2EB3CF2E-92DB-5E47-B1A1-ED2DC86607ED}"/>
+              </a:ext>
+            </a:extLst>
+          </p:cNvPr>
+          <p:cNvGrpSpPr/>
+          <p:nvPr/>
+        </p:nvGrpSpPr>
+        <p:grpSpPr>
+          <a:xfrm>
+            <a:off x="4392364" y="1150358"/>
+            <a:ext cx="359272" cy="376691"/>
+            <a:chOff x="5961125" y="1623900"/>
+            <a:chExt cx="427450" cy="448175"/>
+          </a:xfrm>
+        </p:grpSpPr>
+        <p:sp>
+          <p:nvSpPr>
+            <p:cNvPr id="72" name="Google Shape;404;p37">
+              <a:extLst>
+                <a:ext uri="{FF2B5EF4-FFF2-40B4-BE49-F238E27FC236}">
+                  <a16:creationId xmlns:a16="http://schemas.microsoft.com/office/drawing/2014/main" id="{1ED6400B-F753-4545-8D44-2EB8837DC5E1}"/>
+                </a:ext>
+              </a:extLst>
+            </p:cNvPr>
+            <p:cNvSpPr/>
+            <p:nvPr/>
+          </p:nvSpPr>
+          <p:spPr>
+            <a:xfrm>
+              <a:off x="5961125" y="1678700"/>
+              <a:ext cx="376925" cy="376925"/>
+            </a:xfrm>
+            <a:custGeom>
+              <a:avLst/>
+              <a:gdLst/>
+              <a:ahLst/>
+              <a:cxnLst/>
+              <a:rect l="l" t="t" r="r" b="b"/>
+              <a:pathLst>
+                <a:path w="15077" h="15077" fill="none" extrusionOk="0">
+                  <a:moveTo>
+                    <a:pt x="11813" y="1340"/>
+                  </a:moveTo>
+                  <a:lnTo>
+                    <a:pt x="11813" y="1340"/>
+                  </a:lnTo>
+                  <a:lnTo>
+                    <a:pt x="11350" y="1024"/>
+                  </a:lnTo>
+                  <a:lnTo>
+                    <a:pt x="10863" y="780"/>
+                  </a:lnTo>
+                  <a:lnTo>
+                    <a:pt x="10351" y="537"/>
+                  </a:lnTo>
+                  <a:lnTo>
+                    <a:pt x="9816" y="342"/>
+                  </a:lnTo>
+                  <a:lnTo>
+                    <a:pt x="9280" y="196"/>
+                  </a:lnTo>
+                  <a:lnTo>
+                    <a:pt x="8720" y="98"/>
+                  </a:lnTo>
+                  <a:lnTo>
+                    <a:pt x="8135" y="25"/>
+                  </a:lnTo>
+                  <a:lnTo>
+                    <a:pt x="7551" y="1"/>
+                  </a:lnTo>
+                  <a:lnTo>
+                    <a:pt x="7551" y="1"/>
+                  </a:lnTo>
+                  <a:lnTo>
+                    <a:pt x="7161" y="1"/>
+                  </a:lnTo>
+                  <a:lnTo>
+                    <a:pt x="6771" y="50"/>
+                  </a:lnTo>
+                  <a:lnTo>
+                    <a:pt x="6406" y="98"/>
+                  </a:lnTo>
+                  <a:lnTo>
+                    <a:pt x="6041" y="147"/>
+                  </a:lnTo>
+                  <a:lnTo>
+                    <a:pt x="5675" y="244"/>
+                  </a:lnTo>
+                  <a:lnTo>
+                    <a:pt x="5310" y="342"/>
+                  </a:lnTo>
+                  <a:lnTo>
+                    <a:pt x="4969" y="464"/>
+                  </a:lnTo>
+                  <a:lnTo>
+                    <a:pt x="4628" y="585"/>
+                  </a:lnTo>
+                  <a:lnTo>
+                    <a:pt x="4287" y="731"/>
+                  </a:lnTo>
+                  <a:lnTo>
+                    <a:pt x="3970" y="902"/>
+                  </a:lnTo>
+                  <a:lnTo>
+                    <a:pt x="3654" y="1097"/>
+                  </a:lnTo>
+                  <a:lnTo>
+                    <a:pt x="3337" y="1292"/>
+                  </a:lnTo>
+                  <a:lnTo>
+                    <a:pt x="3045" y="1486"/>
+                  </a:lnTo>
+                  <a:lnTo>
+                    <a:pt x="2753" y="1730"/>
+                  </a:lnTo>
+                  <a:lnTo>
+                    <a:pt x="2485" y="1949"/>
+                  </a:lnTo>
+                  <a:lnTo>
+                    <a:pt x="2217" y="2217"/>
+                  </a:lnTo>
+                  <a:lnTo>
+                    <a:pt x="1973" y="2461"/>
+                  </a:lnTo>
+                  <a:lnTo>
+                    <a:pt x="1730" y="2753"/>
+                  </a:lnTo>
+                  <a:lnTo>
+                    <a:pt x="1510" y="3021"/>
+                  </a:lnTo>
+                  <a:lnTo>
+                    <a:pt x="1291" y="3313"/>
+                  </a:lnTo>
+                  <a:lnTo>
+                    <a:pt x="1096" y="3630"/>
+                  </a:lnTo>
+                  <a:lnTo>
+                    <a:pt x="926" y="3946"/>
+                  </a:lnTo>
+                  <a:lnTo>
+                    <a:pt x="755" y="4263"/>
+                  </a:lnTo>
+                  <a:lnTo>
+                    <a:pt x="609" y="4604"/>
+                  </a:lnTo>
+                  <a:lnTo>
+                    <a:pt x="463" y="4945"/>
+                  </a:lnTo>
+                  <a:lnTo>
+                    <a:pt x="341" y="5286"/>
+                  </a:lnTo>
+                  <a:lnTo>
+                    <a:pt x="244" y="5651"/>
+                  </a:lnTo>
+                  <a:lnTo>
+                    <a:pt x="171" y="6016"/>
+                  </a:lnTo>
+                  <a:lnTo>
+                    <a:pt x="98" y="6382"/>
+                  </a:lnTo>
+                  <a:lnTo>
+                    <a:pt x="49" y="6771"/>
+                  </a:lnTo>
+                  <a:lnTo>
+                    <a:pt x="25" y="7137"/>
+                  </a:lnTo>
+                  <a:lnTo>
+                    <a:pt x="0" y="7526"/>
+                  </a:lnTo>
+                  <a:lnTo>
+                    <a:pt x="0" y="7526"/>
+                  </a:lnTo>
+                  <a:lnTo>
+                    <a:pt x="25" y="7916"/>
+                  </a:lnTo>
+                  <a:lnTo>
+                    <a:pt x="49" y="8306"/>
+                  </a:lnTo>
+                  <a:lnTo>
+                    <a:pt x="98" y="8671"/>
+                  </a:lnTo>
+                  <a:lnTo>
+                    <a:pt x="171" y="9061"/>
+                  </a:lnTo>
+                  <a:lnTo>
+                    <a:pt x="244" y="9426"/>
+                  </a:lnTo>
+                  <a:lnTo>
+                    <a:pt x="341" y="9767"/>
+                  </a:lnTo>
+                  <a:lnTo>
+                    <a:pt x="463" y="10132"/>
+                  </a:lnTo>
+                  <a:lnTo>
+                    <a:pt x="609" y="10473"/>
+                  </a:lnTo>
+                  <a:lnTo>
+                    <a:pt x="755" y="10790"/>
+                  </a:lnTo>
+                  <a:lnTo>
+                    <a:pt x="926" y="11131"/>
+                  </a:lnTo>
+                  <a:lnTo>
+                    <a:pt x="1096" y="11448"/>
+                  </a:lnTo>
+                  <a:lnTo>
+                    <a:pt x="1291" y="11740"/>
+                  </a:lnTo>
+                  <a:lnTo>
+                    <a:pt x="1510" y="12032"/>
+                  </a:lnTo>
+                  <a:lnTo>
+                    <a:pt x="1730" y="12324"/>
+                  </a:lnTo>
+                  <a:lnTo>
+                    <a:pt x="1973" y="12592"/>
+                  </a:lnTo>
+                  <a:lnTo>
+                    <a:pt x="2217" y="12860"/>
+                  </a:lnTo>
+                  <a:lnTo>
+                    <a:pt x="2485" y="13104"/>
+                  </a:lnTo>
+                  <a:lnTo>
+                    <a:pt x="2753" y="13347"/>
+                  </a:lnTo>
+                  <a:lnTo>
+                    <a:pt x="3045" y="13567"/>
+                  </a:lnTo>
+                  <a:lnTo>
+                    <a:pt x="3337" y="13786"/>
+                  </a:lnTo>
+                  <a:lnTo>
+                    <a:pt x="3654" y="13981"/>
+                  </a:lnTo>
+                  <a:lnTo>
+                    <a:pt x="3970" y="14151"/>
+                  </a:lnTo>
+                  <a:lnTo>
+                    <a:pt x="4287" y="14322"/>
+                  </a:lnTo>
+                  <a:lnTo>
+                    <a:pt x="4628" y="14468"/>
+                  </a:lnTo>
+                  <a:lnTo>
+                    <a:pt x="4969" y="14614"/>
+                  </a:lnTo>
+                  <a:lnTo>
+                    <a:pt x="5310" y="14736"/>
+                  </a:lnTo>
+                  <a:lnTo>
+                    <a:pt x="5675" y="14833"/>
+                  </a:lnTo>
+                  <a:lnTo>
+                    <a:pt x="6041" y="14906"/>
+                  </a:lnTo>
+                  <a:lnTo>
+                    <a:pt x="6406" y="14979"/>
+                  </a:lnTo>
+                  <a:lnTo>
+                    <a:pt x="6771" y="15028"/>
+                  </a:lnTo>
+                  <a:lnTo>
+                    <a:pt x="7161" y="15052"/>
+                  </a:lnTo>
+                  <a:lnTo>
+                    <a:pt x="7551" y="15077"/>
+                  </a:lnTo>
+                  <a:lnTo>
+                    <a:pt x="7551" y="15077"/>
+                  </a:lnTo>
+                  <a:lnTo>
+                    <a:pt x="7940" y="15052"/>
+                  </a:lnTo>
+                  <a:lnTo>
+                    <a:pt x="8306" y="15028"/>
+                  </a:lnTo>
+                  <a:lnTo>
+                    <a:pt x="8695" y="14979"/>
+                  </a:lnTo>
+                  <a:lnTo>
+                    <a:pt x="9061" y="14906"/>
+                  </a:lnTo>
+                  <a:lnTo>
+                    <a:pt x="9426" y="14833"/>
+                  </a:lnTo>
+                  <a:lnTo>
+                    <a:pt x="9791" y="14736"/>
+                  </a:lnTo>
+                  <a:lnTo>
+                    <a:pt x="10132" y="14614"/>
+                  </a:lnTo>
+                  <a:lnTo>
+                    <a:pt x="10473" y="14468"/>
+                  </a:lnTo>
+                  <a:lnTo>
+                    <a:pt x="10814" y="14322"/>
+                  </a:lnTo>
+                  <a:lnTo>
+                    <a:pt x="11131" y="14151"/>
+                  </a:lnTo>
+                  <a:lnTo>
+                    <a:pt x="11447" y="13981"/>
+                  </a:lnTo>
+                  <a:lnTo>
+                    <a:pt x="11764" y="13786"/>
+                  </a:lnTo>
+                  <a:lnTo>
+                    <a:pt x="12056" y="13567"/>
+                  </a:lnTo>
+                  <a:lnTo>
+                    <a:pt x="12348" y="13347"/>
+                  </a:lnTo>
+                  <a:lnTo>
+                    <a:pt x="12616" y="13104"/>
+                  </a:lnTo>
+                  <a:lnTo>
+                    <a:pt x="12884" y="12860"/>
+                  </a:lnTo>
+                  <a:lnTo>
+                    <a:pt x="13128" y="12592"/>
+                  </a:lnTo>
+                  <a:lnTo>
+                    <a:pt x="13371" y="12324"/>
+                  </a:lnTo>
+                  <a:lnTo>
+                    <a:pt x="13591" y="12032"/>
+                  </a:lnTo>
+                  <a:lnTo>
+                    <a:pt x="13785" y="11740"/>
+                  </a:lnTo>
+                  <a:lnTo>
+                    <a:pt x="13980" y="11448"/>
+                  </a:lnTo>
+                  <a:lnTo>
+                    <a:pt x="14175" y="11131"/>
+                  </a:lnTo>
+                  <a:lnTo>
+                    <a:pt x="14346" y="10790"/>
+                  </a:lnTo>
+                  <a:lnTo>
+                    <a:pt x="14492" y="10473"/>
+                  </a:lnTo>
+                  <a:lnTo>
+                    <a:pt x="14613" y="10132"/>
+                  </a:lnTo>
+                  <a:lnTo>
+                    <a:pt x="14735" y="9767"/>
+                  </a:lnTo>
+                  <a:lnTo>
+                    <a:pt x="14857" y="9426"/>
+                  </a:lnTo>
+                  <a:lnTo>
+                    <a:pt x="14930" y="9061"/>
+                  </a:lnTo>
+                  <a:lnTo>
+                    <a:pt x="15003" y="8671"/>
+                  </a:lnTo>
+                  <a:lnTo>
+                    <a:pt x="15052" y="8306"/>
+                  </a:lnTo>
+                  <a:lnTo>
+                    <a:pt x="15076" y="7916"/>
+                  </a:lnTo>
+                  <a:lnTo>
+                    <a:pt x="15076" y="7526"/>
+                  </a:lnTo>
+                  <a:lnTo>
+                    <a:pt x="15076" y="7526"/>
+                  </a:lnTo>
+                  <a:lnTo>
+                    <a:pt x="15052" y="6918"/>
+                  </a:lnTo>
+                  <a:lnTo>
+                    <a:pt x="14979" y="6309"/>
+                  </a:lnTo>
+                  <a:lnTo>
+                    <a:pt x="14857" y="5724"/>
+                  </a:lnTo>
+                  <a:lnTo>
+                    <a:pt x="14687" y="5164"/>
+                  </a:lnTo>
+                  <a:lnTo>
+                    <a:pt x="14492" y="4604"/>
+                  </a:lnTo>
+                  <a:lnTo>
+                    <a:pt x="14248" y="4068"/>
+                  </a:lnTo>
+                  <a:lnTo>
+                    <a:pt x="13956" y="3581"/>
+                  </a:lnTo>
+                  <a:lnTo>
+                    <a:pt x="13615" y="3094"/>
+                  </a:lnTo>
+                </a:path>
+              </a:pathLst>
+            </a:custGeom>
+            <a:noFill/>
+            <a:ln w="12175" cap="rnd" cmpd="sng">
+              <a:solidFill>
+                <a:schemeClr val="accent1"/>
+              </a:solidFill>
+              <a:prstDash val="solid"/>
+              <a:round/>
+              <a:headEnd type="none" w="sm" len="sm"/>
+              <a:tailEnd type="none" w="sm" len="sm"/>
+            </a:ln>
+          </p:spPr>
+          <p:txBody>
+            <a:bodyPr spcFirstLastPara="1" wrap="square" lIns="91425" tIns="91425" rIns="91425" bIns="91425" anchor="ctr" anchorCtr="0">
+              <a:noAutofit/>
+            </a:bodyPr>
+            <a:lstStyle/>
+            <a:p>
+              <a:pPr marL="0" lvl="0" indent="0" algn="l" rtl="0">
+                <a:spcBef>
+                  <a:spcPts val="0"/>
+                </a:spcBef>
+                <a:spcAft>
+                  <a:spcPts val="0"/>
+                </a:spcAft>
+                <a:buNone/>
+              </a:pPr>
+              <a:endParaRPr/>
+            </a:p>
+          </p:txBody>
+        </p:sp>
+        <p:sp>
+          <p:nvSpPr>
+            <p:cNvPr id="73" name="Google Shape;405;p37">
+              <a:extLst>
+                <a:ext uri="{FF2B5EF4-FFF2-40B4-BE49-F238E27FC236}">
+                  <a16:creationId xmlns:a16="http://schemas.microsoft.com/office/drawing/2014/main" id="{C03C2C84-8381-2E4C-A48E-790C274E26BD}"/>
+                </a:ext>
+              </a:extLst>
+            </p:cNvPr>
+            <p:cNvSpPr/>
+            <p:nvPr/>
+          </p:nvSpPr>
+          <p:spPr>
+            <a:xfrm>
+              <a:off x="6009825" y="1727425"/>
+              <a:ext cx="279500" cy="279500"/>
+            </a:xfrm>
+            <a:custGeom>
+              <a:avLst/>
+              <a:gdLst/>
+              <a:ahLst/>
+              <a:cxnLst/>
+              <a:rect l="l" t="t" r="r" b="b"/>
+              <a:pathLst>
+                <a:path w="11180" h="11180" fill="none" extrusionOk="0">
+                  <a:moveTo>
+                    <a:pt x="10181" y="2387"/>
+                  </a:moveTo>
+                  <a:lnTo>
+                    <a:pt x="10181" y="2387"/>
+                  </a:lnTo>
+                  <a:lnTo>
+                    <a:pt x="10400" y="2728"/>
+                  </a:lnTo>
+                  <a:lnTo>
+                    <a:pt x="10595" y="3093"/>
+                  </a:lnTo>
+                  <a:lnTo>
+                    <a:pt x="10766" y="3483"/>
+                  </a:lnTo>
+                  <a:lnTo>
+                    <a:pt x="10912" y="3873"/>
+                  </a:lnTo>
+                  <a:lnTo>
+                    <a:pt x="11034" y="4287"/>
+                  </a:lnTo>
+                  <a:lnTo>
+                    <a:pt x="11107" y="4701"/>
+                  </a:lnTo>
+                  <a:lnTo>
+                    <a:pt x="11180" y="5139"/>
+                  </a:lnTo>
+                  <a:lnTo>
+                    <a:pt x="11180" y="5577"/>
+                  </a:lnTo>
+                  <a:lnTo>
+                    <a:pt x="11180" y="5577"/>
+                  </a:lnTo>
+                  <a:lnTo>
+                    <a:pt x="11155" y="6162"/>
+                  </a:lnTo>
+                  <a:lnTo>
+                    <a:pt x="11082" y="6722"/>
+                  </a:lnTo>
+                  <a:lnTo>
+                    <a:pt x="10936" y="7234"/>
+                  </a:lnTo>
+                  <a:lnTo>
+                    <a:pt x="10741" y="7769"/>
+                  </a:lnTo>
+                  <a:lnTo>
+                    <a:pt x="10522" y="8257"/>
+                  </a:lnTo>
+                  <a:lnTo>
+                    <a:pt x="10230" y="8695"/>
+                  </a:lnTo>
+                  <a:lnTo>
+                    <a:pt x="9913" y="9133"/>
+                  </a:lnTo>
+                  <a:lnTo>
+                    <a:pt x="9548" y="9523"/>
+                  </a:lnTo>
+                  <a:lnTo>
+                    <a:pt x="9158" y="9888"/>
+                  </a:lnTo>
+                  <a:lnTo>
+                    <a:pt x="8720" y="10205"/>
+                  </a:lnTo>
+                  <a:lnTo>
+                    <a:pt x="8257" y="10497"/>
+                  </a:lnTo>
+                  <a:lnTo>
+                    <a:pt x="7770" y="10741"/>
+                  </a:lnTo>
+                  <a:lnTo>
+                    <a:pt x="7259" y="10911"/>
+                  </a:lnTo>
+                  <a:lnTo>
+                    <a:pt x="6723" y="11057"/>
+                  </a:lnTo>
+                  <a:lnTo>
+                    <a:pt x="6163" y="11155"/>
+                  </a:lnTo>
+                  <a:lnTo>
+                    <a:pt x="5603" y="11179"/>
+                  </a:lnTo>
+                  <a:lnTo>
+                    <a:pt x="5603" y="11179"/>
+                  </a:lnTo>
+                  <a:lnTo>
+                    <a:pt x="5018" y="11155"/>
+                  </a:lnTo>
+                  <a:lnTo>
+                    <a:pt x="4482" y="11057"/>
+                  </a:lnTo>
+                  <a:lnTo>
+                    <a:pt x="3946" y="10911"/>
+                  </a:lnTo>
+                  <a:lnTo>
+                    <a:pt x="3435" y="10741"/>
+                  </a:lnTo>
+                  <a:lnTo>
+                    <a:pt x="2948" y="10497"/>
+                  </a:lnTo>
+                  <a:lnTo>
+                    <a:pt x="2485" y="10205"/>
+                  </a:lnTo>
+                  <a:lnTo>
+                    <a:pt x="2047" y="9888"/>
+                  </a:lnTo>
+                  <a:lnTo>
+                    <a:pt x="1657" y="9523"/>
+                  </a:lnTo>
+                  <a:lnTo>
+                    <a:pt x="1292" y="9133"/>
+                  </a:lnTo>
+                  <a:lnTo>
+                    <a:pt x="975" y="8695"/>
+                  </a:lnTo>
+                  <a:lnTo>
+                    <a:pt x="683" y="8257"/>
+                  </a:lnTo>
+                  <a:lnTo>
+                    <a:pt x="464" y="7769"/>
+                  </a:lnTo>
+                  <a:lnTo>
+                    <a:pt x="269" y="7234"/>
+                  </a:lnTo>
+                  <a:lnTo>
+                    <a:pt x="123" y="6722"/>
+                  </a:lnTo>
+                  <a:lnTo>
+                    <a:pt x="50" y="6162"/>
+                  </a:lnTo>
+                  <a:lnTo>
+                    <a:pt x="1" y="5577"/>
+                  </a:lnTo>
+                  <a:lnTo>
+                    <a:pt x="1" y="5577"/>
+                  </a:lnTo>
+                  <a:lnTo>
+                    <a:pt x="50" y="5017"/>
+                  </a:lnTo>
+                  <a:lnTo>
+                    <a:pt x="123" y="4457"/>
+                  </a:lnTo>
+                  <a:lnTo>
+                    <a:pt x="269" y="3921"/>
+                  </a:lnTo>
+                  <a:lnTo>
+                    <a:pt x="464" y="3410"/>
+                  </a:lnTo>
+                  <a:lnTo>
+                    <a:pt x="683" y="2923"/>
+                  </a:lnTo>
+                  <a:lnTo>
+                    <a:pt x="975" y="2460"/>
+                  </a:lnTo>
+                  <a:lnTo>
+                    <a:pt x="1292" y="2046"/>
+                  </a:lnTo>
+                  <a:lnTo>
+                    <a:pt x="1657" y="1632"/>
+                  </a:lnTo>
+                  <a:lnTo>
+                    <a:pt x="2047" y="1267"/>
+                  </a:lnTo>
+                  <a:lnTo>
+                    <a:pt x="2485" y="950"/>
+                  </a:lnTo>
+                  <a:lnTo>
+                    <a:pt x="2948" y="682"/>
+                  </a:lnTo>
+                  <a:lnTo>
+                    <a:pt x="3435" y="439"/>
+                  </a:lnTo>
+                  <a:lnTo>
+                    <a:pt x="3946" y="244"/>
+                  </a:lnTo>
+                  <a:lnTo>
+                    <a:pt x="4482" y="122"/>
+                  </a:lnTo>
+                  <a:lnTo>
+                    <a:pt x="5018" y="25"/>
+                  </a:lnTo>
+                  <a:lnTo>
+                    <a:pt x="5603" y="0"/>
+                  </a:lnTo>
+                  <a:lnTo>
+                    <a:pt x="5603" y="0"/>
+                  </a:lnTo>
+                  <a:lnTo>
+                    <a:pt x="6041" y="25"/>
+                  </a:lnTo>
+                  <a:lnTo>
+                    <a:pt x="6479" y="73"/>
+                  </a:lnTo>
+                  <a:lnTo>
+                    <a:pt x="6893" y="146"/>
+                  </a:lnTo>
+                  <a:lnTo>
+                    <a:pt x="7307" y="268"/>
+                  </a:lnTo>
+                  <a:lnTo>
+                    <a:pt x="7697" y="414"/>
+                  </a:lnTo>
+                  <a:lnTo>
+                    <a:pt x="8087" y="585"/>
+                  </a:lnTo>
+                  <a:lnTo>
+                    <a:pt x="8452" y="780"/>
+                  </a:lnTo>
+                  <a:lnTo>
+                    <a:pt x="8793" y="999"/>
+                  </a:lnTo>
+                </a:path>
+              </a:pathLst>
+            </a:custGeom>
+            <a:noFill/>
+            <a:ln w="12175" cap="rnd" cmpd="sng">
+              <a:solidFill>
+                <a:schemeClr val="accent1"/>
+              </a:solidFill>
+              <a:prstDash val="solid"/>
+              <a:round/>
+              <a:headEnd type="none" w="sm" len="sm"/>
+              <a:tailEnd type="none" w="sm" len="sm"/>
+            </a:ln>
+          </p:spPr>
+          <p:txBody>
+            <a:bodyPr spcFirstLastPara="1" wrap="square" lIns="91425" tIns="91425" rIns="91425" bIns="91425" anchor="ctr" anchorCtr="0">
+              <a:noAutofit/>
+            </a:bodyPr>
+            <a:lstStyle/>
+            <a:p>
+              <a:pPr marL="0" lvl="0" indent="0" algn="l" rtl="0">
+                <a:spcBef>
+                  <a:spcPts val="0"/>
+                </a:spcBef>
+                <a:spcAft>
+                  <a:spcPts val="0"/>
+                </a:spcAft>
+                <a:buNone/>
+              </a:pPr>
+              <a:endParaRPr/>
+            </a:p>
+          </p:txBody>
+        </p:sp>
+        <p:sp>
+          <p:nvSpPr>
+            <p:cNvPr id="74" name="Google Shape;406;p37">
+              <a:extLst>
+                <a:ext uri="{FF2B5EF4-FFF2-40B4-BE49-F238E27FC236}">
+                  <a16:creationId xmlns:a16="http://schemas.microsoft.com/office/drawing/2014/main" id="{6010E914-01D9-6842-896E-E91068733609}"/>
+                </a:ext>
+              </a:extLst>
+            </p:cNvPr>
+            <p:cNvSpPr/>
+            <p:nvPr/>
+          </p:nvSpPr>
+          <p:spPr>
+            <a:xfrm>
+              <a:off x="6107250" y="1824850"/>
+              <a:ext cx="84650" cy="84650"/>
+            </a:xfrm>
+            <a:custGeom>
+              <a:avLst/>
+              <a:gdLst/>
+              <a:ahLst/>
+              <a:cxnLst/>
+              <a:rect l="l" t="t" r="r" b="b"/>
+              <a:pathLst>
+                <a:path w="3386" h="3386" fill="none" extrusionOk="0">
+                  <a:moveTo>
+                    <a:pt x="3362" y="1388"/>
+                  </a:moveTo>
+                  <a:lnTo>
+                    <a:pt x="3362" y="1388"/>
+                  </a:lnTo>
+                  <a:lnTo>
+                    <a:pt x="3386" y="1680"/>
+                  </a:lnTo>
+                  <a:lnTo>
+                    <a:pt x="3386" y="1680"/>
+                  </a:lnTo>
+                  <a:lnTo>
+                    <a:pt x="3386" y="1851"/>
+                  </a:lnTo>
+                  <a:lnTo>
+                    <a:pt x="3362" y="2021"/>
+                  </a:lnTo>
+                  <a:lnTo>
+                    <a:pt x="3313" y="2192"/>
+                  </a:lnTo>
+                  <a:lnTo>
+                    <a:pt x="3264" y="2338"/>
+                  </a:lnTo>
+                  <a:lnTo>
+                    <a:pt x="3191" y="2484"/>
+                  </a:lnTo>
+                  <a:lnTo>
+                    <a:pt x="3118" y="2630"/>
+                  </a:lnTo>
+                  <a:lnTo>
+                    <a:pt x="3021" y="2776"/>
+                  </a:lnTo>
+                  <a:lnTo>
+                    <a:pt x="2899" y="2898"/>
+                  </a:lnTo>
+                  <a:lnTo>
+                    <a:pt x="2777" y="2996"/>
+                  </a:lnTo>
+                  <a:lnTo>
+                    <a:pt x="2655" y="3093"/>
+                  </a:lnTo>
+                  <a:lnTo>
+                    <a:pt x="2509" y="3191"/>
+                  </a:lnTo>
+                  <a:lnTo>
+                    <a:pt x="2363" y="3239"/>
+                  </a:lnTo>
+                  <a:lnTo>
+                    <a:pt x="2217" y="3312"/>
+                  </a:lnTo>
+                  <a:lnTo>
+                    <a:pt x="2046" y="3337"/>
+                  </a:lnTo>
+                  <a:lnTo>
+                    <a:pt x="1876" y="3385"/>
+                  </a:lnTo>
+                  <a:lnTo>
+                    <a:pt x="1706" y="3385"/>
+                  </a:lnTo>
+                  <a:lnTo>
+                    <a:pt x="1706" y="3385"/>
+                  </a:lnTo>
+                  <a:lnTo>
+                    <a:pt x="1535" y="3385"/>
+                  </a:lnTo>
+                  <a:lnTo>
+                    <a:pt x="1365" y="3337"/>
+                  </a:lnTo>
+                  <a:lnTo>
+                    <a:pt x="1194" y="3312"/>
+                  </a:lnTo>
+                  <a:lnTo>
+                    <a:pt x="1048" y="3239"/>
+                  </a:lnTo>
+                  <a:lnTo>
+                    <a:pt x="902" y="3191"/>
+                  </a:lnTo>
+                  <a:lnTo>
+                    <a:pt x="756" y="3093"/>
+                  </a:lnTo>
+                  <a:lnTo>
+                    <a:pt x="634" y="2996"/>
+                  </a:lnTo>
+                  <a:lnTo>
+                    <a:pt x="512" y="2898"/>
+                  </a:lnTo>
+                  <a:lnTo>
+                    <a:pt x="390" y="2776"/>
+                  </a:lnTo>
+                  <a:lnTo>
+                    <a:pt x="293" y="2630"/>
+                  </a:lnTo>
+                  <a:lnTo>
+                    <a:pt x="220" y="2484"/>
+                  </a:lnTo>
+                  <a:lnTo>
+                    <a:pt x="147" y="2338"/>
+                  </a:lnTo>
+                  <a:lnTo>
+                    <a:pt x="74" y="2192"/>
+                  </a:lnTo>
+                  <a:lnTo>
+                    <a:pt x="49" y="2021"/>
+                  </a:lnTo>
+                  <a:lnTo>
+                    <a:pt x="25" y="1851"/>
+                  </a:lnTo>
+                  <a:lnTo>
+                    <a:pt x="1" y="1680"/>
+                  </a:lnTo>
+                  <a:lnTo>
+                    <a:pt x="1" y="1680"/>
+                  </a:lnTo>
+                  <a:lnTo>
+                    <a:pt x="25" y="1510"/>
+                  </a:lnTo>
+                  <a:lnTo>
+                    <a:pt x="49" y="1340"/>
+                  </a:lnTo>
+                  <a:lnTo>
+                    <a:pt x="74" y="1193"/>
+                  </a:lnTo>
+                  <a:lnTo>
+                    <a:pt x="147" y="1023"/>
+                  </a:lnTo>
+                  <a:lnTo>
+                    <a:pt x="220" y="877"/>
+                  </a:lnTo>
+                  <a:lnTo>
+                    <a:pt x="293" y="731"/>
+                  </a:lnTo>
+                  <a:lnTo>
+                    <a:pt x="390" y="609"/>
+                  </a:lnTo>
+                  <a:lnTo>
+                    <a:pt x="512" y="487"/>
+                  </a:lnTo>
+                  <a:lnTo>
+                    <a:pt x="634" y="390"/>
+                  </a:lnTo>
+                  <a:lnTo>
+                    <a:pt x="756" y="292"/>
+                  </a:lnTo>
+                  <a:lnTo>
+                    <a:pt x="902" y="195"/>
+                  </a:lnTo>
+                  <a:lnTo>
+                    <a:pt x="1048" y="122"/>
+                  </a:lnTo>
+                  <a:lnTo>
+                    <a:pt x="1194" y="73"/>
+                  </a:lnTo>
+                  <a:lnTo>
+                    <a:pt x="1365" y="24"/>
+                  </a:lnTo>
+                  <a:lnTo>
+                    <a:pt x="1535" y="0"/>
+                  </a:lnTo>
+                  <a:lnTo>
+                    <a:pt x="1706" y="0"/>
+                  </a:lnTo>
+                  <a:lnTo>
+                    <a:pt x="1706" y="0"/>
+                  </a:lnTo>
+                  <a:lnTo>
+                    <a:pt x="1998" y="24"/>
+                  </a:lnTo>
+                </a:path>
+              </a:pathLst>
+            </a:custGeom>
+            <a:noFill/>
+            <a:ln w="12175" cap="rnd" cmpd="sng">
+              <a:solidFill>
+                <a:schemeClr val="accent1"/>
+              </a:solidFill>
+              <a:prstDash val="solid"/>
+              <a:round/>
+              <a:headEnd type="none" w="sm" len="sm"/>
+              <a:tailEnd type="none" w="sm" len="sm"/>
+            </a:ln>
+          </p:spPr>
+          <p:txBody>
+            <a:bodyPr spcFirstLastPara="1" wrap="square" lIns="91425" tIns="91425" rIns="91425" bIns="91425" anchor="ctr" anchorCtr="0">
+              <a:noAutofit/>
+            </a:bodyPr>
+            <a:lstStyle/>
+            <a:p>
+              <a:pPr marL="0" lvl="0" indent="0" algn="l" rtl="0">
+                <a:spcBef>
+                  <a:spcPts val="0"/>
+                </a:spcBef>
+                <a:spcAft>
+                  <a:spcPts val="0"/>
+                </a:spcAft>
+                <a:buNone/>
+              </a:pPr>
+              <a:endParaRPr/>
+            </a:p>
+          </p:txBody>
+        </p:sp>
+        <p:sp>
+          <p:nvSpPr>
+            <p:cNvPr id="75" name="Google Shape;407;p37">
+              <a:extLst>
+                <a:ext uri="{FF2B5EF4-FFF2-40B4-BE49-F238E27FC236}">
+                  <a16:creationId xmlns:a16="http://schemas.microsoft.com/office/drawing/2014/main" id="{31F6AB8B-C3AA-8F47-A4D4-20BBC81B0240}"/>
+                </a:ext>
+              </a:extLst>
+            </p:cNvPr>
+            <p:cNvSpPr/>
+            <p:nvPr/>
+          </p:nvSpPr>
+          <p:spPr>
+            <a:xfrm>
+              <a:off x="6058550" y="1776125"/>
+              <a:ext cx="182075" cy="182075"/>
+            </a:xfrm>
+            <a:custGeom>
+              <a:avLst/>
+              <a:gdLst/>
+              <a:ahLst/>
+              <a:cxnLst/>
+              <a:rect l="l" t="t" r="r" b="b"/>
+              <a:pathLst>
+                <a:path w="7283" h="7283" fill="none" extrusionOk="0">
+                  <a:moveTo>
+                    <a:pt x="5431" y="463"/>
+                  </a:moveTo>
+                  <a:lnTo>
+                    <a:pt x="5431" y="463"/>
+                  </a:lnTo>
+                  <a:lnTo>
+                    <a:pt x="5042" y="269"/>
+                  </a:lnTo>
+                  <a:lnTo>
+                    <a:pt x="4823" y="195"/>
+                  </a:lnTo>
+                  <a:lnTo>
+                    <a:pt x="4603" y="122"/>
+                  </a:lnTo>
+                  <a:lnTo>
+                    <a:pt x="4360" y="74"/>
+                  </a:lnTo>
+                  <a:lnTo>
+                    <a:pt x="4141" y="25"/>
+                  </a:lnTo>
+                  <a:lnTo>
+                    <a:pt x="3897" y="1"/>
+                  </a:lnTo>
+                  <a:lnTo>
+                    <a:pt x="3654" y="1"/>
+                  </a:lnTo>
+                  <a:lnTo>
+                    <a:pt x="3654" y="1"/>
+                  </a:lnTo>
+                  <a:lnTo>
+                    <a:pt x="3288" y="25"/>
+                  </a:lnTo>
+                  <a:lnTo>
+                    <a:pt x="2923" y="74"/>
+                  </a:lnTo>
+                  <a:lnTo>
+                    <a:pt x="2558" y="147"/>
+                  </a:lnTo>
+                  <a:lnTo>
+                    <a:pt x="2241" y="293"/>
+                  </a:lnTo>
+                  <a:lnTo>
+                    <a:pt x="1924" y="439"/>
+                  </a:lnTo>
+                  <a:lnTo>
+                    <a:pt x="1608" y="609"/>
+                  </a:lnTo>
+                  <a:lnTo>
+                    <a:pt x="1340" y="829"/>
+                  </a:lnTo>
+                  <a:lnTo>
+                    <a:pt x="1072" y="1072"/>
+                  </a:lnTo>
+                  <a:lnTo>
+                    <a:pt x="828" y="1316"/>
+                  </a:lnTo>
+                  <a:lnTo>
+                    <a:pt x="633" y="1608"/>
+                  </a:lnTo>
+                  <a:lnTo>
+                    <a:pt x="439" y="1900"/>
+                  </a:lnTo>
+                  <a:lnTo>
+                    <a:pt x="293" y="2217"/>
+                  </a:lnTo>
+                  <a:lnTo>
+                    <a:pt x="171" y="2558"/>
+                  </a:lnTo>
+                  <a:lnTo>
+                    <a:pt x="73" y="2899"/>
+                  </a:lnTo>
+                  <a:lnTo>
+                    <a:pt x="25" y="3264"/>
+                  </a:lnTo>
+                  <a:lnTo>
+                    <a:pt x="0" y="3629"/>
+                  </a:lnTo>
+                  <a:lnTo>
+                    <a:pt x="0" y="3629"/>
+                  </a:lnTo>
+                  <a:lnTo>
+                    <a:pt x="25" y="4019"/>
+                  </a:lnTo>
+                  <a:lnTo>
+                    <a:pt x="73" y="4360"/>
+                  </a:lnTo>
+                  <a:lnTo>
+                    <a:pt x="171" y="4725"/>
+                  </a:lnTo>
+                  <a:lnTo>
+                    <a:pt x="293" y="5066"/>
+                  </a:lnTo>
+                  <a:lnTo>
+                    <a:pt x="439" y="5383"/>
+                  </a:lnTo>
+                  <a:lnTo>
+                    <a:pt x="633" y="5675"/>
+                  </a:lnTo>
+                  <a:lnTo>
+                    <a:pt x="828" y="5943"/>
+                  </a:lnTo>
+                  <a:lnTo>
+                    <a:pt x="1072" y="6211"/>
+                  </a:lnTo>
+                  <a:lnTo>
+                    <a:pt x="1340" y="6455"/>
+                  </a:lnTo>
+                  <a:lnTo>
+                    <a:pt x="1608" y="6650"/>
+                  </a:lnTo>
+                  <a:lnTo>
+                    <a:pt x="1924" y="6844"/>
+                  </a:lnTo>
+                  <a:lnTo>
+                    <a:pt x="2241" y="6990"/>
+                  </a:lnTo>
+                  <a:lnTo>
+                    <a:pt x="2558" y="7112"/>
+                  </a:lnTo>
+                  <a:lnTo>
+                    <a:pt x="2923" y="7210"/>
+                  </a:lnTo>
+                  <a:lnTo>
+                    <a:pt x="3288" y="7258"/>
+                  </a:lnTo>
+                  <a:lnTo>
+                    <a:pt x="3654" y="7283"/>
+                  </a:lnTo>
+                  <a:lnTo>
+                    <a:pt x="3654" y="7283"/>
+                  </a:lnTo>
+                  <a:lnTo>
+                    <a:pt x="4019" y="7258"/>
+                  </a:lnTo>
+                  <a:lnTo>
+                    <a:pt x="4384" y="7210"/>
+                  </a:lnTo>
+                  <a:lnTo>
+                    <a:pt x="4725" y="7112"/>
+                  </a:lnTo>
+                  <a:lnTo>
+                    <a:pt x="5066" y="6990"/>
+                  </a:lnTo>
+                  <a:lnTo>
+                    <a:pt x="5383" y="6844"/>
+                  </a:lnTo>
+                  <a:lnTo>
+                    <a:pt x="5675" y="6650"/>
+                  </a:lnTo>
+                  <a:lnTo>
+                    <a:pt x="5967" y="6455"/>
+                  </a:lnTo>
+                  <a:lnTo>
+                    <a:pt x="6235" y="6211"/>
+                  </a:lnTo>
+                  <a:lnTo>
+                    <a:pt x="6454" y="5943"/>
+                  </a:lnTo>
+                  <a:lnTo>
+                    <a:pt x="6674" y="5675"/>
+                  </a:lnTo>
+                  <a:lnTo>
+                    <a:pt x="6844" y="5383"/>
+                  </a:lnTo>
+                  <a:lnTo>
+                    <a:pt x="7014" y="5066"/>
+                  </a:lnTo>
+                  <a:lnTo>
+                    <a:pt x="7136" y="4725"/>
+                  </a:lnTo>
+                  <a:lnTo>
+                    <a:pt x="7209" y="4360"/>
+                  </a:lnTo>
+                  <a:lnTo>
+                    <a:pt x="7282" y="4019"/>
+                  </a:lnTo>
+                  <a:lnTo>
+                    <a:pt x="7282" y="3629"/>
+                  </a:lnTo>
+                  <a:lnTo>
+                    <a:pt x="7282" y="3629"/>
+                  </a:lnTo>
+                  <a:lnTo>
+                    <a:pt x="7282" y="3386"/>
+                  </a:lnTo>
+                  <a:lnTo>
+                    <a:pt x="7258" y="3167"/>
+                  </a:lnTo>
+                  <a:lnTo>
+                    <a:pt x="7234" y="2923"/>
+                  </a:lnTo>
+                  <a:lnTo>
+                    <a:pt x="7161" y="2704"/>
+                  </a:lnTo>
+                  <a:lnTo>
+                    <a:pt x="7112" y="2485"/>
+                  </a:lnTo>
+                  <a:lnTo>
+                    <a:pt x="7014" y="2266"/>
+                  </a:lnTo>
+                  <a:lnTo>
+                    <a:pt x="6820" y="1852"/>
+                  </a:lnTo>
+                </a:path>
+              </a:pathLst>
+            </a:custGeom>
+            <a:noFill/>
+            <a:ln w="12175" cap="rnd" cmpd="sng">
+              <a:solidFill>
+                <a:schemeClr val="accent1"/>
+              </a:solidFill>
+              <a:prstDash val="solid"/>
+              <a:round/>
+              <a:headEnd type="none" w="sm" len="sm"/>
+              <a:tailEnd type="none" w="sm" len="sm"/>
+            </a:ln>
+          </p:spPr>
+          <p:txBody>
+            <a:bodyPr spcFirstLastPara="1" wrap="square" lIns="91425" tIns="91425" rIns="91425" bIns="91425" anchor="ctr" anchorCtr="0">
+              <a:noAutofit/>
+            </a:bodyPr>
+            <a:lstStyle/>
+            <a:p>
+              <a:pPr marL="0" lvl="0" indent="0" algn="l" rtl="0">
+                <a:spcBef>
+                  <a:spcPts val="0"/>
+                </a:spcBef>
+                <a:spcAft>
+                  <a:spcPts val="0"/>
+                </a:spcAft>
+                <a:buNone/>
+              </a:pPr>
+              <a:endParaRPr/>
+            </a:p>
+          </p:txBody>
+        </p:sp>
+        <p:sp>
+          <p:nvSpPr>
+            <p:cNvPr id="76" name="Google Shape;408;p37">
+              <a:extLst>
+                <a:ext uri="{FF2B5EF4-FFF2-40B4-BE49-F238E27FC236}">
+                  <a16:creationId xmlns:a16="http://schemas.microsoft.com/office/drawing/2014/main" id="{B99BD0A0-0B6C-4947-845A-02BEFB62BDA0}"/>
+                </a:ext>
+              </a:extLst>
+            </p:cNvPr>
+            <p:cNvSpPr/>
+            <p:nvPr/>
+          </p:nvSpPr>
+          <p:spPr>
+            <a:xfrm>
+              <a:off x="5971475" y="2001400"/>
+              <a:ext cx="74925" cy="70675"/>
+            </a:xfrm>
+            <a:custGeom>
+              <a:avLst/>
+              <a:gdLst/>
+              <a:ahLst/>
+              <a:cxnLst/>
+              <a:rect l="l" t="t" r="r" b="b"/>
+              <a:pathLst>
+                <a:path w="2997" h="2827" fill="none" extrusionOk="0">
+                  <a:moveTo>
+                    <a:pt x="1462" y="1"/>
+                  </a:moveTo>
+                  <a:lnTo>
+                    <a:pt x="293" y="1170"/>
+                  </a:lnTo>
+                  <a:lnTo>
+                    <a:pt x="293" y="1170"/>
+                  </a:lnTo>
+                  <a:lnTo>
+                    <a:pt x="171" y="1316"/>
+                  </a:lnTo>
+                  <a:lnTo>
+                    <a:pt x="74" y="1487"/>
+                  </a:lnTo>
+                  <a:lnTo>
+                    <a:pt x="25" y="1657"/>
+                  </a:lnTo>
+                  <a:lnTo>
+                    <a:pt x="1" y="1852"/>
+                  </a:lnTo>
+                  <a:lnTo>
+                    <a:pt x="25" y="2047"/>
+                  </a:lnTo>
+                  <a:lnTo>
+                    <a:pt x="74" y="2217"/>
+                  </a:lnTo>
+                  <a:lnTo>
+                    <a:pt x="171" y="2388"/>
+                  </a:lnTo>
+                  <a:lnTo>
+                    <a:pt x="293" y="2534"/>
+                  </a:lnTo>
+                  <a:lnTo>
+                    <a:pt x="293" y="2534"/>
+                  </a:lnTo>
+                  <a:lnTo>
+                    <a:pt x="439" y="2656"/>
+                  </a:lnTo>
+                  <a:lnTo>
+                    <a:pt x="609" y="2753"/>
+                  </a:lnTo>
+                  <a:lnTo>
+                    <a:pt x="804" y="2802"/>
+                  </a:lnTo>
+                  <a:lnTo>
+                    <a:pt x="975" y="2826"/>
+                  </a:lnTo>
+                  <a:lnTo>
+                    <a:pt x="975" y="2826"/>
+                  </a:lnTo>
+                  <a:lnTo>
+                    <a:pt x="1170" y="2802"/>
+                  </a:lnTo>
+                  <a:lnTo>
+                    <a:pt x="1340" y="2753"/>
+                  </a:lnTo>
+                  <a:lnTo>
+                    <a:pt x="1511" y="2656"/>
+                  </a:lnTo>
+                  <a:lnTo>
+                    <a:pt x="1681" y="2534"/>
+                  </a:lnTo>
+                  <a:lnTo>
+                    <a:pt x="2850" y="1365"/>
+                  </a:lnTo>
+                  <a:lnTo>
+                    <a:pt x="2850" y="1365"/>
+                  </a:lnTo>
+                  <a:lnTo>
+                    <a:pt x="2996" y="1194"/>
+                  </a:lnTo>
+                </a:path>
+              </a:pathLst>
+            </a:custGeom>
+            <a:noFill/>
+            <a:ln w="12175" cap="rnd" cmpd="sng">
+              <a:solidFill>
+                <a:schemeClr val="accent1"/>
+              </a:solidFill>
+              <a:prstDash val="solid"/>
+              <a:round/>
+              <a:headEnd type="none" w="sm" len="sm"/>
+              <a:tailEnd type="none" w="sm" len="sm"/>
+            </a:ln>
+          </p:spPr>
+          <p:txBody>
+            <a:bodyPr spcFirstLastPara="1" wrap="square" lIns="91425" tIns="91425" rIns="91425" bIns="91425" anchor="ctr" anchorCtr="0">
+              <a:noAutofit/>
+            </a:bodyPr>
+            <a:lstStyle/>
+            <a:p>
+              <a:pPr marL="0" lvl="0" indent="0" algn="l" rtl="0">
+                <a:spcBef>
+                  <a:spcPts val="0"/>
+                </a:spcBef>
+                <a:spcAft>
+                  <a:spcPts val="0"/>
+                </a:spcAft>
+                <a:buNone/>
+              </a:pPr>
+              <a:endParaRPr/>
+            </a:p>
+          </p:txBody>
+        </p:sp>
+        <p:sp>
+          <p:nvSpPr>
+            <p:cNvPr id="77" name="Google Shape;409;p37">
+              <a:extLst>
+                <a:ext uri="{FF2B5EF4-FFF2-40B4-BE49-F238E27FC236}">
+                  <a16:creationId xmlns:a16="http://schemas.microsoft.com/office/drawing/2014/main" id="{9C45B7F3-968B-E842-AC52-F187186288D3}"/>
+                </a:ext>
+              </a:extLst>
+            </p:cNvPr>
+            <p:cNvSpPr/>
+            <p:nvPr/>
+          </p:nvSpPr>
+          <p:spPr>
+            <a:xfrm>
+              <a:off x="6253375" y="2001400"/>
+              <a:ext cx="74325" cy="70675"/>
+            </a:xfrm>
+            <a:custGeom>
+              <a:avLst/>
+              <a:gdLst/>
+              <a:ahLst/>
+              <a:cxnLst/>
+              <a:rect l="l" t="t" r="r" b="b"/>
+              <a:pathLst>
+                <a:path w="2973" h="2827" fill="none" extrusionOk="0">
+                  <a:moveTo>
+                    <a:pt x="1" y="1194"/>
+                  </a:moveTo>
+                  <a:lnTo>
+                    <a:pt x="1" y="1194"/>
+                  </a:lnTo>
+                  <a:lnTo>
+                    <a:pt x="123" y="1365"/>
+                  </a:lnTo>
+                  <a:lnTo>
+                    <a:pt x="1316" y="2534"/>
+                  </a:lnTo>
+                  <a:lnTo>
+                    <a:pt x="1316" y="2534"/>
+                  </a:lnTo>
+                  <a:lnTo>
+                    <a:pt x="1462" y="2656"/>
+                  </a:lnTo>
+                  <a:lnTo>
+                    <a:pt x="1633" y="2753"/>
+                  </a:lnTo>
+                  <a:lnTo>
+                    <a:pt x="1827" y="2802"/>
+                  </a:lnTo>
+                  <a:lnTo>
+                    <a:pt x="1998" y="2826"/>
+                  </a:lnTo>
+                  <a:lnTo>
+                    <a:pt x="1998" y="2826"/>
+                  </a:lnTo>
+                  <a:lnTo>
+                    <a:pt x="2193" y="2802"/>
+                  </a:lnTo>
+                  <a:lnTo>
+                    <a:pt x="2363" y="2753"/>
+                  </a:lnTo>
+                  <a:lnTo>
+                    <a:pt x="2534" y="2656"/>
+                  </a:lnTo>
+                  <a:lnTo>
+                    <a:pt x="2704" y="2534"/>
+                  </a:lnTo>
+                  <a:lnTo>
+                    <a:pt x="2704" y="2534"/>
+                  </a:lnTo>
+                  <a:lnTo>
+                    <a:pt x="2826" y="2388"/>
+                  </a:lnTo>
+                  <a:lnTo>
+                    <a:pt x="2923" y="2217"/>
+                  </a:lnTo>
+                  <a:lnTo>
+                    <a:pt x="2972" y="2047"/>
+                  </a:lnTo>
+                  <a:lnTo>
+                    <a:pt x="2972" y="1852"/>
+                  </a:lnTo>
+                  <a:lnTo>
+                    <a:pt x="2972" y="1657"/>
+                  </a:lnTo>
+                  <a:lnTo>
+                    <a:pt x="2923" y="1487"/>
+                  </a:lnTo>
+                  <a:lnTo>
+                    <a:pt x="2826" y="1316"/>
+                  </a:lnTo>
+                  <a:lnTo>
+                    <a:pt x="2704" y="1170"/>
+                  </a:lnTo>
+                  <a:lnTo>
+                    <a:pt x="1535" y="1"/>
+                  </a:lnTo>
+                </a:path>
+              </a:pathLst>
+            </a:custGeom>
+            <a:noFill/>
+            <a:ln w="12175" cap="rnd" cmpd="sng">
+              <a:solidFill>
+                <a:schemeClr val="accent1"/>
+              </a:solidFill>
+              <a:prstDash val="solid"/>
+              <a:round/>
+              <a:headEnd type="none" w="sm" len="sm"/>
+              <a:tailEnd type="none" w="sm" len="sm"/>
+            </a:ln>
+          </p:spPr>
+          <p:txBody>
+            <a:bodyPr spcFirstLastPara="1" wrap="square" lIns="91425" tIns="91425" rIns="91425" bIns="91425" anchor="ctr" anchorCtr="0">
+              <a:noAutofit/>
+            </a:bodyPr>
+            <a:lstStyle/>
+            <a:p>
+              <a:pPr marL="0" lvl="0" indent="0" algn="l" rtl="0">
+                <a:spcBef>
+                  <a:spcPts val="0"/>
+                </a:spcBef>
+                <a:spcAft>
+                  <a:spcPts val="0"/>
+                </a:spcAft>
+                <a:buNone/>
+              </a:pPr>
+              <a:endParaRPr/>
+            </a:p>
+          </p:txBody>
+        </p:sp>
+        <p:sp>
+          <p:nvSpPr>
+            <p:cNvPr id="78" name="Google Shape;410;p37">
+              <a:extLst>
+                <a:ext uri="{FF2B5EF4-FFF2-40B4-BE49-F238E27FC236}">
+                  <a16:creationId xmlns:a16="http://schemas.microsoft.com/office/drawing/2014/main" id="{B6804D67-43FB-8248-B090-1060FAE5F309}"/>
+                </a:ext>
+              </a:extLst>
+            </p:cNvPr>
+            <p:cNvSpPr/>
+            <p:nvPr/>
+          </p:nvSpPr>
+          <p:spPr>
+            <a:xfrm>
+              <a:off x="6137700" y="1623900"/>
+              <a:ext cx="250875" cy="255150"/>
+            </a:xfrm>
+            <a:custGeom>
+              <a:avLst/>
+              <a:gdLst/>
+              <a:ahLst/>
+              <a:cxnLst/>
+              <a:rect l="l" t="t" r="r" b="b"/>
+              <a:pathLst>
+                <a:path w="10035" h="10206" fill="none" extrusionOk="0">
+                  <a:moveTo>
+                    <a:pt x="9718" y="2412"/>
+                  </a:moveTo>
+                  <a:lnTo>
+                    <a:pt x="8671" y="2217"/>
+                  </a:lnTo>
+                  <a:lnTo>
+                    <a:pt x="9694" y="1194"/>
+                  </a:lnTo>
+                  <a:lnTo>
+                    <a:pt x="9694" y="1194"/>
+                  </a:lnTo>
+                  <a:lnTo>
+                    <a:pt x="9767" y="1121"/>
+                  </a:lnTo>
+                  <a:lnTo>
+                    <a:pt x="9815" y="1024"/>
+                  </a:lnTo>
+                  <a:lnTo>
+                    <a:pt x="9840" y="951"/>
+                  </a:lnTo>
+                  <a:lnTo>
+                    <a:pt x="9840" y="853"/>
+                  </a:lnTo>
+                  <a:lnTo>
+                    <a:pt x="9840" y="756"/>
+                  </a:lnTo>
+                  <a:lnTo>
+                    <a:pt x="9815" y="658"/>
+                  </a:lnTo>
+                  <a:lnTo>
+                    <a:pt x="9767" y="585"/>
+                  </a:lnTo>
+                  <a:lnTo>
+                    <a:pt x="9694" y="512"/>
+                  </a:lnTo>
+                  <a:lnTo>
+                    <a:pt x="9694" y="512"/>
+                  </a:lnTo>
+                  <a:lnTo>
+                    <a:pt x="9621" y="439"/>
+                  </a:lnTo>
+                  <a:lnTo>
+                    <a:pt x="9548" y="391"/>
+                  </a:lnTo>
+                  <a:lnTo>
+                    <a:pt x="9450" y="366"/>
+                  </a:lnTo>
+                  <a:lnTo>
+                    <a:pt x="9353" y="366"/>
+                  </a:lnTo>
+                  <a:lnTo>
+                    <a:pt x="9255" y="366"/>
+                  </a:lnTo>
+                  <a:lnTo>
+                    <a:pt x="9182" y="391"/>
+                  </a:lnTo>
+                  <a:lnTo>
+                    <a:pt x="9085" y="439"/>
+                  </a:lnTo>
+                  <a:lnTo>
+                    <a:pt x="9012" y="512"/>
+                  </a:lnTo>
+                  <a:lnTo>
+                    <a:pt x="7867" y="1657"/>
+                  </a:lnTo>
+                  <a:lnTo>
+                    <a:pt x="7867" y="1657"/>
+                  </a:lnTo>
+                  <a:lnTo>
+                    <a:pt x="7818" y="1487"/>
+                  </a:lnTo>
+                  <a:lnTo>
+                    <a:pt x="7599" y="317"/>
+                  </a:lnTo>
+                  <a:lnTo>
+                    <a:pt x="7599" y="317"/>
+                  </a:lnTo>
+                  <a:lnTo>
+                    <a:pt x="7575" y="196"/>
+                  </a:lnTo>
+                  <a:lnTo>
+                    <a:pt x="7526" y="98"/>
+                  </a:lnTo>
+                  <a:lnTo>
+                    <a:pt x="7477" y="50"/>
+                  </a:lnTo>
+                  <a:lnTo>
+                    <a:pt x="7404" y="1"/>
+                  </a:lnTo>
+                  <a:lnTo>
+                    <a:pt x="7331" y="1"/>
+                  </a:lnTo>
+                  <a:lnTo>
+                    <a:pt x="7234" y="25"/>
+                  </a:lnTo>
+                  <a:lnTo>
+                    <a:pt x="7161" y="74"/>
+                  </a:lnTo>
+                  <a:lnTo>
+                    <a:pt x="7063" y="147"/>
+                  </a:lnTo>
+                  <a:lnTo>
+                    <a:pt x="5432" y="1754"/>
+                  </a:lnTo>
+                  <a:lnTo>
+                    <a:pt x="5432" y="1754"/>
+                  </a:lnTo>
+                  <a:lnTo>
+                    <a:pt x="5358" y="1852"/>
+                  </a:lnTo>
+                  <a:lnTo>
+                    <a:pt x="5285" y="1974"/>
+                  </a:lnTo>
+                  <a:lnTo>
+                    <a:pt x="5212" y="2120"/>
+                  </a:lnTo>
+                  <a:lnTo>
+                    <a:pt x="5164" y="2242"/>
+                  </a:lnTo>
+                  <a:lnTo>
+                    <a:pt x="5139" y="2388"/>
+                  </a:lnTo>
+                  <a:lnTo>
+                    <a:pt x="5115" y="2534"/>
+                  </a:lnTo>
+                  <a:lnTo>
+                    <a:pt x="5115" y="2680"/>
+                  </a:lnTo>
+                  <a:lnTo>
+                    <a:pt x="5115" y="2802"/>
+                  </a:lnTo>
+                  <a:lnTo>
+                    <a:pt x="5334" y="3971"/>
+                  </a:lnTo>
+                  <a:lnTo>
+                    <a:pt x="5334" y="3971"/>
+                  </a:lnTo>
+                  <a:lnTo>
+                    <a:pt x="5383" y="4141"/>
+                  </a:lnTo>
+                  <a:lnTo>
+                    <a:pt x="147" y="9378"/>
+                  </a:lnTo>
+                  <a:lnTo>
+                    <a:pt x="147" y="9378"/>
+                  </a:lnTo>
+                  <a:lnTo>
+                    <a:pt x="73" y="9451"/>
+                  </a:lnTo>
+                  <a:lnTo>
+                    <a:pt x="25" y="9548"/>
+                  </a:lnTo>
+                  <a:lnTo>
+                    <a:pt x="0" y="9645"/>
+                  </a:lnTo>
+                  <a:lnTo>
+                    <a:pt x="0" y="9718"/>
+                  </a:lnTo>
+                  <a:lnTo>
+                    <a:pt x="0" y="9816"/>
+                  </a:lnTo>
+                  <a:lnTo>
+                    <a:pt x="25" y="9913"/>
+                  </a:lnTo>
+                  <a:lnTo>
+                    <a:pt x="73" y="9986"/>
+                  </a:lnTo>
+                  <a:lnTo>
+                    <a:pt x="147" y="10059"/>
+                  </a:lnTo>
+                  <a:lnTo>
+                    <a:pt x="147" y="10059"/>
+                  </a:lnTo>
+                  <a:lnTo>
+                    <a:pt x="220" y="10133"/>
+                  </a:lnTo>
+                  <a:lnTo>
+                    <a:pt x="293" y="10181"/>
+                  </a:lnTo>
+                  <a:lnTo>
+                    <a:pt x="390" y="10206"/>
+                  </a:lnTo>
+                  <a:lnTo>
+                    <a:pt x="488" y="10206"/>
+                  </a:lnTo>
+                  <a:lnTo>
+                    <a:pt x="488" y="10206"/>
+                  </a:lnTo>
+                  <a:lnTo>
+                    <a:pt x="585" y="10206"/>
+                  </a:lnTo>
+                  <a:lnTo>
+                    <a:pt x="658" y="10181"/>
+                  </a:lnTo>
+                  <a:lnTo>
+                    <a:pt x="755" y="10133"/>
+                  </a:lnTo>
+                  <a:lnTo>
+                    <a:pt x="828" y="10059"/>
+                  </a:lnTo>
+                  <a:lnTo>
+                    <a:pt x="6187" y="4726"/>
+                  </a:lnTo>
+                  <a:lnTo>
+                    <a:pt x="7234" y="4896"/>
+                  </a:lnTo>
+                  <a:lnTo>
+                    <a:pt x="7234" y="4896"/>
+                  </a:lnTo>
+                  <a:lnTo>
+                    <a:pt x="7356" y="4921"/>
+                  </a:lnTo>
+                  <a:lnTo>
+                    <a:pt x="7502" y="4921"/>
+                  </a:lnTo>
+                  <a:lnTo>
+                    <a:pt x="7624" y="4896"/>
+                  </a:lnTo>
+                  <a:lnTo>
+                    <a:pt x="7770" y="4848"/>
+                  </a:lnTo>
+                  <a:lnTo>
+                    <a:pt x="7916" y="4799"/>
+                  </a:lnTo>
+                  <a:lnTo>
+                    <a:pt x="8038" y="4750"/>
+                  </a:lnTo>
+                  <a:lnTo>
+                    <a:pt x="8159" y="4677"/>
+                  </a:lnTo>
+                  <a:lnTo>
+                    <a:pt x="8257" y="4580"/>
+                  </a:lnTo>
+                  <a:lnTo>
+                    <a:pt x="9889" y="2948"/>
+                  </a:lnTo>
+                  <a:lnTo>
+                    <a:pt x="9889" y="2948"/>
+                  </a:lnTo>
+                  <a:lnTo>
+                    <a:pt x="9962" y="2875"/>
+                  </a:lnTo>
+                  <a:lnTo>
+                    <a:pt x="10010" y="2777"/>
+                  </a:lnTo>
+                  <a:lnTo>
+                    <a:pt x="10035" y="2704"/>
+                  </a:lnTo>
+                  <a:lnTo>
+                    <a:pt x="10010" y="2607"/>
+                  </a:lnTo>
+                  <a:lnTo>
+                    <a:pt x="9986" y="2558"/>
+                  </a:lnTo>
+                  <a:lnTo>
+                    <a:pt x="9913" y="2485"/>
+                  </a:lnTo>
+                  <a:lnTo>
+                    <a:pt x="9815" y="2436"/>
+                  </a:lnTo>
+                  <a:lnTo>
+                    <a:pt x="9718" y="2412"/>
+                  </a:lnTo>
+                  <a:lnTo>
+                    <a:pt x="9718" y="2412"/>
+                  </a:lnTo>
+                  <a:close/>
+                </a:path>
+              </a:pathLst>
+            </a:custGeom>
+            <a:noFill/>
+            <a:ln w="12175" cap="rnd" cmpd="sng">
+              <a:solidFill>
+                <a:schemeClr val="accent1"/>
+              </a:solidFill>
+              <a:prstDash val="solid"/>
+              <a:round/>
+              <a:headEnd type="none" w="sm" len="sm"/>
+              <a:tailEnd type="none" w="sm" len="sm"/>
+            </a:ln>
+          </p:spPr>
+          <p:txBody>
+            <a:bodyPr spcFirstLastPara="1" wrap="square" lIns="91425" tIns="91425" rIns="91425" bIns="91425" anchor="ctr" anchorCtr="0">
+              <a:noAutofit/>
+            </a:bodyPr>
+            <a:lstStyle/>
+            <a:p>
+              <a:pPr marL="0" lvl="0" indent="0" algn="l" rtl="0">
+                <a:spcBef>
+                  <a:spcPts val="0"/>
+                </a:spcBef>
+                <a:spcAft>
+                  <a:spcPts val="0"/>
+                </a:spcAft>
+                <a:buNone/>
+              </a:pPr>
+              <a:endParaRPr/>
+            </a:p>
+          </p:txBody>
+        </p:sp>
+      </p:grpSp>
+      <p:grpSp>
+        <p:nvGrpSpPr>
+          <p:cNvPr id="79" name="Google Shape;513;p37">
+            <a:extLst>
+              <a:ext uri="{FF2B5EF4-FFF2-40B4-BE49-F238E27FC236}">
+                <a16:creationId xmlns:a16="http://schemas.microsoft.com/office/drawing/2014/main" id="{6C8DC1AB-F53A-B349-A878-78428CAF5A8A}"/>
+              </a:ext>
+            </a:extLst>
+          </p:cNvPr>
+          <p:cNvGrpSpPr/>
+          <p:nvPr/>
+        </p:nvGrpSpPr>
+        <p:grpSpPr>
+          <a:xfrm>
+            <a:off x="7059959" y="1204612"/>
+            <a:ext cx="369505" cy="268183"/>
+            <a:chOff x="4604550" y="3714775"/>
+            <a:chExt cx="439625" cy="319075"/>
+          </a:xfrm>
+        </p:grpSpPr>
+        <p:sp>
+          <p:nvSpPr>
+            <p:cNvPr id="80" name="Google Shape;514;p37">
+              <a:extLst>
+                <a:ext uri="{FF2B5EF4-FFF2-40B4-BE49-F238E27FC236}">
+                  <a16:creationId xmlns:a16="http://schemas.microsoft.com/office/drawing/2014/main" id="{ACB98638-9B32-164E-B538-CE8B4B204882}"/>
+                </a:ext>
+              </a:extLst>
+            </p:cNvPr>
+            <p:cNvSpPr/>
+            <p:nvPr/>
+          </p:nvSpPr>
+          <p:spPr>
+            <a:xfrm>
+              <a:off x="4604550" y="3714775"/>
+              <a:ext cx="439625" cy="319075"/>
+            </a:xfrm>
+            <a:custGeom>
+              <a:avLst/>
+              <a:gdLst/>
+              <a:ahLst/>
+              <a:cxnLst/>
+              <a:rect l="l" t="t" r="r" b="b"/>
+              <a:pathLst>
+                <a:path w="17585" h="12763" fill="none" extrusionOk="0">
+                  <a:moveTo>
+                    <a:pt x="1" y="1"/>
+                  </a:moveTo>
+                  <a:lnTo>
+                    <a:pt x="1" y="12276"/>
+                  </a:lnTo>
+                  <a:lnTo>
+                    <a:pt x="1" y="12276"/>
+                  </a:lnTo>
+                  <a:lnTo>
+                    <a:pt x="1" y="12373"/>
+                  </a:lnTo>
+                  <a:lnTo>
+                    <a:pt x="25" y="12471"/>
+                  </a:lnTo>
+                  <a:lnTo>
+                    <a:pt x="74" y="12544"/>
+                  </a:lnTo>
+                  <a:lnTo>
+                    <a:pt x="122" y="12617"/>
+                  </a:lnTo>
+                  <a:lnTo>
+                    <a:pt x="196" y="12690"/>
+                  </a:lnTo>
+                  <a:lnTo>
+                    <a:pt x="293" y="12714"/>
+                  </a:lnTo>
+                  <a:lnTo>
+                    <a:pt x="366" y="12763"/>
+                  </a:lnTo>
+                  <a:lnTo>
+                    <a:pt x="488" y="12763"/>
+                  </a:lnTo>
+                  <a:lnTo>
+                    <a:pt x="17585" y="12763"/>
+                  </a:lnTo>
+                </a:path>
+              </a:pathLst>
+            </a:custGeom>
+            <a:noFill/>
+            <a:ln w="12175" cap="rnd" cmpd="sng">
+              <a:solidFill>
+                <a:schemeClr val="accent1"/>
+              </a:solidFill>
+              <a:prstDash val="solid"/>
+              <a:round/>
+              <a:headEnd type="none" w="sm" len="sm"/>
+              <a:tailEnd type="none" w="sm" len="sm"/>
+            </a:ln>
+          </p:spPr>
+          <p:txBody>
+            <a:bodyPr spcFirstLastPara="1" wrap="square" lIns="91425" tIns="91425" rIns="91425" bIns="91425" anchor="ctr" anchorCtr="0">
+              <a:noAutofit/>
+            </a:bodyPr>
+            <a:lstStyle/>
+            <a:p>
+              <a:pPr marL="0" lvl="0" indent="0" algn="l" rtl="0">
+                <a:spcBef>
+                  <a:spcPts val="0"/>
+                </a:spcBef>
+                <a:spcAft>
+                  <a:spcPts val="0"/>
+                </a:spcAft>
+                <a:buNone/>
+              </a:pPr>
+              <a:endParaRPr/>
+            </a:p>
+          </p:txBody>
+        </p:sp>
+        <p:sp>
+          <p:nvSpPr>
+            <p:cNvPr id="81" name="Google Shape;515;p37">
+              <a:extLst>
+                <a:ext uri="{FF2B5EF4-FFF2-40B4-BE49-F238E27FC236}">
+                  <a16:creationId xmlns:a16="http://schemas.microsoft.com/office/drawing/2014/main" id="{A89D4D65-FD5D-A245-82E3-0FCDE6496CA8}"/>
+                </a:ext>
+              </a:extLst>
+            </p:cNvPr>
+            <p:cNvSpPr/>
+            <p:nvPr/>
+          </p:nvSpPr>
+          <p:spPr>
+            <a:xfrm>
+              <a:off x="4647175" y="3761675"/>
+              <a:ext cx="354400" cy="213725"/>
+            </a:xfrm>
+            <a:custGeom>
+              <a:avLst/>
+              <a:gdLst/>
+              <a:ahLst/>
+              <a:cxnLst/>
+              <a:rect l="l" t="t" r="r" b="b"/>
+              <a:pathLst>
+                <a:path w="14176" h="8549" fill="none" extrusionOk="0">
+                  <a:moveTo>
+                    <a:pt x="1" y="8549"/>
+                  </a:moveTo>
+                  <a:lnTo>
+                    <a:pt x="3654" y="4408"/>
+                  </a:lnTo>
+                  <a:lnTo>
+                    <a:pt x="5821" y="5699"/>
+                  </a:lnTo>
+                  <a:lnTo>
+                    <a:pt x="9085" y="1924"/>
+                  </a:lnTo>
+                  <a:lnTo>
+                    <a:pt x="9085" y="1924"/>
+                  </a:lnTo>
+                  <a:lnTo>
+                    <a:pt x="9085" y="1924"/>
+                  </a:lnTo>
+                  <a:lnTo>
+                    <a:pt x="9085" y="1924"/>
+                  </a:lnTo>
+                  <a:lnTo>
+                    <a:pt x="9061" y="1924"/>
+                  </a:lnTo>
+                  <a:lnTo>
+                    <a:pt x="9085" y="1924"/>
+                  </a:lnTo>
+                  <a:lnTo>
+                    <a:pt x="9085" y="1924"/>
+                  </a:lnTo>
+                  <a:lnTo>
+                    <a:pt x="9085" y="1924"/>
+                  </a:lnTo>
+                  <a:lnTo>
+                    <a:pt x="9085" y="1924"/>
+                  </a:lnTo>
+                  <a:lnTo>
+                    <a:pt x="9061" y="1924"/>
+                  </a:lnTo>
+                  <a:lnTo>
+                    <a:pt x="9085" y="1924"/>
+                  </a:lnTo>
+                  <a:lnTo>
+                    <a:pt x="10571" y="3337"/>
+                  </a:lnTo>
+                  <a:lnTo>
+                    <a:pt x="14175" y="0"/>
+                  </a:lnTo>
+                </a:path>
+              </a:pathLst>
+            </a:custGeom>
+            <a:noFill/>
+            <a:ln w="12175" cap="rnd" cmpd="sng">
+              <a:solidFill>
+                <a:schemeClr val="accent1"/>
+              </a:solidFill>
+              <a:prstDash val="solid"/>
+              <a:round/>
+              <a:headEnd type="none" w="sm" len="sm"/>
+              <a:tailEnd type="none" w="sm" len="sm"/>
+            </a:ln>
+          </p:spPr>
+          <p:txBody>
+            <a:bodyPr spcFirstLastPara="1" wrap="square" lIns="91425" tIns="91425" rIns="91425" bIns="91425" anchor="ctr" anchorCtr="0">
+              <a:noAutofit/>
+            </a:bodyPr>
+            <a:lstStyle/>
+            <a:p>
+              <a:pPr marL="0" lvl="0" indent="0" algn="l" rtl="0">
+                <a:spcBef>
+                  <a:spcPts val="0"/>
+                </a:spcBef>
+                <a:spcAft>
+                  <a:spcPts val="0"/>
+                </a:spcAft>
+                <a:buNone/>
+              </a:pPr>
+              <a:endParaRPr/>
+            </a:p>
+          </p:txBody>
+        </p:sp>
+      </p:grpSp>
+    </p:spTree>
+    <p:extLst>
+      <p:ext uri="{BB962C8B-B14F-4D97-AF65-F5344CB8AC3E}">
+        <p14:creationId xmlns:p14="http://schemas.microsoft.com/office/powerpoint/2010/main" val="175830075"/>
+      </p:ext>
+    </p:extLst>
+  </p:cSld>
+  <p:clrMapOvr>
+    <a:masterClrMapping/>
+  </p:clrMapOvr>
+</p:sld>
+</file>
+
+<file path=ppt/slides/slide9.xml><?xml version="1.0" encoding="utf-8"?>
+<p:sld xmlns:a="http://schemas.openxmlformats.org/drawingml/2006/main" xmlns:r="http://schemas.openxmlformats.org/officeDocument/2006/relationships" xmlns:p="http://schemas.openxmlformats.org/presentationml/2006/main">
+  <p:cSld>
+    <p:spTree>
+      <p:nvGrpSpPr>
+        <p:cNvPr id="1" name="Shape 93"/>
+        <p:cNvGrpSpPr/>
+        <p:nvPr/>
+      </p:nvGrpSpPr>
+      <p:grpSpPr>
+        <a:xfrm>
+          <a:off x="0" y="0"/>
+          <a:ext cx="0" cy="0"/>
+          <a:chOff x="0" y="0"/>
+          <a:chExt cx="0" cy="0"/>
+        </a:xfrm>
+      </p:grpSpPr>
+      <p:sp>
+        <p:nvSpPr>
+          <p:cNvPr id="94" name="Google Shape;94;p18"/>
+          <p:cNvSpPr txBox="1">
+            <a:spLocks noGrp="1"/>
+          </p:cNvSpPr>
+          <p:nvPr>
+            <p:ph type="ctrTitle" idx="4294967295"/>
+          </p:nvPr>
+        </p:nvSpPr>
+        <p:spPr>
+          <a:xfrm>
+            <a:off x="1620900" y="2199075"/>
+            <a:ext cx="5902200" cy="1159800"/>
+          </a:xfrm>
+          <a:prstGeom prst="rect">
+            <a:avLst/>
+          </a:prstGeom>
+        </p:spPr>
+        <p:txBody>
+          <a:bodyPr spcFirstLastPara="1" wrap="square" lIns="91425" tIns="91425" rIns="91425" bIns="91425" anchor="ctr" anchorCtr="0">
+            <a:noAutofit/>
+          </a:bodyPr>
+          <a:lstStyle/>
+          <a:p>
+            <a:pPr marL="0" lvl="0" indent="0" algn="ctr" rtl="0">
+              <a:spcBef>
+                <a:spcPts val="0"/>
+              </a:spcBef>
+              <a:spcAft>
+                <a:spcPts val="0"/>
+              </a:spcAft>
+              <a:buNone/>
+            </a:pPr>
+            <a:r>
+              <a:rPr lang="en" sz="6000" i="1" dirty="0">
+                <a:solidFill>
+                  <a:srgbClr val="FFFFFF"/>
+                </a:solidFill>
+              </a:rPr>
+              <a:t>Pop Quiz!</a:t>
+            </a:r>
+            <a:br>
+              <a:rPr lang="en" sz="6000" i="1" dirty="0">
+                <a:solidFill>
+                  <a:srgbClr val="FFFFFF"/>
+                </a:solidFill>
+              </a:rPr>
+            </a:br>
+            <a:r>
+              <a:rPr lang="en" sz="2400" i="1" dirty="0">
+                <a:solidFill>
+                  <a:srgbClr val="FFFFFF"/>
+                </a:solidFill>
+              </a:rPr>
+              <a:t>What does </a:t>
+            </a:r>
+            <a:r>
+              <a:rPr lang="en" sz="2400" i="1" dirty="0" err="1">
+                <a:solidFill>
+                  <a:srgbClr val="FFFFFF"/>
+                </a:solidFill>
+              </a:rPr>
+              <a:t>FiveOfAKindCalculator</a:t>
+            </a:r>
+            <a:r>
+              <a:rPr lang="en" sz="2400" i="1" dirty="0">
+                <a:solidFill>
+                  <a:srgbClr val="FFFFFF"/>
+                </a:solidFill>
+              </a:rPr>
+              <a:t> Do?</a:t>
+            </a:r>
+            <a:endParaRPr sz="1400" i="1" dirty="0">
+              <a:solidFill>
+                <a:srgbClr val="FFFFFF"/>
+              </a:solidFill>
+            </a:endParaRPr>
+          </a:p>
+        </p:txBody>
+      </p:sp>
+      <p:sp>
+        <p:nvSpPr>
+          <p:cNvPr id="96" name="Google Shape;96;p18"/>
+          <p:cNvSpPr/>
+          <p:nvPr/>
+        </p:nvSpPr>
+        <p:spPr>
+          <a:xfrm>
+            <a:off x="3935896" y="922408"/>
+            <a:ext cx="1272208" cy="1273222"/>
+          </a:xfrm>
+          <a:prstGeom prst="ellipse">
+            <a:avLst/>
+          </a:prstGeom>
+          <a:solidFill>
+            <a:srgbClr val="FFFFFF"/>
+          </a:solidFill>
+          <a:ln>
+            <a:noFill/>
+          </a:ln>
+        </p:spPr>
+        <p:txBody>
+          <a:bodyPr spcFirstLastPara="1" wrap="square" lIns="91425" tIns="91425" rIns="91425" bIns="91425" anchor="ctr" anchorCtr="0">
+            <a:noAutofit/>
+          </a:bodyPr>
+          <a:lstStyle/>
+          <a:p>
+            <a:pPr marL="0" lvl="0" indent="0" algn="l" rtl="0">
+              <a:spcBef>
+                <a:spcPts val="0"/>
+              </a:spcBef>
+              <a:spcAft>
+                <a:spcPts val="0"/>
+              </a:spcAft>
+              <a:buNone/>
+            </a:pPr>
+            <a:endParaRPr dirty="0"/>
+          </a:p>
+        </p:txBody>
+      </p:sp>
+      <p:sp>
+        <p:nvSpPr>
+          <p:cNvPr id="13" name="Google Shape;390;p37">
+            <a:extLst>
+              <a:ext uri="{FF2B5EF4-FFF2-40B4-BE49-F238E27FC236}">
+                <a16:creationId xmlns:a16="http://schemas.microsoft.com/office/drawing/2014/main" id="{BF657C25-24DB-D44A-9D1C-8CD51D24D7D6}"/>
+              </a:ext>
+            </a:extLst>
+          </p:cNvPr>
+          <p:cNvSpPr/>
+          <p:nvPr/>
+        </p:nvSpPr>
+        <p:spPr>
+          <a:xfrm>
+            <a:off x="4112094" y="1099113"/>
+            <a:ext cx="919812" cy="919812"/>
+          </a:xfrm>
+          <a:custGeom>
+            <a:avLst/>
+            <a:gdLst/>
+            <a:ahLst/>
+            <a:cxnLst/>
+            <a:rect l="l" t="t" r="r" b="b"/>
+            <a:pathLst>
+              <a:path w="16027" h="16027" fill="none" extrusionOk="0">
+                <a:moveTo>
+                  <a:pt x="14029" y="4019"/>
+                </a:moveTo>
+                <a:lnTo>
+                  <a:pt x="14029" y="4019"/>
+                </a:lnTo>
+                <a:lnTo>
+                  <a:pt x="14200" y="3849"/>
+                </a:lnTo>
+                <a:lnTo>
+                  <a:pt x="14395" y="3752"/>
+                </a:lnTo>
+                <a:lnTo>
+                  <a:pt x="14614" y="3678"/>
+                </a:lnTo>
+                <a:lnTo>
+                  <a:pt x="14809" y="3630"/>
+                </a:lnTo>
+                <a:lnTo>
+                  <a:pt x="15028" y="3581"/>
+                </a:lnTo>
+                <a:lnTo>
+                  <a:pt x="15247" y="3484"/>
+                </a:lnTo>
+                <a:lnTo>
+                  <a:pt x="15442" y="3362"/>
+                </a:lnTo>
+                <a:lnTo>
+                  <a:pt x="15661" y="3191"/>
+                </a:lnTo>
+                <a:lnTo>
+                  <a:pt x="15661" y="3191"/>
+                </a:lnTo>
+                <a:lnTo>
+                  <a:pt x="15832" y="2997"/>
+                </a:lnTo>
+                <a:lnTo>
+                  <a:pt x="15929" y="2777"/>
+                </a:lnTo>
+                <a:lnTo>
+                  <a:pt x="16002" y="2534"/>
+                </a:lnTo>
+                <a:lnTo>
+                  <a:pt x="16026" y="2266"/>
+                </a:lnTo>
+                <a:lnTo>
+                  <a:pt x="16026" y="2266"/>
+                </a:lnTo>
+                <a:lnTo>
+                  <a:pt x="16002" y="2047"/>
+                </a:lnTo>
+                <a:lnTo>
+                  <a:pt x="15978" y="1827"/>
+                </a:lnTo>
+                <a:lnTo>
+                  <a:pt x="15905" y="1633"/>
+                </a:lnTo>
+                <a:lnTo>
+                  <a:pt x="15807" y="1413"/>
+                </a:lnTo>
+                <a:lnTo>
+                  <a:pt x="15710" y="1243"/>
+                </a:lnTo>
+                <a:lnTo>
+                  <a:pt x="15588" y="1048"/>
+                </a:lnTo>
+                <a:lnTo>
+                  <a:pt x="15466" y="878"/>
+                </a:lnTo>
+                <a:lnTo>
+                  <a:pt x="15320" y="707"/>
+                </a:lnTo>
+                <a:lnTo>
+                  <a:pt x="15320" y="707"/>
+                </a:lnTo>
+                <a:lnTo>
+                  <a:pt x="15150" y="561"/>
+                </a:lnTo>
+                <a:lnTo>
+                  <a:pt x="14979" y="439"/>
+                </a:lnTo>
+                <a:lnTo>
+                  <a:pt x="14784" y="317"/>
+                </a:lnTo>
+                <a:lnTo>
+                  <a:pt x="14590" y="196"/>
+                </a:lnTo>
+                <a:lnTo>
+                  <a:pt x="14395" y="123"/>
+                </a:lnTo>
+                <a:lnTo>
+                  <a:pt x="14175" y="50"/>
+                </a:lnTo>
+                <a:lnTo>
+                  <a:pt x="13981" y="25"/>
+                </a:lnTo>
+                <a:lnTo>
+                  <a:pt x="13761" y="1"/>
+                </a:lnTo>
+                <a:lnTo>
+                  <a:pt x="13761" y="1"/>
+                </a:lnTo>
+                <a:lnTo>
+                  <a:pt x="13494" y="25"/>
+                </a:lnTo>
+                <a:lnTo>
+                  <a:pt x="13250" y="98"/>
+                </a:lnTo>
+                <a:lnTo>
+                  <a:pt x="13031" y="196"/>
+                </a:lnTo>
+                <a:lnTo>
+                  <a:pt x="12836" y="366"/>
+                </a:lnTo>
+                <a:lnTo>
+                  <a:pt x="12836" y="366"/>
+                </a:lnTo>
+                <a:lnTo>
+                  <a:pt x="12665" y="561"/>
+                </a:lnTo>
+                <a:lnTo>
+                  <a:pt x="12544" y="780"/>
+                </a:lnTo>
+                <a:lnTo>
+                  <a:pt x="12471" y="975"/>
+                </a:lnTo>
+                <a:lnTo>
+                  <a:pt x="12422" y="1194"/>
+                </a:lnTo>
+                <a:lnTo>
+                  <a:pt x="12349" y="1413"/>
+                </a:lnTo>
+                <a:lnTo>
+                  <a:pt x="12276" y="1608"/>
+                </a:lnTo>
+                <a:lnTo>
+                  <a:pt x="12178" y="1827"/>
+                </a:lnTo>
+                <a:lnTo>
+                  <a:pt x="12008" y="1998"/>
+                </a:lnTo>
+                <a:lnTo>
+                  <a:pt x="12008" y="1998"/>
+                </a:lnTo>
+                <a:lnTo>
+                  <a:pt x="11740" y="2266"/>
+                </a:lnTo>
+                <a:lnTo>
+                  <a:pt x="11496" y="2436"/>
+                </a:lnTo>
+                <a:lnTo>
+                  <a:pt x="11277" y="2534"/>
+                </a:lnTo>
+                <a:lnTo>
+                  <a:pt x="11082" y="2582"/>
+                </a:lnTo>
+                <a:lnTo>
+                  <a:pt x="10888" y="2582"/>
+                </a:lnTo>
+                <a:lnTo>
+                  <a:pt x="10717" y="2534"/>
+                </a:lnTo>
+                <a:lnTo>
+                  <a:pt x="10547" y="2412"/>
+                </a:lnTo>
+                <a:lnTo>
+                  <a:pt x="10376" y="2290"/>
+                </a:lnTo>
+                <a:lnTo>
+                  <a:pt x="10206" y="2095"/>
+                </a:lnTo>
+                <a:lnTo>
+                  <a:pt x="10035" y="1901"/>
+                </a:lnTo>
+                <a:lnTo>
+                  <a:pt x="9670" y="1413"/>
+                </a:lnTo>
+                <a:lnTo>
+                  <a:pt x="9231" y="878"/>
+                </a:lnTo>
+                <a:lnTo>
+                  <a:pt x="8988" y="585"/>
+                </a:lnTo>
+                <a:lnTo>
+                  <a:pt x="8720" y="293"/>
+                </a:lnTo>
+                <a:lnTo>
+                  <a:pt x="8720" y="293"/>
+                </a:lnTo>
+                <a:lnTo>
+                  <a:pt x="8574" y="171"/>
+                </a:lnTo>
+                <a:lnTo>
+                  <a:pt x="8379" y="74"/>
+                </a:lnTo>
+                <a:lnTo>
+                  <a:pt x="8209" y="25"/>
+                </a:lnTo>
+                <a:lnTo>
+                  <a:pt x="8014" y="1"/>
+                </a:lnTo>
+                <a:lnTo>
+                  <a:pt x="8014" y="1"/>
+                </a:lnTo>
+                <a:lnTo>
+                  <a:pt x="7916" y="25"/>
+                </a:lnTo>
+                <a:lnTo>
+                  <a:pt x="7770" y="98"/>
+                </a:lnTo>
+                <a:lnTo>
+                  <a:pt x="7307" y="366"/>
+                </a:lnTo>
+                <a:lnTo>
+                  <a:pt x="7039" y="537"/>
+                </a:lnTo>
+                <a:lnTo>
+                  <a:pt x="6747" y="756"/>
+                </a:lnTo>
+                <a:lnTo>
+                  <a:pt x="6431" y="975"/>
+                </a:lnTo>
+                <a:lnTo>
+                  <a:pt x="6138" y="1243"/>
+                </a:lnTo>
+                <a:lnTo>
+                  <a:pt x="5870" y="1511"/>
+                </a:lnTo>
+                <a:lnTo>
+                  <a:pt x="5627" y="1803"/>
+                </a:lnTo>
+                <a:lnTo>
+                  <a:pt x="5432" y="2095"/>
+                </a:lnTo>
+                <a:lnTo>
+                  <a:pt x="5359" y="2242"/>
+                </a:lnTo>
+                <a:lnTo>
+                  <a:pt x="5310" y="2412"/>
+                </a:lnTo>
+                <a:lnTo>
+                  <a:pt x="5262" y="2558"/>
+                </a:lnTo>
+                <a:lnTo>
+                  <a:pt x="5237" y="2704"/>
+                </a:lnTo>
+                <a:lnTo>
+                  <a:pt x="5237" y="2850"/>
+                </a:lnTo>
+                <a:lnTo>
+                  <a:pt x="5262" y="3021"/>
+                </a:lnTo>
+                <a:lnTo>
+                  <a:pt x="5310" y="3167"/>
+                </a:lnTo>
+                <a:lnTo>
+                  <a:pt x="5383" y="3313"/>
+                </a:lnTo>
+                <a:lnTo>
+                  <a:pt x="5481" y="3459"/>
+                </a:lnTo>
+                <a:lnTo>
+                  <a:pt x="5603" y="3605"/>
+                </a:lnTo>
+                <a:lnTo>
+                  <a:pt x="5603" y="3605"/>
+                </a:lnTo>
+                <a:lnTo>
+                  <a:pt x="5797" y="3752"/>
+                </a:lnTo>
+                <a:lnTo>
+                  <a:pt x="5992" y="3849"/>
+                </a:lnTo>
+                <a:lnTo>
+                  <a:pt x="6187" y="3946"/>
+                </a:lnTo>
+                <a:lnTo>
+                  <a:pt x="6406" y="3995"/>
+                </a:lnTo>
+                <a:lnTo>
+                  <a:pt x="6625" y="4044"/>
+                </a:lnTo>
+                <a:lnTo>
+                  <a:pt x="6845" y="4141"/>
+                </a:lnTo>
+                <a:lnTo>
+                  <a:pt x="7039" y="4239"/>
+                </a:lnTo>
+                <a:lnTo>
+                  <a:pt x="7234" y="4409"/>
+                </a:lnTo>
+                <a:lnTo>
+                  <a:pt x="7234" y="4409"/>
+                </a:lnTo>
+                <a:lnTo>
+                  <a:pt x="7405" y="4604"/>
+                </a:lnTo>
+                <a:lnTo>
+                  <a:pt x="7502" y="4823"/>
+                </a:lnTo>
+                <a:lnTo>
+                  <a:pt x="7575" y="5067"/>
+                </a:lnTo>
+                <a:lnTo>
+                  <a:pt x="7600" y="5359"/>
+                </a:lnTo>
+                <a:lnTo>
+                  <a:pt x="7600" y="5359"/>
+                </a:lnTo>
+                <a:lnTo>
+                  <a:pt x="7575" y="5554"/>
+                </a:lnTo>
+                <a:lnTo>
+                  <a:pt x="7551" y="5773"/>
+                </a:lnTo>
+                <a:lnTo>
+                  <a:pt x="7478" y="5968"/>
+                </a:lnTo>
+                <a:lnTo>
+                  <a:pt x="7405" y="6163"/>
+                </a:lnTo>
+                <a:lnTo>
+                  <a:pt x="7307" y="6357"/>
+                </a:lnTo>
+                <a:lnTo>
+                  <a:pt x="7186" y="6552"/>
+                </a:lnTo>
+                <a:lnTo>
+                  <a:pt x="7039" y="6723"/>
+                </a:lnTo>
+                <a:lnTo>
+                  <a:pt x="6893" y="6893"/>
+                </a:lnTo>
+                <a:lnTo>
+                  <a:pt x="6893" y="6893"/>
+                </a:lnTo>
+                <a:lnTo>
+                  <a:pt x="6723" y="7039"/>
+                </a:lnTo>
+                <a:lnTo>
+                  <a:pt x="6552" y="7186"/>
+                </a:lnTo>
+                <a:lnTo>
+                  <a:pt x="6382" y="7283"/>
+                </a:lnTo>
+                <a:lnTo>
+                  <a:pt x="6187" y="7405"/>
+                </a:lnTo>
+                <a:lnTo>
+                  <a:pt x="5992" y="7478"/>
+                </a:lnTo>
+                <a:lnTo>
+                  <a:pt x="5773" y="7551"/>
+                </a:lnTo>
+                <a:lnTo>
+                  <a:pt x="5554" y="7575"/>
+                </a:lnTo>
+                <a:lnTo>
+                  <a:pt x="5359" y="7600"/>
+                </a:lnTo>
+                <a:lnTo>
+                  <a:pt x="5359" y="7600"/>
+                </a:lnTo>
+                <a:lnTo>
+                  <a:pt x="5091" y="7575"/>
+                </a:lnTo>
+                <a:lnTo>
+                  <a:pt x="4848" y="7502"/>
+                </a:lnTo>
+                <a:lnTo>
+                  <a:pt x="4604" y="7405"/>
+                </a:lnTo>
+                <a:lnTo>
+                  <a:pt x="4409" y="7234"/>
+                </a:lnTo>
+                <a:lnTo>
+                  <a:pt x="4409" y="7234"/>
+                </a:lnTo>
+                <a:lnTo>
+                  <a:pt x="4239" y="7039"/>
+                </a:lnTo>
+                <a:lnTo>
+                  <a:pt x="4117" y="6820"/>
+                </a:lnTo>
+                <a:lnTo>
+                  <a:pt x="4044" y="6601"/>
+                </a:lnTo>
+                <a:lnTo>
+                  <a:pt x="3971" y="6382"/>
+                </a:lnTo>
+                <a:lnTo>
+                  <a:pt x="3922" y="6187"/>
+                </a:lnTo>
+                <a:lnTo>
+                  <a:pt x="3849" y="5992"/>
+                </a:lnTo>
+                <a:lnTo>
+                  <a:pt x="3752" y="5797"/>
+                </a:lnTo>
+                <a:lnTo>
+                  <a:pt x="3605" y="5602"/>
+                </a:lnTo>
+                <a:lnTo>
+                  <a:pt x="3605" y="5602"/>
+                </a:lnTo>
+                <a:lnTo>
+                  <a:pt x="3459" y="5481"/>
+                </a:lnTo>
+                <a:lnTo>
+                  <a:pt x="3313" y="5383"/>
+                </a:lnTo>
+                <a:lnTo>
+                  <a:pt x="3167" y="5310"/>
+                </a:lnTo>
+                <a:lnTo>
+                  <a:pt x="3021" y="5262"/>
+                </a:lnTo>
+                <a:lnTo>
+                  <a:pt x="2850" y="5237"/>
+                </a:lnTo>
+                <a:lnTo>
+                  <a:pt x="2704" y="5237"/>
+                </a:lnTo>
+                <a:lnTo>
+                  <a:pt x="2558" y="5262"/>
+                </a:lnTo>
+                <a:lnTo>
+                  <a:pt x="2412" y="5310"/>
+                </a:lnTo>
+                <a:lnTo>
+                  <a:pt x="2242" y="5359"/>
+                </a:lnTo>
+                <a:lnTo>
+                  <a:pt x="2095" y="5432"/>
+                </a:lnTo>
+                <a:lnTo>
+                  <a:pt x="1803" y="5627"/>
+                </a:lnTo>
+                <a:lnTo>
+                  <a:pt x="1511" y="5870"/>
+                </a:lnTo>
+                <a:lnTo>
+                  <a:pt x="1243" y="6138"/>
+                </a:lnTo>
+                <a:lnTo>
+                  <a:pt x="975" y="6431"/>
+                </a:lnTo>
+                <a:lnTo>
+                  <a:pt x="756" y="6747"/>
+                </a:lnTo>
+                <a:lnTo>
+                  <a:pt x="537" y="7039"/>
+                </a:lnTo>
+                <a:lnTo>
+                  <a:pt x="366" y="7307"/>
+                </a:lnTo>
+                <a:lnTo>
+                  <a:pt x="98" y="7770"/>
+                </a:lnTo>
+                <a:lnTo>
+                  <a:pt x="25" y="7916"/>
+                </a:lnTo>
+                <a:lnTo>
+                  <a:pt x="1" y="8014"/>
+                </a:lnTo>
+                <a:lnTo>
+                  <a:pt x="1" y="8014"/>
+                </a:lnTo>
+                <a:lnTo>
+                  <a:pt x="25" y="8208"/>
+                </a:lnTo>
+                <a:lnTo>
+                  <a:pt x="74" y="8379"/>
+                </a:lnTo>
+                <a:lnTo>
+                  <a:pt x="171" y="8574"/>
+                </a:lnTo>
+                <a:lnTo>
+                  <a:pt x="293" y="8720"/>
+                </a:lnTo>
+                <a:lnTo>
+                  <a:pt x="293" y="8720"/>
+                </a:lnTo>
+                <a:lnTo>
+                  <a:pt x="585" y="8988"/>
+                </a:lnTo>
+                <a:lnTo>
+                  <a:pt x="878" y="9231"/>
+                </a:lnTo>
+                <a:lnTo>
+                  <a:pt x="1413" y="9670"/>
+                </a:lnTo>
+                <a:lnTo>
+                  <a:pt x="1901" y="10035"/>
+                </a:lnTo>
+                <a:lnTo>
+                  <a:pt x="2095" y="10206"/>
+                </a:lnTo>
+                <a:lnTo>
+                  <a:pt x="2290" y="10376"/>
+                </a:lnTo>
+                <a:lnTo>
+                  <a:pt x="2412" y="10547"/>
+                </a:lnTo>
+                <a:lnTo>
+                  <a:pt x="2534" y="10717"/>
+                </a:lnTo>
+                <a:lnTo>
+                  <a:pt x="2583" y="10888"/>
+                </a:lnTo>
+                <a:lnTo>
+                  <a:pt x="2583" y="11082"/>
+                </a:lnTo>
+                <a:lnTo>
+                  <a:pt x="2534" y="11277"/>
+                </a:lnTo>
+                <a:lnTo>
+                  <a:pt x="2436" y="11496"/>
+                </a:lnTo>
+                <a:lnTo>
+                  <a:pt x="2266" y="11740"/>
+                </a:lnTo>
+                <a:lnTo>
+                  <a:pt x="1998" y="12008"/>
+                </a:lnTo>
+                <a:lnTo>
+                  <a:pt x="1998" y="12008"/>
+                </a:lnTo>
+                <a:lnTo>
+                  <a:pt x="1828" y="12178"/>
+                </a:lnTo>
+                <a:lnTo>
+                  <a:pt x="1633" y="12276"/>
+                </a:lnTo>
+                <a:lnTo>
+                  <a:pt x="1413" y="12349"/>
+                </a:lnTo>
+                <a:lnTo>
+                  <a:pt x="1219" y="12398"/>
+                </a:lnTo>
+                <a:lnTo>
+                  <a:pt x="999" y="12446"/>
+                </a:lnTo>
+                <a:lnTo>
+                  <a:pt x="780" y="12544"/>
+                </a:lnTo>
+                <a:lnTo>
+                  <a:pt x="585" y="12665"/>
+                </a:lnTo>
+                <a:lnTo>
+                  <a:pt x="366" y="12836"/>
+                </a:lnTo>
+                <a:lnTo>
+                  <a:pt x="366" y="12836"/>
+                </a:lnTo>
+                <a:lnTo>
+                  <a:pt x="196" y="13031"/>
+                </a:lnTo>
+                <a:lnTo>
+                  <a:pt x="98" y="13250"/>
+                </a:lnTo>
+                <a:lnTo>
+                  <a:pt x="25" y="13493"/>
+                </a:lnTo>
+                <a:lnTo>
+                  <a:pt x="1" y="13761"/>
+                </a:lnTo>
+                <a:lnTo>
+                  <a:pt x="1" y="13761"/>
+                </a:lnTo>
+                <a:lnTo>
+                  <a:pt x="25" y="13981"/>
+                </a:lnTo>
+                <a:lnTo>
+                  <a:pt x="50" y="14200"/>
+                </a:lnTo>
+                <a:lnTo>
+                  <a:pt x="123" y="14395"/>
+                </a:lnTo>
+                <a:lnTo>
+                  <a:pt x="220" y="14614"/>
+                </a:lnTo>
+                <a:lnTo>
+                  <a:pt x="318" y="14784"/>
+                </a:lnTo>
+                <a:lnTo>
+                  <a:pt x="439" y="14979"/>
+                </a:lnTo>
+                <a:lnTo>
+                  <a:pt x="561" y="15150"/>
+                </a:lnTo>
+                <a:lnTo>
+                  <a:pt x="707" y="15320"/>
+                </a:lnTo>
+                <a:lnTo>
+                  <a:pt x="707" y="15320"/>
+                </a:lnTo>
+                <a:lnTo>
+                  <a:pt x="878" y="15466"/>
+                </a:lnTo>
+                <a:lnTo>
+                  <a:pt x="1048" y="15588"/>
+                </a:lnTo>
+                <a:lnTo>
+                  <a:pt x="1243" y="15710"/>
+                </a:lnTo>
+                <a:lnTo>
+                  <a:pt x="1438" y="15832"/>
+                </a:lnTo>
+                <a:lnTo>
+                  <a:pt x="1633" y="15905"/>
+                </a:lnTo>
+                <a:lnTo>
+                  <a:pt x="1852" y="15978"/>
+                </a:lnTo>
+                <a:lnTo>
+                  <a:pt x="2047" y="16002"/>
+                </a:lnTo>
+                <a:lnTo>
+                  <a:pt x="2266" y="16026"/>
+                </a:lnTo>
+                <a:lnTo>
+                  <a:pt x="2266" y="16026"/>
+                </a:lnTo>
+                <a:lnTo>
+                  <a:pt x="2534" y="16002"/>
+                </a:lnTo>
+                <a:lnTo>
+                  <a:pt x="2777" y="15929"/>
+                </a:lnTo>
+                <a:lnTo>
+                  <a:pt x="2997" y="15832"/>
+                </a:lnTo>
+                <a:lnTo>
+                  <a:pt x="3191" y="15661"/>
+                </a:lnTo>
+                <a:lnTo>
+                  <a:pt x="3191" y="15661"/>
+                </a:lnTo>
+                <a:lnTo>
+                  <a:pt x="3362" y="15466"/>
+                </a:lnTo>
+                <a:lnTo>
+                  <a:pt x="3484" y="15247"/>
+                </a:lnTo>
+                <a:lnTo>
+                  <a:pt x="3557" y="15052"/>
+                </a:lnTo>
+                <a:lnTo>
+                  <a:pt x="3605" y="14833"/>
+                </a:lnTo>
+                <a:lnTo>
+                  <a:pt x="3679" y="14614"/>
+                </a:lnTo>
+                <a:lnTo>
+                  <a:pt x="3752" y="14419"/>
+                </a:lnTo>
+                <a:lnTo>
+                  <a:pt x="3849" y="14200"/>
+                </a:lnTo>
+                <a:lnTo>
+                  <a:pt x="4019" y="14029"/>
+                </a:lnTo>
+                <a:lnTo>
+                  <a:pt x="4019" y="14029"/>
+                </a:lnTo>
+                <a:lnTo>
+                  <a:pt x="4287" y="13786"/>
+                </a:lnTo>
+                <a:lnTo>
+                  <a:pt x="4531" y="13591"/>
+                </a:lnTo>
+                <a:lnTo>
+                  <a:pt x="4750" y="13493"/>
+                </a:lnTo>
+                <a:lnTo>
+                  <a:pt x="4945" y="13445"/>
+                </a:lnTo>
+                <a:lnTo>
+                  <a:pt x="5140" y="13445"/>
+                </a:lnTo>
+                <a:lnTo>
+                  <a:pt x="5310" y="13493"/>
+                </a:lnTo>
+                <a:lnTo>
+                  <a:pt x="5481" y="13615"/>
+                </a:lnTo>
+                <a:lnTo>
+                  <a:pt x="5651" y="13737"/>
+                </a:lnTo>
+                <a:lnTo>
+                  <a:pt x="5822" y="13932"/>
+                </a:lnTo>
+                <a:lnTo>
+                  <a:pt x="5992" y="14127"/>
+                </a:lnTo>
+                <a:lnTo>
+                  <a:pt x="6358" y="14614"/>
+                </a:lnTo>
+                <a:lnTo>
+                  <a:pt x="6796" y="15150"/>
+                </a:lnTo>
+                <a:lnTo>
+                  <a:pt x="7039" y="15442"/>
+                </a:lnTo>
+                <a:lnTo>
+                  <a:pt x="7307" y="15734"/>
+                </a:lnTo>
+                <a:lnTo>
+                  <a:pt x="7307" y="15734"/>
+                </a:lnTo>
+                <a:lnTo>
+                  <a:pt x="7454" y="15856"/>
+                </a:lnTo>
+                <a:lnTo>
+                  <a:pt x="7648" y="15953"/>
+                </a:lnTo>
+                <a:lnTo>
+                  <a:pt x="7819" y="16002"/>
+                </a:lnTo>
+                <a:lnTo>
+                  <a:pt x="8014" y="16026"/>
+                </a:lnTo>
+                <a:lnTo>
+                  <a:pt x="8014" y="16026"/>
+                </a:lnTo>
+                <a:lnTo>
+                  <a:pt x="8111" y="16002"/>
+                </a:lnTo>
+                <a:lnTo>
+                  <a:pt x="8257" y="15929"/>
+                </a:lnTo>
+                <a:lnTo>
+                  <a:pt x="8720" y="15661"/>
+                </a:lnTo>
+                <a:lnTo>
+                  <a:pt x="8988" y="15491"/>
+                </a:lnTo>
+                <a:lnTo>
+                  <a:pt x="9280" y="15271"/>
+                </a:lnTo>
+                <a:lnTo>
+                  <a:pt x="9597" y="15052"/>
+                </a:lnTo>
+                <a:lnTo>
+                  <a:pt x="9889" y="14784"/>
+                </a:lnTo>
+                <a:lnTo>
+                  <a:pt x="10157" y="14516"/>
+                </a:lnTo>
+                <a:lnTo>
+                  <a:pt x="10400" y="14224"/>
+                </a:lnTo>
+                <a:lnTo>
+                  <a:pt x="10595" y="13932"/>
+                </a:lnTo>
+                <a:lnTo>
+                  <a:pt x="10668" y="13786"/>
+                </a:lnTo>
+                <a:lnTo>
+                  <a:pt x="10717" y="13615"/>
+                </a:lnTo>
+                <a:lnTo>
+                  <a:pt x="10766" y="13469"/>
+                </a:lnTo>
+                <a:lnTo>
+                  <a:pt x="10790" y="13323"/>
+                </a:lnTo>
+                <a:lnTo>
+                  <a:pt x="10790" y="13177"/>
+                </a:lnTo>
+                <a:lnTo>
+                  <a:pt x="10766" y="13006"/>
+                </a:lnTo>
+                <a:lnTo>
+                  <a:pt x="10717" y="12860"/>
+                </a:lnTo>
+                <a:lnTo>
+                  <a:pt x="10644" y="12714"/>
+                </a:lnTo>
+                <a:lnTo>
+                  <a:pt x="10547" y="12568"/>
+                </a:lnTo>
+                <a:lnTo>
+                  <a:pt x="10425" y="12422"/>
+                </a:lnTo>
+                <a:lnTo>
+                  <a:pt x="10425" y="12422"/>
+                </a:lnTo>
+                <a:lnTo>
+                  <a:pt x="10230" y="12276"/>
+                </a:lnTo>
+                <a:lnTo>
+                  <a:pt x="10035" y="12178"/>
+                </a:lnTo>
+                <a:lnTo>
+                  <a:pt x="9840" y="12105"/>
+                </a:lnTo>
+                <a:lnTo>
+                  <a:pt x="9621" y="12032"/>
+                </a:lnTo>
+                <a:lnTo>
+                  <a:pt x="9402" y="11983"/>
+                </a:lnTo>
+                <a:lnTo>
+                  <a:pt x="9183" y="11886"/>
+                </a:lnTo>
+                <a:lnTo>
+                  <a:pt x="8988" y="11789"/>
+                </a:lnTo>
+                <a:lnTo>
+                  <a:pt x="8793" y="11618"/>
+                </a:lnTo>
+                <a:lnTo>
+                  <a:pt x="8793" y="11618"/>
+                </a:lnTo>
+                <a:lnTo>
+                  <a:pt x="8623" y="11423"/>
+                </a:lnTo>
+                <a:lnTo>
+                  <a:pt x="8525" y="11204"/>
+                </a:lnTo>
+                <a:lnTo>
+                  <a:pt x="8452" y="10961"/>
+                </a:lnTo>
+                <a:lnTo>
+                  <a:pt x="8428" y="10668"/>
+                </a:lnTo>
+                <a:lnTo>
+                  <a:pt x="8428" y="10668"/>
+                </a:lnTo>
+                <a:lnTo>
+                  <a:pt x="8452" y="10473"/>
+                </a:lnTo>
+                <a:lnTo>
+                  <a:pt x="8476" y="10254"/>
+                </a:lnTo>
+                <a:lnTo>
+                  <a:pt x="8549" y="10059"/>
+                </a:lnTo>
+                <a:lnTo>
+                  <a:pt x="8623" y="9865"/>
+                </a:lnTo>
+                <a:lnTo>
+                  <a:pt x="8720" y="9670"/>
+                </a:lnTo>
+                <a:lnTo>
+                  <a:pt x="8842" y="9475"/>
+                </a:lnTo>
+                <a:lnTo>
+                  <a:pt x="8988" y="9304"/>
+                </a:lnTo>
+                <a:lnTo>
+                  <a:pt x="9134" y="9134"/>
+                </a:lnTo>
+                <a:lnTo>
+                  <a:pt x="9134" y="9134"/>
+                </a:lnTo>
+                <a:lnTo>
+                  <a:pt x="9304" y="8988"/>
+                </a:lnTo>
+                <a:lnTo>
+                  <a:pt x="9475" y="8866"/>
+                </a:lnTo>
+                <a:lnTo>
+                  <a:pt x="9645" y="8744"/>
+                </a:lnTo>
+                <a:lnTo>
+                  <a:pt x="9840" y="8622"/>
+                </a:lnTo>
+                <a:lnTo>
+                  <a:pt x="10035" y="8549"/>
+                </a:lnTo>
+                <a:lnTo>
+                  <a:pt x="10254" y="8476"/>
+                </a:lnTo>
+                <a:lnTo>
+                  <a:pt x="10474" y="8452"/>
+                </a:lnTo>
+                <a:lnTo>
+                  <a:pt x="10668" y="8428"/>
+                </a:lnTo>
+                <a:lnTo>
+                  <a:pt x="10668" y="8428"/>
+                </a:lnTo>
+                <a:lnTo>
+                  <a:pt x="10936" y="8452"/>
+                </a:lnTo>
+                <a:lnTo>
+                  <a:pt x="11180" y="8525"/>
+                </a:lnTo>
+                <a:lnTo>
+                  <a:pt x="11423" y="8622"/>
+                </a:lnTo>
+                <a:lnTo>
+                  <a:pt x="11618" y="8793"/>
+                </a:lnTo>
+                <a:lnTo>
+                  <a:pt x="11618" y="8793"/>
+                </a:lnTo>
+                <a:lnTo>
+                  <a:pt x="11789" y="8988"/>
+                </a:lnTo>
+                <a:lnTo>
+                  <a:pt x="11910" y="9207"/>
+                </a:lnTo>
+                <a:lnTo>
+                  <a:pt x="11984" y="9426"/>
+                </a:lnTo>
+                <a:lnTo>
+                  <a:pt x="12057" y="9645"/>
+                </a:lnTo>
+                <a:lnTo>
+                  <a:pt x="12105" y="9840"/>
+                </a:lnTo>
+                <a:lnTo>
+                  <a:pt x="12178" y="10035"/>
+                </a:lnTo>
+                <a:lnTo>
+                  <a:pt x="12276" y="10230"/>
+                </a:lnTo>
+                <a:lnTo>
+                  <a:pt x="12422" y="10425"/>
+                </a:lnTo>
+                <a:lnTo>
+                  <a:pt x="12422" y="10425"/>
+                </a:lnTo>
+                <a:lnTo>
+                  <a:pt x="12568" y="10547"/>
+                </a:lnTo>
+                <a:lnTo>
+                  <a:pt x="12714" y="10644"/>
+                </a:lnTo>
+                <a:lnTo>
+                  <a:pt x="12860" y="10717"/>
+                </a:lnTo>
+                <a:lnTo>
+                  <a:pt x="13006" y="10766"/>
+                </a:lnTo>
+                <a:lnTo>
+                  <a:pt x="13177" y="10790"/>
+                </a:lnTo>
+                <a:lnTo>
+                  <a:pt x="13323" y="10790"/>
+                </a:lnTo>
+                <a:lnTo>
+                  <a:pt x="13469" y="10766"/>
+                </a:lnTo>
+                <a:lnTo>
+                  <a:pt x="13615" y="10717"/>
+                </a:lnTo>
+                <a:lnTo>
+                  <a:pt x="13786" y="10668"/>
+                </a:lnTo>
+                <a:lnTo>
+                  <a:pt x="13932" y="10595"/>
+                </a:lnTo>
+                <a:lnTo>
+                  <a:pt x="14224" y="10400"/>
+                </a:lnTo>
+                <a:lnTo>
+                  <a:pt x="14516" y="10157"/>
+                </a:lnTo>
+                <a:lnTo>
+                  <a:pt x="14784" y="9889"/>
+                </a:lnTo>
+                <a:lnTo>
+                  <a:pt x="15052" y="9597"/>
+                </a:lnTo>
+                <a:lnTo>
+                  <a:pt x="15271" y="9280"/>
+                </a:lnTo>
+                <a:lnTo>
+                  <a:pt x="15491" y="8988"/>
+                </a:lnTo>
+                <a:lnTo>
+                  <a:pt x="15661" y="8720"/>
+                </a:lnTo>
+                <a:lnTo>
+                  <a:pt x="15929" y="8257"/>
+                </a:lnTo>
+                <a:lnTo>
+                  <a:pt x="16002" y="8111"/>
+                </a:lnTo>
+                <a:lnTo>
+                  <a:pt x="16026" y="8014"/>
+                </a:lnTo>
+                <a:lnTo>
+                  <a:pt x="16026" y="8014"/>
+                </a:lnTo>
+                <a:lnTo>
+                  <a:pt x="16002" y="7819"/>
+                </a:lnTo>
+                <a:lnTo>
+                  <a:pt x="15953" y="7648"/>
+                </a:lnTo>
+                <a:lnTo>
+                  <a:pt x="15856" y="7453"/>
+                </a:lnTo>
+                <a:lnTo>
+                  <a:pt x="15734" y="7307"/>
+                </a:lnTo>
+                <a:lnTo>
+                  <a:pt x="15734" y="7307"/>
+                </a:lnTo>
+                <a:lnTo>
+                  <a:pt x="15442" y="7039"/>
+                </a:lnTo>
+                <a:lnTo>
+                  <a:pt x="15150" y="6796"/>
+                </a:lnTo>
+                <a:lnTo>
+                  <a:pt x="14614" y="6357"/>
+                </a:lnTo>
+                <a:lnTo>
+                  <a:pt x="14127" y="5992"/>
+                </a:lnTo>
+                <a:lnTo>
+                  <a:pt x="13932" y="5822"/>
+                </a:lnTo>
+                <a:lnTo>
+                  <a:pt x="13737" y="5651"/>
+                </a:lnTo>
+                <a:lnTo>
+                  <a:pt x="13615" y="5481"/>
+                </a:lnTo>
+                <a:lnTo>
+                  <a:pt x="13494" y="5310"/>
+                </a:lnTo>
+                <a:lnTo>
+                  <a:pt x="13445" y="5140"/>
+                </a:lnTo>
+                <a:lnTo>
+                  <a:pt x="13445" y="4945"/>
+                </a:lnTo>
+                <a:lnTo>
+                  <a:pt x="13494" y="4750"/>
+                </a:lnTo>
+                <a:lnTo>
+                  <a:pt x="13591" y="4531"/>
+                </a:lnTo>
+                <a:lnTo>
+                  <a:pt x="13761" y="4287"/>
+                </a:lnTo>
+                <a:lnTo>
+                  <a:pt x="14029" y="4019"/>
+                </a:lnTo>
+                <a:lnTo>
+                  <a:pt x="14029" y="4019"/>
+                </a:lnTo>
+                <a:close/>
+              </a:path>
+            </a:pathLst>
+          </a:custGeom>
+          <a:noFill/>
+          <a:ln w="12175" cap="rnd" cmpd="sng">
+            <a:solidFill>
+              <a:schemeClr val="accent1"/>
+            </a:solidFill>
+            <a:prstDash val="solid"/>
+            <a:round/>
+            <a:headEnd type="none" w="sm" len="sm"/>
+            <a:tailEnd type="none" w="sm" len="sm"/>
+          </a:ln>
+        </p:spPr>
+        <p:txBody>
+          <a:bodyPr spcFirstLastPara="1" wrap="square" lIns="91425" tIns="91425" rIns="91425" bIns="91425" anchor="ctr" anchorCtr="0">
+            <a:noAutofit/>
+          </a:bodyPr>
+          <a:lstStyle/>
+          <a:p>
+            <a:pPr marL="0" lvl="0" indent="0" algn="l" rtl="0">
+              <a:spcBef>
+                <a:spcPts val="0"/>
+              </a:spcBef>
+              <a:spcAft>
+                <a:spcPts val="0"/>
+              </a:spcAft>
+              <a:buNone/>
+            </a:pPr>
+            <a:endParaRPr/>
+          </a:p>
+        </p:txBody>
+      </p:sp>
+    </p:spTree>
+    <p:extLst>
+      <p:ext uri="{BB962C8B-B14F-4D97-AF65-F5344CB8AC3E}">
+        <p14:creationId xmlns:p14="http://schemas.microsoft.com/office/powerpoint/2010/main" val="1255366149"/>
       </p:ext>
     </p:extLst>
   </p:cSld>

--- a/RefactoringToCleanerCode-In Person.pptx
+++ b/RefactoringToCleanerCode-In Person.pptx
@@ -5,7 +5,7 @@
     <p:sldMasterId id="2147483658" r:id="rId1"/>
   </p:sldMasterIdLst>
   <p:notesMasterIdLst>
-    <p:notesMasterId r:id="rId15"/>
+    <p:notesMasterId r:id="rId16"/>
   </p:notesMasterIdLst>
   <p:sldIdLst>
     <p:sldId id="256" r:id="rId2"/>
@@ -19,8 +19,9 @@
     <p:sldId id="302" r:id="rId10"/>
     <p:sldId id="260" r:id="rId11"/>
     <p:sldId id="288" r:id="rId12"/>
-    <p:sldId id="300" r:id="rId13"/>
-    <p:sldId id="278" r:id="rId14"/>
+    <p:sldId id="303" r:id="rId13"/>
+    <p:sldId id="300" r:id="rId14"/>
+    <p:sldId id="278" r:id="rId15"/>
   </p:sldIdLst>
   <p:sldSz cx="9144000" cy="5143500" type="screen16x9"/>
   <p:notesSz cx="6858000" cy="9144000"/>
@@ -5980,7 +5981,7 @@
                 </a:solidFill>
                 <a:latin typeface="Playfair Display"/>
               </a:rPr>
-              <a:t>with @</a:t>
+              <a:t>with </a:t>
             </a:r>
             <a:r>
               <a:rPr lang="en-US" sz="2400" dirty="0">
@@ -5991,7 +5992,7 @@
                 </a:solidFill>
                 <a:latin typeface="Playfair Display"/>
               </a:rPr>
-              <a:t>Jay</a:t>
+              <a:t>Jay </a:t>
             </a:r>
             <a:r>
               <a:rPr lang="en-US" sz="2400" dirty="0">
@@ -6404,6 +6405,447 @@
           <p:cNvPr id="4" name="Slide Number Placeholder 3">
             <a:extLst>
               <a:ext uri="{FF2B5EF4-FFF2-40B4-BE49-F238E27FC236}">
+                <a16:creationId xmlns:a16="http://schemas.microsoft.com/office/drawing/2014/main" id="{298222FE-0203-93E0-01C9-0058D7452F22}"/>
+              </a:ext>
+            </a:extLst>
+          </p:cNvPr>
+          <p:cNvSpPr>
+            <a:spLocks noGrp="1"/>
+          </p:cNvSpPr>
+          <p:nvPr>
+            <p:ph type="sldNum" idx="12"/>
+          </p:nvPr>
+        </p:nvSpPr>
+        <p:spPr/>
+        <p:txBody>
+          <a:bodyPr/>
+          <a:lstStyle/>
+          <a:p>
+            <a:pPr marL="0" lvl="0" indent="0" algn="ctr" rtl="0">
+              <a:spcBef>
+                <a:spcPts val="0"/>
+              </a:spcBef>
+              <a:spcAft>
+                <a:spcPts val="0"/>
+              </a:spcAft>
+              <a:buNone/>
+            </a:pPr>
+            <a:fld id="{00000000-1234-1234-1234-123412341234}" type="slidenum">
+              <a:rPr lang="en" smtClean="0"/>
+              <a:t>12</a:t>
+            </a:fld>
+            <a:endParaRPr lang="en"/>
+          </a:p>
+        </p:txBody>
+      </p:sp>
+      <p:pic>
+        <p:nvPicPr>
+          <p:cNvPr id="5" name="Picture 4">
+            <a:extLst>
+              <a:ext uri="{FF2B5EF4-FFF2-40B4-BE49-F238E27FC236}">
+                <a16:creationId xmlns:a16="http://schemas.microsoft.com/office/drawing/2014/main" id="{FD86654E-10EC-73A5-7641-FE34427EC654}"/>
+              </a:ext>
+            </a:extLst>
+          </p:cNvPr>
+          <p:cNvPicPr>
+            <a:picLocks noChangeAspect="1"/>
+          </p:cNvPicPr>
+          <p:nvPr/>
+        </p:nvPicPr>
+        <p:blipFill rotWithShape="1">
+          <a:blip r:embed="rId2"/>
+          <a:srcRect l="14682" t="8319" r="7162"/>
+          <a:stretch/>
+        </p:blipFill>
+        <p:spPr>
+          <a:xfrm>
+            <a:off x="262394" y="268563"/>
+            <a:ext cx="7205396" cy="4606374"/>
+          </a:xfrm>
+          <a:prstGeom prst="rect">
+            <a:avLst/>
+          </a:prstGeom>
+        </p:spPr>
+      </p:pic>
+      <p:sp>
+        <p:nvSpPr>
+          <p:cNvPr id="7" name="Rectangle 6">
+            <a:extLst>
+              <a:ext uri="{FF2B5EF4-FFF2-40B4-BE49-F238E27FC236}">
+                <a16:creationId xmlns:a16="http://schemas.microsoft.com/office/drawing/2014/main" id="{661266A2-F67B-4FEA-0479-6487B609853C}"/>
+              </a:ext>
+            </a:extLst>
+          </p:cNvPr>
+          <p:cNvSpPr/>
+          <p:nvPr/>
+        </p:nvSpPr>
+        <p:spPr>
+          <a:xfrm>
+            <a:off x="5629523" y="4206240"/>
+            <a:ext cx="3252083" cy="668697"/>
+          </a:xfrm>
+          <a:prstGeom prst="rect">
+            <a:avLst/>
+          </a:prstGeom>
+          <a:solidFill>
+            <a:srgbClr val="FFFFFF">
+              <a:alpha val="78824"/>
+            </a:srgbClr>
+          </a:solidFill>
+          <a:ln>
+            <a:noFill/>
+          </a:ln>
+        </p:spPr>
+        <p:style>
+          <a:lnRef idx="2">
+            <a:schemeClr val="accent1">
+              <a:shade val="15000"/>
+            </a:schemeClr>
+          </a:lnRef>
+          <a:fillRef idx="1">
+            <a:schemeClr val="accent1"/>
+          </a:fillRef>
+          <a:effectRef idx="0">
+            <a:schemeClr val="accent1"/>
+          </a:effectRef>
+          <a:fontRef idx="minor">
+            <a:schemeClr val="lt1"/>
+          </a:fontRef>
+        </p:style>
+        <p:txBody>
+          <a:bodyPr rtlCol="0" anchor="ctr"/>
+          <a:lstStyle/>
+          <a:p>
+            <a:pPr algn="ctr"/>
+            <a:endParaRPr lang="en-US"/>
+          </a:p>
+        </p:txBody>
+      </p:sp>
+      <p:sp>
+        <p:nvSpPr>
+          <p:cNvPr id="6" name="Google Shape;94;p18">
+            <a:extLst>
+              <a:ext uri="{FF2B5EF4-FFF2-40B4-BE49-F238E27FC236}">
+                <a16:creationId xmlns:a16="http://schemas.microsoft.com/office/drawing/2014/main" id="{C0C4E741-420E-957C-6922-C138F79DF5C2}"/>
+              </a:ext>
+            </a:extLst>
+          </p:cNvPr>
+          <p:cNvSpPr txBox="1">
+            <a:spLocks/>
+          </p:cNvSpPr>
+          <p:nvPr/>
+        </p:nvSpPr>
+        <p:spPr>
+          <a:xfrm>
+            <a:off x="5498357" y="3905968"/>
+            <a:ext cx="3506525" cy="1159800"/>
+          </a:xfrm>
+          <a:prstGeom prst="rect">
+            <a:avLst/>
+          </a:prstGeom>
+          <a:noFill/>
+          <a:ln>
+            <a:noFill/>
+          </a:ln>
+        </p:spPr>
+        <p:txBody>
+          <a:bodyPr spcFirstLastPara="1" wrap="square" lIns="91425" tIns="91425" rIns="91425" bIns="91425" anchor="ctr" anchorCtr="0">
+            <a:noAutofit/>
+          </a:bodyPr>
+          <a:lstStyle>
+            <a:defPPr marR="0" lvl="0" algn="l" rtl="0">
+              <a:lnSpc>
+                <a:spcPct val="100000"/>
+              </a:lnSpc>
+              <a:spcBef>
+                <a:spcPts val="0"/>
+              </a:spcBef>
+              <a:spcAft>
+                <a:spcPts val="0"/>
+              </a:spcAft>
+            </a:defPPr>
+            <a:lvl1pPr marR="0" lvl="0" algn="ctr" rtl="0">
+              <a:lnSpc>
+                <a:spcPct val="100000"/>
+              </a:lnSpc>
+              <a:spcBef>
+                <a:spcPts val="0"/>
+              </a:spcBef>
+              <a:spcAft>
+                <a:spcPts val="0"/>
+              </a:spcAft>
+              <a:buClr>
+                <a:schemeClr val="dk1"/>
+              </a:buClr>
+              <a:buSzPts val="1600"/>
+              <a:buFont typeface="Playfair Display"/>
+              <a:buNone/>
+              <a:defRPr sz="1600" b="0" i="0" u="none" strike="noStrike" cap="none">
+                <a:solidFill>
+                  <a:schemeClr val="dk1"/>
+                </a:solidFill>
+                <a:latin typeface="Playfair Display"/>
+                <a:ea typeface="Playfair Display"/>
+                <a:cs typeface="Playfair Display"/>
+                <a:sym typeface="Playfair Display"/>
+              </a:defRPr>
+            </a:lvl1pPr>
+            <a:lvl2pPr marR="0" lvl="1" algn="ctr" rtl="0">
+              <a:lnSpc>
+                <a:spcPct val="100000"/>
+              </a:lnSpc>
+              <a:spcBef>
+                <a:spcPts val="0"/>
+              </a:spcBef>
+              <a:spcAft>
+                <a:spcPts val="0"/>
+              </a:spcAft>
+              <a:buClr>
+                <a:schemeClr val="dk1"/>
+              </a:buClr>
+              <a:buSzPts val="1600"/>
+              <a:buFont typeface="Playfair Display"/>
+              <a:buNone/>
+              <a:defRPr sz="1600" b="0" i="0" u="none" strike="noStrike" cap="none">
+                <a:solidFill>
+                  <a:schemeClr val="dk1"/>
+                </a:solidFill>
+                <a:latin typeface="Playfair Display"/>
+                <a:ea typeface="Playfair Display"/>
+                <a:cs typeface="Playfair Display"/>
+                <a:sym typeface="Playfair Display"/>
+              </a:defRPr>
+            </a:lvl2pPr>
+            <a:lvl3pPr marR="0" lvl="2" algn="ctr" rtl="0">
+              <a:lnSpc>
+                <a:spcPct val="100000"/>
+              </a:lnSpc>
+              <a:spcBef>
+                <a:spcPts val="0"/>
+              </a:spcBef>
+              <a:spcAft>
+                <a:spcPts val="0"/>
+              </a:spcAft>
+              <a:buClr>
+                <a:schemeClr val="dk1"/>
+              </a:buClr>
+              <a:buSzPts val="1600"/>
+              <a:buFont typeface="Playfair Display"/>
+              <a:buNone/>
+              <a:defRPr sz="1600" b="0" i="0" u="none" strike="noStrike" cap="none">
+                <a:solidFill>
+                  <a:schemeClr val="dk1"/>
+                </a:solidFill>
+                <a:latin typeface="Playfair Display"/>
+                <a:ea typeface="Playfair Display"/>
+                <a:cs typeface="Playfair Display"/>
+                <a:sym typeface="Playfair Display"/>
+              </a:defRPr>
+            </a:lvl3pPr>
+            <a:lvl4pPr marR="0" lvl="3" algn="ctr" rtl="0">
+              <a:lnSpc>
+                <a:spcPct val="100000"/>
+              </a:lnSpc>
+              <a:spcBef>
+                <a:spcPts val="0"/>
+              </a:spcBef>
+              <a:spcAft>
+                <a:spcPts val="0"/>
+              </a:spcAft>
+              <a:buClr>
+                <a:schemeClr val="dk1"/>
+              </a:buClr>
+              <a:buSzPts val="1600"/>
+              <a:buFont typeface="Playfair Display"/>
+              <a:buNone/>
+              <a:defRPr sz="1600" b="0" i="0" u="none" strike="noStrike" cap="none">
+                <a:solidFill>
+                  <a:schemeClr val="dk1"/>
+                </a:solidFill>
+                <a:latin typeface="Playfair Display"/>
+                <a:ea typeface="Playfair Display"/>
+                <a:cs typeface="Playfair Display"/>
+                <a:sym typeface="Playfair Display"/>
+              </a:defRPr>
+            </a:lvl4pPr>
+            <a:lvl5pPr marR="0" lvl="4" algn="ctr" rtl="0">
+              <a:lnSpc>
+                <a:spcPct val="100000"/>
+              </a:lnSpc>
+              <a:spcBef>
+                <a:spcPts val="0"/>
+              </a:spcBef>
+              <a:spcAft>
+                <a:spcPts val="0"/>
+              </a:spcAft>
+              <a:buClr>
+                <a:schemeClr val="dk1"/>
+              </a:buClr>
+              <a:buSzPts val="1600"/>
+              <a:buFont typeface="Playfair Display"/>
+              <a:buNone/>
+              <a:defRPr sz="1600" b="0" i="0" u="none" strike="noStrike" cap="none">
+                <a:solidFill>
+                  <a:schemeClr val="dk1"/>
+                </a:solidFill>
+                <a:latin typeface="Playfair Display"/>
+                <a:ea typeface="Playfair Display"/>
+                <a:cs typeface="Playfair Display"/>
+                <a:sym typeface="Playfair Display"/>
+              </a:defRPr>
+            </a:lvl5pPr>
+            <a:lvl6pPr marR="0" lvl="5" algn="ctr" rtl="0">
+              <a:lnSpc>
+                <a:spcPct val="100000"/>
+              </a:lnSpc>
+              <a:spcBef>
+                <a:spcPts val="0"/>
+              </a:spcBef>
+              <a:spcAft>
+                <a:spcPts val="0"/>
+              </a:spcAft>
+              <a:buClr>
+                <a:schemeClr val="dk1"/>
+              </a:buClr>
+              <a:buSzPts val="1600"/>
+              <a:buFont typeface="Playfair Display"/>
+              <a:buNone/>
+              <a:defRPr sz="1600" b="0" i="0" u="none" strike="noStrike" cap="none">
+                <a:solidFill>
+                  <a:schemeClr val="dk1"/>
+                </a:solidFill>
+                <a:latin typeface="Playfair Display"/>
+                <a:ea typeface="Playfair Display"/>
+                <a:cs typeface="Playfair Display"/>
+                <a:sym typeface="Playfair Display"/>
+              </a:defRPr>
+            </a:lvl6pPr>
+            <a:lvl7pPr marR="0" lvl="6" algn="ctr" rtl="0">
+              <a:lnSpc>
+                <a:spcPct val="100000"/>
+              </a:lnSpc>
+              <a:spcBef>
+                <a:spcPts val="0"/>
+              </a:spcBef>
+              <a:spcAft>
+                <a:spcPts val="0"/>
+              </a:spcAft>
+              <a:buClr>
+                <a:schemeClr val="dk1"/>
+              </a:buClr>
+              <a:buSzPts val="1600"/>
+              <a:buFont typeface="Playfair Display"/>
+              <a:buNone/>
+              <a:defRPr sz="1600" b="0" i="0" u="none" strike="noStrike" cap="none">
+                <a:solidFill>
+                  <a:schemeClr val="dk1"/>
+                </a:solidFill>
+                <a:latin typeface="Playfair Display"/>
+                <a:ea typeface="Playfair Display"/>
+                <a:cs typeface="Playfair Display"/>
+                <a:sym typeface="Playfair Display"/>
+              </a:defRPr>
+            </a:lvl7pPr>
+            <a:lvl8pPr marR="0" lvl="7" algn="ctr" rtl="0">
+              <a:lnSpc>
+                <a:spcPct val="100000"/>
+              </a:lnSpc>
+              <a:spcBef>
+                <a:spcPts val="0"/>
+              </a:spcBef>
+              <a:spcAft>
+                <a:spcPts val="0"/>
+              </a:spcAft>
+              <a:buClr>
+                <a:schemeClr val="dk1"/>
+              </a:buClr>
+              <a:buSzPts val="1600"/>
+              <a:buFont typeface="Playfair Display"/>
+              <a:buNone/>
+              <a:defRPr sz="1600" b="0" i="0" u="none" strike="noStrike" cap="none">
+                <a:solidFill>
+                  <a:schemeClr val="dk1"/>
+                </a:solidFill>
+                <a:latin typeface="Playfair Display"/>
+                <a:ea typeface="Playfair Display"/>
+                <a:cs typeface="Playfair Display"/>
+                <a:sym typeface="Playfair Display"/>
+              </a:defRPr>
+            </a:lvl8pPr>
+            <a:lvl9pPr marR="0" lvl="8" algn="ctr" rtl="0">
+              <a:lnSpc>
+                <a:spcPct val="100000"/>
+              </a:lnSpc>
+              <a:spcBef>
+                <a:spcPts val="0"/>
+              </a:spcBef>
+              <a:spcAft>
+                <a:spcPts val="0"/>
+              </a:spcAft>
+              <a:buClr>
+                <a:schemeClr val="dk1"/>
+              </a:buClr>
+              <a:buSzPts val="1600"/>
+              <a:buFont typeface="Playfair Display"/>
+              <a:buNone/>
+              <a:defRPr sz="1600" b="0" i="0" u="none" strike="noStrike" cap="none">
+                <a:solidFill>
+                  <a:schemeClr val="dk1"/>
+                </a:solidFill>
+                <a:latin typeface="Playfair Display"/>
+                <a:ea typeface="Playfair Display"/>
+                <a:cs typeface="Playfair Display"/>
+                <a:sym typeface="Playfair Display"/>
+              </a:defRPr>
+            </a:lvl9pPr>
+          </a:lstStyle>
+          <a:p>
+            <a:r>
+              <a:rPr lang="en-US" sz="6000" i="1" dirty="0">
+                <a:solidFill>
+                  <a:schemeClr val="accent1"/>
+                </a:solidFill>
+              </a:rPr>
+              <a:t>Resources</a:t>
+            </a:r>
+          </a:p>
+        </p:txBody>
+      </p:sp>
+    </p:spTree>
+    <p:extLst>
+      <p:ext uri="{BB962C8B-B14F-4D97-AF65-F5344CB8AC3E}">
+        <p14:creationId xmlns:p14="http://schemas.microsoft.com/office/powerpoint/2010/main" val="2509238381"/>
+      </p:ext>
+    </p:extLst>
+  </p:cSld>
+  <p:clrMapOvr>
+    <a:masterClrMapping/>
+  </p:clrMapOvr>
+</p:sld>
+</file>
+
+<file path=ppt/slides/slide13.xml><?xml version="1.0" encoding="utf-8"?>
+<p:sld xmlns:a="http://schemas.openxmlformats.org/drawingml/2006/main" xmlns:r="http://schemas.openxmlformats.org/officeDocument/2006/relationships" xmlns:p="http://schemas.openxmlformats.org/presentationml/2006/main" show="0">
+  <p:cSld>
+    <p:spTree>
+      <p:nvGrpSpPr>
+        <p:cNvPr id="1" name=""/>
+        <p:cNvGrpSpPr/>
+        <p:nvPr/>
+      </p:nvGrpSpPr>
+      <p:grpSpPr>
+        <a:xfrm>
+          <a:off x="0" y="0"/>
+          <a:ext cx="0" cy="0"/>
+          <a:chOff x="0" y="0"/>
+          <a:chExt cx="0" cy="0"/>
+        </a:xfrm>
+      </p:grpSpPr>
+      <p:sp>
+        <p:nvSpPr>
+          <p:cNvPr id="4" name="Slide Number Placeholder 3">
+            <a:extLst>
+              <a:ext uri="{FF2B5EF4-FFF2-40B4-BE49-F238E27FC236}">
                 <a16:creationId xmlns:a16="http://schemas.microsoft.com/office/drawing/2014/main" id="{BB9EA6DB-88EF-BDD0-A8D6-34D64A1F3C9E}"/>
               </a:ext>
             </a:extLst>
@@ -6431,7 +6873,7 @@
             </a:pPr>
             <a:fld id="{00000000-1234-1234-1234-123412341234}" type="slidenum">
               <a:rPr lang="en" smtClean="0"/>
-              <a:t>12</a:t>
+              <a:t>13</a:t>
             </a:fld>
             <a:endParaRPr lang="en"/>
           </a:p>
@@ -7145,7 +7587,7 @@
 </p:sld>
 </file>
 
-<file path=ppt/slides/slide13.xml><?xml version="1.0" encoding="utf-8"?>
+<file path=ppt/slides/slide14.xml><?xml version="1.0" encoding="utf-8"?>
 <p:sld xmlns:a="http://schemas.openxmlformats.org/drawingml/2006/main" xmlns:r="http://schemas.openxmlformats.org/officeDocument/2006/relationships" xmlns:p="http://schemas.openxmlformats.org/presentationml/2006/main">
   <p:cSld>
     <p:spTree>
@@ -7349,7 +7791,7 @@
             </a:pPr>
             <a:fld id="{00000000-1234-1234-1234-123412341234}" type="slidenum">
               <a:rPr lang="en"/>
-              <a:t>13</a:t>
+              <a:t>14</a:t>
             </a:fld>
             <a:endParaRPr/>
           </a:p>
@@ -7838,8 +8280,8 @@
         </p:nvSpPr>
         <p:spPr>
           <a:xfrm>
-            <a:off x="4846350" y="3374652"/>
-            <a:ext cx="3207072" cy="1005900"/>
+            <a:off x="4645959" y="3374652"/>
+            <a:ext cx="3407463" cy="1005900"/>
           </a:xfrm>
           <a:prstGeom prst="rect">
             <a:avLst/>
@@ -8102,13 +8544,17 @@
           </a:lstStyle>
           <a:p>
             <a:pPr marL="0" indent="0" algn="r">
-              <a:buFont typeface="PT Serif"/>
               <a:buNone/>
             </a:pPr>
             <a:r>
               <a:rPr lang="en-US" sz="1800" dirty="0"/>
-              <a:t>@JayBazuzi</a:t>
+              <a:t>@</a:t>
             </a:r>
+            <a:r>
+              <a:rPr lang="en-US" sz="1800" dirty="0" err="1"/>
+              <a:t>JayBazuzi@mastodon.online</a:t>
+            </a:r>
+            <a:endParaRPr lang="en-US" sz="1800" dirty="0"/>
           </a:p>
           <a:p>
             <a:pPr marL="0" indent="0" algn="r">
